--- a/Claim Management Portal.pptx
+++ b/Claim Management Portal.pptx
@@ -23,9 +23,10 @@
     <p:sldId id="270" r:id="rId18"/>
     <p:sldId id="271" r:id="rId19"/>
     <p:sldId id="272" r:id="rId20"/>
+    <p:sldId id="273" r:id="rId21"/>
   </p:sldIdLst>
   <p:sldSz cx="9144000" cy="5143500"/>
-  <p:notesSz cx="6858000" cy="9144000"/>
+  <p:notesSz cx="7772400" cy="10058400"/>
 </p:presentation>
 </file>
 
@@ -70,7 +71,7 @@
       </p:grpSpPr>
       <p:sp>
         <p:nvSpPr>
-          <p:cNvPr id="28" name="PlaceHolder 1"/>
+          <p:cNvPr id="27" name="PlaceHolder 1"/>
           <p:cNvSpPr>
             <a:spLocks noGrp="1"/>
           </p:cNvSpPr>
@@ -80,8 +81,8 @@
         </p:nvSpPr>
         <p:spPr>
           <a:xfrm>
-            <a:off x="729360" y="1318680"/>
-            <a:ext cx="7688520" cy="534960"/>
+            <a:off x="729360" y="1273320"/>
+            <a:ext cx="7688160" cy="625320"/>
           </a:xfrm>
           <a:prstGeom prst="rect">
             <a:avLst/>
@@ -92,18 +93,16 @@
             <a:noAutofit/>
           </a:bodyPr>
           <a:p>
-            <a:endParaRPr b="0" lang="en-US" sz="1400" spc="-1" strike="noStrike">
-              <a:solidFill>
-                <a:srgbClr val="000000"/>
-              </a:solidFill>
-              <a:latin typeface="Arial"/>
-            </a:endParaRPr>
-          </a:p>
-        </p:txBody>
-      </p:sp>
-      <p:sp>
-        <p:nvSpPr>
-          <p:cNvPr id="29" name="PlaceHolder 2"/>
+            <a:pPr algn="ctr"/>
+            <a:endParaRPr b="0" lang="en-US" sz="4400" spc="-1" strike="noStrike">
+              <a:latin typeface="Arial"/>
+            </a:endParaRPr>
+          </a:p>
+        </p:txBody>
+      </p:sp>
+      <p:sp>
+        <p:nvSpPr>
+          <p:cNvPr id="28" name="PlaceHolder 2"/>
           <p:cNvSpPr>
             <a:spLocks noGrp="1"/>
           </p:cNvSpPr>
@@ -114,7 +113,7 @@
         <p:spPr>
           <a:xfrm>
             <a:off x="729360" y="2079000"/>
-            <a:ext cx="7688520" cy="1078200"/>
+            <a:ext cx="7688160" cy="1078200"/>
           </a:xfrm>
           <a:prstGeom prst="rect">
             <a:avLst/>
@@ -125,18 +124,15 @@
             <a:normAutofit/>
           </a:bodyPr>
           <a:p>
-            <a:endParaRPr b="0" lang="en-US" sz="1400" spc="-1" strike="noStrike">
-              <a:solidFill>
-                <a:srgbClr val="000000"/>
-              </a:solidFill>
-              <a:latin typeface="Arial"/>
-            </a:endParaRPr>
-          </a:p>
-        </p:txBody>
-      </p:sp>
-      <p:sp>
-        <p:nvSpPr>
-          <p:cNvPr id="30" name="PlaceHolder 3"/>
+            <a:endParaRPr b="0" lang="en-US" sz="3200" spc="-1" strike="noStrike">
+              <a:latin typeface="Arial"/>
+            </a:endParaRPr>
+          </a:p>
+        </p:txBody>
+      </p:sp>
+      <p:sp>
+        <p:nvSpPr>
+          <p:cNvPr id="29" name="PlaceHolder 3"/>
           <p:cNvSpPr>
             <a:spLocks noGrp="1"/>
           </p:cNvSpPr>
@@ -147,7 +143,7 @@
         <p:spPr>
           <a:xfrm>
             <a:off x="729360" y="3260160"/>
-            <a:ext cx="7688520" cy="1078200"/>
+            <a:ext cx="7688160" cy="1078200"/>
           </a:xfrm>
           <a:prstGeom prst="rect">
             <a:avLst/>
@@ -158,10 +154,7 @@
             <a:normAutofit/>
           </a:bodyPr>
           <a:p>
-            <a:endParaRPr b="0" lang="en-US" sz="1400" spc="-1" strike="noStrike">
-              <a:solidFill>
-                <a:srgbClr val="000000"/>
-              </a:solidFill>
+            <a:endParaRPr b="0" lang="en-US" sz="3200" spc="-1" strike="noStrike">
               <a:latin typeface="Arial"/>
             </a:endParaRPr>
           </a:p>
@@ -191,7 +184,7 @@
       </p:grpSpPr>
       <p:sp>
         <p:nvSpPr>
-          <p:cNvPr id="31" name="PlaceHolder 1"/>
+          <p:cNvPr id="30" name="PlaceHolder 1"/>
           <p:cNvSpPr>
             <a:spLocks noGrp="1"/>
           </p:cNvSpPr>
@@ -201,8 +194,8 @@
         </p:nvSpPr>
         <p:spPr>
           <a:xfrm>
-            <a:off x="729360" y="1318680"/>
-            <a:ext cx="7688520" cy="534960"/>
+            <a:off x="729360" y="1273320"/>
+            <a:ext cx="7688160" cy="625320"/>
           </a:xfrm>
           <a:prstGeom prst="rect">
             <a:avLst/>
@@ -213,18 +206,16 @@
             <a:noAutofit/>
           </a:bodyPr>
           <a:p>
-            <a:endParaRPr b="0" lang="en-US" sz="1400" spc="-1" strike="noStrike">
-              <a:solidFill>
-                <a:srgbClr val="000000"/>
-              </a:solidFill>
-              <a:latin typeface="Arial"/>
-            </a:endParaRPr>
-          </a:p>
-        </p:txBody>
-      </p:sp>
-      <p:sp>
-        <p:nvSpPr>
-          <p:cNvPr id="32" name="PlaceHolder 2"/>
+            <a:pPr algn="ctr"/>
+            <a:endParaRPr b="0" lang="en-US" sz="4400" spc="-1" strike="noStrike">
+              <a:latin typeface="Arial"/>
+            </a:endParaRPr>
+          </a:p>
+        </p:txBody>
+      </p:sp>
+      <p:sp>
+        <p:nvSpPr>
+          <p:cNvPr id="31" name="PlaceHolder 2"/>
           <p:cNvSpPr>
             <a:spLocks noGrp="1"/>
           </p:cNvSpPr>
@@ -235,7 +226,7 @@
         <p:spPr>
           <a:xfrm>
             <a:off x="729360" y="2079000"/>
-            <a:ext cx="3751920" cy="1078200"/>
+            <a:ext cx="3751560" cy="1078200"/>
           </a:xfrm>
           <a:prstGeom prst="rect">
             <a:avLst/>
@@ -246,18 +237,15 @@
             <a:normAutofit/>
           </a:bodyPr>
           <a:p>
-            <a:endParaRPr b="0" lang="en-US" sz="1400" spc="-1" strike="noStrike">
-              <a:solidFill>
-                <a:srgbClr val="000000"/>
-              </a:solidFill>
-              <a:latin typeface="Arial"/>
-            </a:endParaRPr>
-          </a:p>
-        </p:txBody>
-      </p:sp>
-      <p:sp>
-        <p:nvSpPr>
-          <p:cNvPr id="33" name="PlaceHolder 3"/>
+            <a:endParaRPr b="0" lang="en-US" sz="3200" spc="-1" strike="noStrike">
+              <a:latin typeface="Arial"/>
+            </a:endParaRPr>
+          </a:p>
+        </p:txBody>
+      </p:sp>
+      <p:sp>
+        <p:nvSpPr>
+          <p:cNvPr id="32" name="PlaceHolder 3"/>
           <p:cNvSpPr>
             <a:spLocks noGrp="1"/>
           </p:cNvSpPr>
@@ -267,8 +255,8 @@
         </p:nvSpPr>
         <p:spPr>
           <a:xfrm>
-            <a:off x="4669200" y="2079000"/>
-            <a:ext cx="3751920" cy="1078200"/>
+            <a:off x="4668840" y="2079000"/>
+            <a:ext cx="3751560" cy="1078200"/>
           </a:xfrm>
           <a:prstGeom prst="rect">
             <a:avLst/>
@@ -279,18 +267,15 @@
             <a:normAutofit/>
           </a:bodyPr>
           <a:p>
-            <a:endParaRPr b="0" lang="en-US" sz="1400" spc="-1" strike="noStrike">
-              <a:solidFill>
-                <a:srgbClr val="000000"/>
-              </a:solidFill>
-              <a:latin typeface="Arial"/>
-            </a:endParaRPr>
-          </a:p>
-        </p:txBody>
-      </p:sp>
-      <p:sp>
-        <p:nvSpPr>
-          <p:cNvPr id="34" name="PlaceHolder 4"/>
+            <a:endParaRPr b="0" lang="en-US" sz="3200" spc="-1" strike="noStrike">
+              <a:latin typeface="Arial"/>
+            </a:endParaRPr>
+          </a:p>
+        </p:txBody>
+      </p:sp>
+      <p:sp>
+        <p:nvSpPr>
+          <p:cNvPr id="33" name="PlaceHolder 4"/>
           <p:cNvSpPr>
             <a:spLocks noGrp="1"/>
           </p:cNvSpPr>
@@ -301,7 +286,7 @@
         <p:spPr>
           <a:xfrm>
             <a:off x="729360" y="3260160"/>
-            <a:ext cx="3751920" cy="1078200"/>
+            <a:ext cx="3751560" cy="1078200"/>
           </a:xfrm>
           <a:prstGeom prst="rect">
             <a:avLst/>
@@ -312,18 +297,15 @@
             <a:normAutofit/>
           </a:bodyPr>
           <a:p>
-            <a:endParaRPr b="0" lang="en-US" sz="1400" spc="-1" strike="noStrike">
-              <a:solidFill>
-                <a:srgbClr val="000000"/>
-              </a:solidFill>
-              <a:latin typeface="Arial"/>
-            </a:endParaRPr>
-          </a:p>
-        </p:txBody>
-      </p:sp>
-      <p:sp>
-        <p:nvSpPr>
-          <p:cNvPr id="35" name="PlaceHolder 5"/>
+            <a:endParaRPr b="0" lang="en-US" sz="3200" spc="-1" strike="noStrike">
+              <a:latin typeface="Arial"/>
+            </a:endParaRPr>
+          </a:p>
+        </p:txBody>
+      </p:sp>
+      <p:sp>
+        <p:nvSpPr>
+          <p:cNvPr id="34" name="PlaceHolder 5"/>
           <p:cNvSpPr>
             <a:spLocks noGrp="1"/>
           </p:cNvSpPr>
@@ -333,8 +315,8 @@
         </p:nvSpPr>
         <p:spPr>
           <a:xfrm>
-            <a:off x="4669200" y="3260160"/>
-            <a:ext cx="3751920" cy="1078200"/>
+            <a:off x="4668840" y="3260160"/>
+            <a:ext cx="3751560" cy="1078200"/>
           </a:xfrm>
           <a:prstGeom prst="rect">
             <a:avLst/>
@@ -345,10 +327,7 @@
             <a:normAutofit/>
           </a:bodyPr>
           <a:p>
-            <a:endParaRPr b="0" lang="en-US" sz="1400" spc="-1" strike="noStrike">
-              <a:solidFill>
-                <a:srgbClr val="000000"/>
-              </a:solidFill>
+            <a:endParaRPr b="0" lang="en-US" sz="3200" spc="-1" strike="noStrike">
               <a:latin typeface="Arial"/>
             </a:endParaRPr>
           </a:p>
@@ -378,7 +357,7 @@
       </p:grpSpPr>
       <p:sp>
         <p:nvSpPr>
-          <p:cNvPr id="36" name="PlaceHolder 1"/>
+          <p:cNvPr id="35" name="PlaceHolder 1"/>
           <p:cNvSpPr>
             <a:spLocks noGrp="1"/>
           </p:cNvSpPr>
@@ -388,8 +367,8 @@
         </p:nvSpPr>
         <p:spPr>
           <a:xfrm>
-            <a:off x="729360" y="1318680"/>
-            <a:ext cx="7688520" cy="534960"/>
+            <a:off x="729360" y="1273320"/>
+            <a:ext cx="7688160" cy="625320"/>
           </a:xfrm>
           <a:prstGeom prst="rect">
             <a:avLst/>
@@ -400,18 +379,16 @@
             <a:noAutofit/>
           </a:bodyPr>
           <a:p>
-            <a:endParaRPr b="0" lang="en-US" sz="1400" spc="-1" strike="noStrike">
-              <a:solidFill>
-                <a:srgbClr val="000000"/>
-              </a:solidFill>
-              <a:latin typeface="Arial"/>
-            </a:endParaRPr>
-          </a:p>
-        </p:txBody>
-      </p:sp>
-      <p:sp>
-        <p:nvSpPr>
-          <p:cNvPr id="37" name="PlaceHolder 2"/>
+            <a:pPr algn="ctr"/>
+            <a:endParaRPr b="0" lang="en-US" sz="4400" spc="-1" strike="noStrike">
+              <a:latin typeface="Arial"/>
+            </a:endParaRPr>
+          </a:p>
+        </p:txBody>
+      </p:sp>
+      <p:sp>
+        <p:nvSpPr>
+          <p:cNvPr id="36" name="PlaceHolder 2"/>
           <p:cNvSpPr>
             <a:spLocks noGrp="1"/>
           </p:cNvSpPr>
@@ -433,18 +410,15 @@
             <a:normAutofit/>
           </a:bodyPr>
           <a:p>
-            <a:endParaRPr b="0" lang="en-US" sz="1400" spc="-1" strike="noStrike">
-              <a:solidFill>
-                <a:srgbClr val="000000"/>
-              </a:solidFill>
-              <a:latin typeface="Arial"/>
-            </a:endParaRPr>
-          </a:p>
-        </p:txBody>
-      </p:sp>
-      <p:sp>
-        <p:nvSpPr>
-          <p:cNvPr id="38" name="PlaceHolder 3"/>
+            <a:endParaRPr b="0" lang="en-US" sz="3200" spc="-1" strike="noStrike">
+              <a:latin typeface="Arial"/>
+            </a:endParaRPr>
+          </a:p>
+        </p:txBody>
+      </p:sp>
+      <p:sp>
+        <p:nvSpPr>
+          <p:cNvPr id="37" name="PlaceHolder 3"/>
           <p:cNvSpPr>
             <a:spLocks noGrp="1"/>
           </p:cNvSpPr>
@@ -466,18 +440,15 @@
             <a:normAutofit/>
           </a:bodyPr>
           <a:p>
-            <a:endParaRPr b="0" lang="en-US" sz="1400" spc="-1" strike="noStrike">
-              <a:solidFill>
-                <a:srgbClr val="000000"/>
-              </a:solidFill>
-              <a:latin typeface="Arial"/>
-            </a:endParaRPr>
-          </a:p>
-        </p:txBody>
-      </p:sp>
-      <p:sp>
-        <p:nvSpPr>
-          <p:cNvPr id="39" name="PlaceHolder 4"/>
+            <a:endParaRPr b="0" lang="en-US" sz="3200" spc="-1" strike="noStrike">
+              <a:latin typeface="Arial"/>
+            </a:endParaRPr>
+          </a:p>
+        </p:txBody>
+      </p:sp>
+      <p:sp>
+        <p:nvSpPr>
+          <p:cNvPr id="38" name="PlaceHolder 4"/>
           <p:cNvSpPr>
             <a:spLocks noGrp="1"/>
           </p:cNvSpPr>
@@ -499,18 +470,15 @@
             <a:normAutofit/>
           </a:bodyPr>
           <a:p>
-            <a:endParaRPr b="0" lang="en-US" sz="1400" spc="-1" strike="noStrike">
-              <a:solidFill>
-                <a:srgbClr val="000000"/>
-              </a:solidFill>
-              <a:latin typeface="Arial"/>
-            </a:endParaRPr>
-          </a:p>
-        </p:txBody>
-      </p:sp>
-      <p:sp>
-        <p:nvSpPr>
-          <p:cNvPr id="40" name="PlaceHolder 5"/>
+            <a:endParaRPr b="0" lang="en-US" sz="3200" spc="-1" strike="noStrike">
+              <a:latin typeface="Arial"/>
+            </a:endParaRPr>
+          </a:p>
+        </p:txBody>
+      </p:sp>
+      <p:sp>
+        <p:nvSpPr>
+          <p:cNvPr id="39" name="PlaceHolder 5"/>
           <p:cNvSpPr>
             <a:spLocks noGrp="1"/>
           </p:cNvSpPr>
@@ -532,18 +500,15 @@
             <a:normAutofit/>
           </a:bodyPr>
           <a:p>
-            <a:endParaRPr b="0" lang="en-US" sz="1400" spc="-1" strike="noStrike">
-              <a:solidFill>
-                <a:srgbClr val="000000"/>
-              </a:solidFill>
-              <a:latin typeface="Arial"/>
-            </a:endParaRPr>
-          </a:p>
-        </p:txBody>
-      </p:sp>
-      <p:sp>
-        <p:nvSpPr>
-          <p:cNvPr id="41" name="PlaceHolder 6"/>
+            <a:endParaRPr b="0" lang="en-US" sz="3200" spc="-1" strike="noStrike">
+              <a:latin typeface="Arial"/>
+            </a:endParaRPr>
+          </a:p>
+        </p:txBody>
+      </p:sp>
+      <p:sp>
+        <p:nvSpPr>
+          <p:cNvPr id="40" name="PlaceHolder 6"/>
           <p:cNvSpPr>
             <a:spLocks noGrp="1"/>
           </p:cNvSpPr>
@@ -565,18 +530,15 @@
             <a:normAutofit/>
           </a:bodyPr>
           <a:p>
-            <a:endParaRPr b="0" lang="en-US" sz="1400" spc="-1" strike="noStrike">
-              <a:solidFill>
-                <a:srgbClr val="000000"/>
-              </a:solidFill>
-              <a:latin typeface="Arial"/>
-            </a:endParaRPr>
-          </a:p>
-        </p:txBody>
-      </p:sp>
-      <p:sp>
-        <p:nvSpPr>
-          <p:cNvPr id="42" name="PlaceHolder 7"/>
+            <a:endParaRPr b="0" lang="en-US" sz="3200" spc="-1" strike="noStrike">
+              <a:latin typeface="Arial"/>
+            </a:endParaRPr>
+          </a:p>
+        </p:txBody>
+      </p:sp>
+      <p:sp>
+        <p:nvSpPr>
+          <p:cNvPr id="41" name="PlaceHolder 7"/>
           <p:cNvSpPr>
             <a:spLocks noGrp="1"/>
           </p:cNvSpPr>
@@ -598,10 +560,7 @@
             <a:normAutofit/>
           </a:bodyPr>
           <a:p>
-            <a:endParaRPr b="0" lang="en-US" sz="1400" spc="-1" strike="noStrike">
-              <a:solidFill>
-                <a:srgbClr val="000000"/>
-              </a:solidFill>
+            <a:endParaRPr b="0" lang="en-US" sz="3200" spc="-1" strike="noStrike">
               <a:latin typeface="Arial"/>
             </a:endParaRPr>
           </a:p>
@@ -653,7 +612,7 @@
       </p:grpSpPr>
       <p:sp>
         <p:nvSpPr>
-          <p:cNvPr id="50" name="PlaceHolder 1"/>
+          <p:cNvPr id="48" name="PlaceHolder 1"/>
           <p:cNvSpPr>
             <a:spLocks noGrp="1"/>
           </p:cNvSpPr>
@@ -663,8 +622,8 @@
         </p:nvSpPr>
         <p:spPr>
           <a:xfrm>
-            <a:off x="729360" y="1318680"/>
-            <a:ext cx="7688520" cy="534960"/>
+            <a:off x="729360" y="1273320"/>
+            <a:ext cx="7688160" cy="625320"/>
           </a:xfrm>
           <a:prstGeom prst="rect">
             <a:avLst/>
@@ -675,18 +634,16 @@
             <a:noAutofit/>
           </a:bodyPr>
           <a:p>
-            <a:endParaRPr b="0" lang="en-US" sz="1400" spc="-1" strike="noStrike">
-              <a:solidFill>
-                <a:srgbClr val="000000"/>
-              </a:solidFill>
-              <a:latin typeface="Arial"/>
-            </a:endParaRPr>
-          </a:p>
-        </p:txBody>
-      </p:sp>
-      <p:sp>
-        <p:nvSpPr>
-          <p:cNvPr id="51" name="PlaceHolder 2"/>
+            <a:pPr algn="ctr"/>
+            <a:endParaRPr b="0" lang="en-US" sz="4400" spc="-1" strike="noStrike">
+              <a:latin typeface="Arial"/>
+            </a:endParaRPr>
+          </a:p>
+        </p:txBody>
+      </p:sp>
+      <p:sp>
+        <p:nvSpPr>
+          <p:cNvPr id="49" name="PlaceHolder 2"/>
           <p:cNvSpPr>
             <a:spLocks noGrp="1"/>
           </p:cNvSpPr>
@@ -697,7 +654,7 @@
         <p:spPr>
           <a:xfrm>
             <a:off x="729360" y="2079000"/>
-            <a:ext cx="7688520" cy="2260800"/>
+            <a:ext cx="7688160" cy="2260440"/>
           </a:xfrm>
           <a:prstGeom prst="rect">
             <a:avLst/>
@@ -739,7 +696,7 @@
       </p:grpSpPr>
       <p:sp>
         <p:nvSpPr>
-          <p:cNvPr id="52" name="PlaceHolder 1"/>
+          <p:cNvPr id="50" name="PlaceHolder 1"/>
           <p:cNvSpPr>
             <a:spLocks noGrp="1"/>
           </p:cNvSpPr>
@@ -749,8 +706,8 @@
         </p:nvSpPr>
         <p:spPr>
           <a:xfrm>
-            <a:off x="729360" y="1318680"/>
-            <a:ext cx="7688520" cy="534960"/>
+            <a:off x="729360" y="1273320"/>
+            <a:ext cx="7688160" cy="625320"/>
           </a:xfrm>
           <a:prstGeom prst="rect">
             <a:avLst/>
@@ -761,18 +718,16 @@
             <a:noAutofit/>
           </a:bodyPr>
           <a:p>
-            <a:endParaRPr b="0" lang="en-US" sz="1400" spc="-1" strike="noStrike">
-              <a:solidFill>
-                <a:srgbClr val="000000"/>
-              </a:solidFill>
-              <a:latin typeface="Arial"/>
-            </a:endParaRPr>
-          </a:p>
-        </p:txBody>
-      </p:sp>
-      <p:sp>
-        <p:nvSpPr>
-          <p:cNvPr id="53" name="PlaceHolder 2"/>
+            <a:pPr algn="ctr"/>
+            <a:endParaRPr b="0" lang="en-US" sz="4400" spc="-1" strike="noStrike">
+              <a:latin typeface="Arial"/>
+            </a:endParaRPr>
+          </a:p>
+        </p:txBody>
+      </p:sp>
+      <p:sp>
+        <p:nvSpPr>
+          <p:cNvPr id="51" name="PlaceHolder 2"/>
           <p:cNvSpPr>
             <a:spLocks noGrp="1"/>
           </p:cNvSpPr>
@@ -783,7 +738,7 @@
         <p:spPr>
           <a:xfrm>
             <a:off x="729360" y="2079000"/>
-            <a:ext cx="7688520" cy="2260800"/>
+            <a:ext cx="7688160" cy="2260440"/>
           </a:xfrm>
           <a:prstGeom prst="rect">
             <a:avLst/>
@@ -794,10 +749,7 @@
             <a:normAutofit/>
           </a:bodyPr>
           <a:p>
-            <a:endParaRPr b="0" lang="en-US" sz="1400" spc="-1" strike="noStrike">
-              <a:solidFill>
-                <a:srgbClr val="000000"/>
-              </a:solidFill>
+            <a:endParaRPr b="0" lang="en-US" sz="3200" spc="-1" strike="noStrike">
               <a:latin typeface="Arial"/>
             </a:endParaRPr>
           </a:p>
@@ -827,7 +779,7 @@
       </p:grpSpPr>
       <p:sp>
         <p:nvSpPr>
-          <p:cNvPr id="54" name="PlaceHolder 1"/>
+          <p:cNvPr id="52" name="PlaceHolder 1"/>
           <p:cNvSpPr>
             <a:spLocks noGrp="1"/>
           </p:cNvSpPr>
@@ -837,8 +789,8 @@
         </p:nvSpPr>
         <p:spPr>
           <a:xfrm>
-            <a:off x="729360" y="1318680"/>
-            <a:ext cx="7688520" cy="534960"/>
+            <a:off x="729360" y="1273320"/>
+            <a:ext cx="7688160" cy="625320"/>
           </a:xfrm>
           <a:prstGeom prst="rect">
             <a:avLst/>
@@ -849,18 +801,16 @@
             <a:noAutofit/>
           </a:bodyPr>
           <a:p>
-            <a:endParaRPr b="0" lang="en-US" sz="1400" spc="-1" strike="noStrike">
-              <a:solidFill>
-                <a:srgbClr val="000000"/>
-              </a:solidFill>
-              <a:latin typeface="Arial"/>
-            </a:endParaRPr>
-          </a:p>
-        </p:txBody>
-      </p:sp>
-      <p:sp>
-        <p:nvSpPr>
-          <p:cNvPr id="55" name="PlaceHolder 2"/>
+            <a:pPr algn="ctr"/>
+            <a:endParaRPr b="0" lang="en-US" sz="4400" spc="-1" strike="noStrike">
+              <a:latin typeface="Arial"/>
+            </a:endParaRPr>
+          </a:p>
+        </p:txBody>
+      </p:sp>
+      <p:sp>
+        <p:nvSpPr>
+          <p:cNvPr id="53" name="PlaceHolder 2"/>
           <p:cNvSpPr>
             <a:spLocks noGrp="1"/>
           </p:cNvSpPr>
@@ -871,7 +821,7 @@
         <p:spPr>
           <a:xfrm>
             <a:off x="729360" y="2079000"/>
-            <a:ext cx="3751920" cy="2260800"/>
+            <a:ext cx="3751560" cy="2260440"/>
           </a:xfrm>
           <a:prstGeom prst="rect">
             <a:avLst/>
@@ -882,18 +832,15 @@
             <a:normAutofit/>
           </a:bodyPr>
           <a:p>
-            <a:endParaRPr b="0" lang="en-US" sz="1400" spc="-1" strike="noStrike">
-              <a:solidFill>
-                <a:srgbClr val="000000"/>
-              </a:solidFill>
-              <a:latin typeface="Arial"/>
-            </a:endParaRPr>
-          </a:p>
-        </p:txBody>
-      </p:sp>
-      <p:sp>
-        <p:nvSpPr>
-          <p:cNvPr id="56" name="PlaceHolder 3"/>
+            <a:endParaRPr b="0" lang="en-US" sz="3200" spc="-1" strike="noStrike">
+              <a:latin typeface="Arial"/>
+            </a:endParaRPr>
+          </a:p>
+        </p:txBody>
+      </p:sp>
+      <p:sp>
+        <p:nvSpPr>
+          <p:cNvPr id="54" name="PlaceHolder 3"/>
           <p:cNvSpPr>
             <a:spLocks noGrp="1"/>
           </p:cNvSpPr>
@@ -903,8 +850,8 @@
         </p:nvSpPr>
         <p:spPr>
           <a:xfrm>
-            <a:off x="4669200" y="2079000"/>
-            <a:ext cx="3751920" cy="2260800"/>
+            <a:off x="4668840" y="2079000"/>
+            <a:ext cx="3751560" cy="2260440"/>
           </a:xfrm>
           <a:prstGeom prst="rect">
             <a:avLst/>
@@ -915,10 +862,7 @@
             <a:normAutofit/>
           </a:bodyPr>
           <a:p>
-            <a:endParaRPr b="0" lang="en-US" sz="1400" spc="-1" strike="noStrike">
-              <a:solidFill>
-                <a:srgbClr val="000000"/>
-              </a:solidFill>
+            <a:endParaRPr b="0" lang="en-US" sz="3200" spc="-1" strike="noStrike">
               <a:latin typeface="Arial"/>
             </a:endParaRPr>
           </a:p>
@@ -948,7 +892,7 @@
       </p:grpSpPr>
       <p:sp>
         <p:nvSpPr>
-          <p:cNvPr id="57" name="PlaceHolder 1"/>
+          <p:cNvPr id="55" name="PlaceHolder 1"/>
           <p:cNvSpPr>
             <a:spLocks noGrp="1"/>
           </p:cNvSpPr>
@@ -958,8 +902,8 @@
         </p:nvSpPr>
         <p:spPr>
           <a:xfrm>
-            <a:off x="729360" y="1318680"/>
-            <a:ext cx="7688520" cy="534960"/>
+            <a:off x="729360" y="1273320"/>
+            <a:ext cx="7688160" cy="625320"/>
           </a:xfrm>
           <a:prstGeom prst="rect">
             <a:avLst/>
@@ -970,10 +914,8 @@
             <a:noAutofit/>
           </a:bodyPr>
           <a:p>
-            <a:endParaRPr b="0" lang="en-US" sz="1400" spc="-1" strike="noStrike">
-              <a:solidFill>
-                <a:srgbClr val="000000"/>
-              </a:solidFill>
+            <a:pPr algn="ctr"/>
+            <a:endParaRPr b="0" lang="en-US" sz="4400" spc="-1" strike="noStrike">
               <a:latin typeface="Arial"/>
             </a:endParaRPr>
           </a:p>
@@ -1003,7 +945,7 @@
       </p:grpSpPr>
       <p:sp>
         <p:nvSpPr>
-          <p:cNvPr id="58" name="PlaceHolder 1"/>
+          <p:cNvPr id="56" name="PlaceHolder 1"/>
           <p:cNvSpPr>
             <a:spLocks noGrp="1"/>
           </p:cNvSpPr>
@@ -1014,7 +956,7 @@
         <p:spPr>
           <a:xfrm>
             <a:off x="729360" y="1318680"/>
-            <a:ext cx="7688520" cy="2481120"/>
+            <a:ext cx="7688160" cy="2479320"/>
           </a:xfrm>
           <a:prstGeom prst="rect">
             <a:avLst/>
@@ -1056,7 +998,7 @@
       </p:grpSpPr>
       <p:sp>
         <p:nvSpPr>
-          <p:cNvPr id="59" name="PlaceHolder 1"/>
+          <p:cNvPr id="57" name="PlaceHolder 1"/>
           <p:cNvSpPr>
             <a:spLocks noGrp="1"/>
           </p:cNvSpPr>
@@ -1066,8 +1008,8 @@
         </p:nvSpPr>
         <p:spPr>
           <a:xfrm>
-            <a:off x="729360" y="1318680"/>
-            <a:ext cx="7688520" cy="534960"/>
+            <a:off x="729360" y="1273320"/>
+            <a:ext cx="7688160" cy="625320"/>
           </a:xfrm>
           <a:prstGeom prst="rect">
             <a:avLst/>
@@ -1078,18 +1020,16 @@
             <a:noAutofit/>
           </a:bodyPr>
           <a:p>
-            <a:endParaRPr b="0" lang="en-US" sz="1400" spc="-1" strike="noStrike">
-              <a:solidFill>
-                <a:srgbClr val="000000"/>
-              </a:solidFill>
-              <a:latin typeface="Arial"/>
-            </a:endParaRPr>
-          </a:p>
-        </p:txBody>
-      </p:sp>
-      <p:sp>
-        <p:nvSpPr>
-          <p:cNvPr id="60" name="PlaceHolder 2"/>
+            <a:pPr algn="ctr"/>
+            <a:endParaRPr b="0" lang="en-US" sz="4400" spc="-1" strike="noStrike">
+              <a:latin typeface="Arial"/>
+            </a:endParaRPr>
+          </a:p>
+        </p:txBody>
+      </p:sp>
+      <p:sp>
+        <p:nvSpPr>
+          <p:cNvPr id="58" name="PlaceHolder 2"/>
           <p:cNvSpPr>
             <a:spLocks noGrp="1"/>
           </p:cNvSpPr>
@@ -1100,7 +1040,7 @@
         <p:spPr>
           <a:xfrm>
             <a:off x="729360" y="2079000"/>
-            <a:ext cx="3751920" cy="1078200"/>
+            <a:ext cx="3751560" cy="1078200"/>
           </a:xfrm>
           <a:prstGeom prst="rect">
             <a:avLst/>
@@ -1111,18 +1051,15 @@
             <a:normAutofit/>
           </a:bodyPr>
           <a:p>
-            <a:endParaRPr b="0" lang="en-US" sz="1400" spc="-1" strike="noStrike">
-              <a:solidFill>
-                <a:srgbClr val="000000"/>
-              </a:solidFill>
-              <a:latin typeface="Arial"/>
-            </a:endParaRPr>
-          </a:p>
-        </p:txBody>
-      </p:sp>
-      <p:sp>
-        <p:nvSpPr>
-          <p:cNvPr id="61" name="PlaceHolder 3"/>
+            <a:endParaRPr b="0" lang="en-US" sz="3200" spc="-1" strike="noStrike">
+              <a:latin typeface="Arial"/>
+            </a:endParaRPr>
+          </a:p>
+        </p:txBody>
+      </p:sp>
+      <p:sp>
+        <p:nvSpPr>
+          <p:cNvPr id="59" name="PlaceHolder 3"/>
           <p:cNvSpPr>
             <a:spLocks noGrp="1"/>
           </p:cNvSpPr>
@@ -1132,8 +1069,8 @@
         </p:nvSpPr>
         <p:spPr>
           <a:xfrm>
-            <a:off x="4669200" y="2079000"/>
-            <a:ext cx="3751920" cy="2260800"/>
+            <a:off x="4668840" y="2079000"/>
+            <a:ext cx="3751560" cy="2260440"/>
           </a:xfrm>
           <a:prstGeom prst="rect">
             <a:avLst/>
@@ -1144,18 +1081,15 @@
             <a:normAutofit/>
           </a:bodyPr>
           <a:p>
-            <a:endParaRPr b="0" lang="en-US" sz="1400" spc="-1" strike="noStrike">
-              <a:solidFill>
-                <a:srgbClr val="000000"/>
-              </a:solidFill>
-              <a:latin typeface="Arial"/>
-            </a:endParaRPr>
-          </a:p>
-        </p:txBody>
-      </p:sp>
-      <p:sp>
-        <p:nvSpPr>
-          <p:cNvPr id="62" name="PlaceHolder 4"/>
+            <a:endParaRPr b="0" lang="en-US" sz="3200" spc="-1" strike="noStrike">
+              <a:latin typeface="Arial"/>
+            </a:endParaRPr>
+          </a:p>
+        </p:txBody>
+      </p:sp>
+      <p:sp>
+        <p:nvSpPr>
+          <p:cNvPr id="60" name="PlaceHolder 4"/>
           <p:cNvSpPr>
             <a:spLocks noGrp="1"/>
           </p:cNvSpPr>
@@ -1166,7 +1100,7 @@
         <p:spPr>
           <a:xfrm>
             <a:off x="729360" y="3260160"/>
-            <a:ext cx="3751920" cy="1078200"/>
+            <a:ext cx="3751560" cy="1078200"/>
           </a:xfrm>
           <a:prstGeom prst="rect">
             <a:avLst/>
@@ -1177,10 +1111,7 @@
             <a:normAutofit/>
           </a:bodyPr>
           <a:p>
-            <a:endParaRPr b="0" lang="en-US" sz="1400" spc="-1" strike="noStrike">
-              <a:solidFill>
-                <a:srgbClr val="000000"/>
-              </a:solidFill>
+            <a:endParaRPr b="0" lang="en-US" sz="3200" spc="-1" strike="noStrike">
               <a:latin typeface="Arial"/>
             </a:endParaRPr>
           </a:p>
@@ -1210,7 +1141,7 @@
       </p:grpSpPr>
       <p:sp>
         <p:nvSpPr>
-          <p:cNvPr id="7" name="PlaceHolder 1"/>
+          <p:cNvPr id="6" name="PlaceHolder 1"/>
           <p:cNvSpPr>
             <a:spLocks noGrp="1"/>
           </p:cNvSpPr>
@@ -1220,8 +1151,8 @@
         </p:nvSpPr>
         <p:spPr>
           <a:xfrm>
-            <a:off x="729360" y="1318680"/>
-            <a:ext cx="7688520" cy="534960"/>
+            <a:off x="729360" y="1273320"/>
+            <a:ext cx="7688160" cy="625320"/>
           </a:xfrm>
           <a:prstGeom prst="rect">
             <a:avLst/>
@@ -1232,18 +1163,16 @@
             <a:noAutofit/>
           </a:bodyPr>
           <a:p>
-            <a:endParaRPr b="0" lang="en-US" sz="1400" spc="-1" strike="noStrike">
-              <a:solidFill>
-                <a:srgbClr val="000000"/>
-              </a:solidFill>
-              <a:latin typeface="Arial"/>
-            </a:endParaRPr>
-          </a:p>
-        </p:txBody>
-      </p:sp>
-      <p:sp>
-        <p:nvSpPr>
-          <p:cNvPr id="8" name="PlaceHolder 2"/>
+            <a:pPr algn="ctr"/>
+            <a:endParaRPr b="0" lang="en-US" sz="4400" spc="-1" strike="noStrike">
+              <a:latin typeface="Arial"/>
+            </a:endParaRPr>
+          </a:p>
+        </p:txBody>
+      </p:sp>
+      <p:sp>
+        <p:nvSpPr>
+          <p:cNvPr id="7" name="PlaceHolder 2"/>
           <p:cNvSpPr>
             <a:spLocks noGrp="1"/>
           </p:cNvSpPr>
@@ -1254,7 +1183,7 @@
         <p:spPr>
           <a:xfrm>
             <a:off x="729360" y="2079000"/>
-            <a:ext cx="7688520" cy="2260800"/>
+            <a:ext cx="7688160" cy="2260440"/>
           </a:xfrm>
           <a:prstGeom prst="rect">
             <a:avLst/>
@@ -1296,7 +1225,7 @@
       </p:grpSpPr>
       <p:sp>
         <p:nvSpPr>
-          <p:cNvPr id="63" name="PlaceHolder 1"/>
+          <p:cNvPr id="61" name="PlaceHolder 1"/>
           <p:cNvSpPr>
             <a:spLocks noGrp="1"/>
           </p:cNvSpPr>
@@ -1306,8 +1235,8 @@
         </p:nvSpPr>
         <p:spPr>
           <a:xfrm>
-            <a:off x="729360" y="1318680"/>
-            <a:ext cx="7688520" cy="534960"/>
+            <a:off x="729360" y="1273320"/>
+            <a:ext cx="7688160" cy="625320"/>
           </a:xfrm>
           <a:prstGeom prst="rect">
             <a:avLst/>
@@ -1318,18 +1247,16 @@
             <a:noAutofit/>
           </a:bodyPr>
           <a:p>
-            <a:endParaRPr b="0" lang="en-US" sz="1400" spc="-1" strike="noStrike">
-              <a:solidFill>
-                <a:srgbClr val="000000"/>
-              </a:solidFill>
-              <a:latin typeface="Arial"/>
-            </a:endParaRPr>
-          </a:p>
-        </p:txBody>
-      </p:sp>
-      <p:sp>
-        <p:nvSpPr>
-          <p:cNvPr id="64" name="PlaceHolder 2"/>
+            <a:pPr algn="ctr"/>
+            <a:endParaRPr b="0" lang="en-US" sz="4400" spc="-1" strike="noStrike">
+              <a:latin typeface="Arial"/>
+            </a:endParaRPr>
+          </a:p>
+        </p:txBody>
+      </p:sp>
+      <p:sp>
+        <p:nvSpPr>
+          <p:cNvPr id="62" name="PlaceHolder 2"/>
           <p:cNvSpPr>
             <a:spLocks noGrp="1"/>
           </p:cNvSpPr>
@@ -1340,7 +1267,7 @@
         <p:spPr>
           <a:xfrm>
             <a:off x="729360" y="2079000"/>
-            <a:ext cx="3751920" cy="2260800"/>
+            <a:ext cx="3751560" cy="2260440"/>
           </a:xfrm>
           <a:prstGeom prst="rect">
             <a:avLst/>
@@ -1351,18 +1278,15 @@
             <a:normAutofit/>
           </a:bodyPr>
           <a:p>
-            <a:endParaRPr b="0" lang="en-US" sz="1400" spc="-1" strike="noStrike">
-              <a:solidFill>
-                <a:srgbClr val="000000"/>
-              </a:solidFill>
-              <a:latin typeface="Arial"/>
-            </a:endParaRPr>
-          </a:p>
-        </p:txBody>
-      </p:sp>
-      <p:sp>
-        <p:nvSpPr>
-          <p:cNvPr id="65" name="PlaceHolder 3"/>
+            <a:endParaRPr b="0" lang="en-US" sz="3200" spc="-1" strike="noStrike">
+              <a:latin typeface="Arial"/>
+            </a:endParaRPr>
+          </a:p>
+        </p:txBody>
+      </p:sp>
+      <p:sp>
+        <p:nvSpPr>
+          <p:cNvPr id="63" name="PlaceHolder 3"/>
           <p:cNvSpPr>
             <a:spLocks noGrp="1"/>
           </p:cNvSpPr>
@@ -1372,8 +1296,8 @@
         </p:nvSpPr>
         <p:spPr>
           <a:xfrm>
-            <a:off x="4669200" y="2079000"/>
-            <a:ext cx="3751920" cy="1078200"/>
+            <a:off x="4668840" y="2079000"/>
+            <a:ext cx="3751560" cy="1078200"/>
           </a:xfrm>
           <a:prstGeom prst="rect">
             <a:avLst/>
@@ -1384,18 +1308,15 @@
             <a:normAutofit/>
           </a:bodyPr>
           <a:p>
-            <a:endParaRPr b="0" lang="en-US" sz="1400" spc="-1" strike="noStrike">
-              <a:solidFill>
-                <a:srgbClr val="000000"/>
-              </a:solidFill>
-              <a:latin typeface="Arial"/>
-            </a:endParaRPr>
-          </a:p>
-        </p:txBody>
-      </p:sp>
-      <p:sp>
-        <p:nvSpPr>
-          <p:cNvPr id="66" name="PlaceHolder 4"/>
+            <a:endParaRPr b="0" lang="en-US" sz="3200" spc="-1" strike="noStrike">
+              <a:latin typeface="Arial"/>
+            </a:endParaRPr>
+          </a:p>
+        </p:txBody>
+      </p:sp>
+      <p:sp>
+        <p:nvSpPr>
+          <p:cNvPr id="64" name="PlaceHolder 4"/>
           <p:cNvSpPr>
             <a:spLocks noGrp="1"/>
           </p:cNvSpPr>
@@ -1405,8 +1326,8 @@
         </p:nvSpPr>
         <p:spPr>
           <a:xfrm>
-            <a:off x="4669200" y="3260160"/>
-            <a:ext cx="3751920" cy="1078200"/>
+            <a:off x="4668840" y="3260160"/>
+            <a:ext cx="3751560" cy="1078200"/>
           </a:xfrm>
           <a:prstGeom prst="rect">
             <a:avLst/>
@@ -1417,10 +1338,7 @@
             <a:normAutofit/>
           </a:bodyPr>
           <a:p>
-            <a:endParaRPr b="0" lang="en-US" sz="1400" spc="-1" strike="noStrike">
-              <a:solidFill>
-                <a:srgbClr val="000000"/>
-              </a:solidFill>
+            <a:endParaRPr b="0" lang="en-US" sz="3200" spc="-1" strike="noStrike">
               <a:latin typeface="Arial"/>
             </a:endParaRPr>
           </a:p>
@@ -1450,7 +1368,7 @@
       </p:grpSpPr>
       <p:sp>
         <p:nvSpPr>
-          <p:cNvPr id="67" name="PlaceHolder 1"/>
+          <p:cNvPr id="65" name="PlaceHolder 1"/>
           <p:cNvSpPr>
             <a:spLocks noGrp="1"/>
           </p:cNvSpPr>
@@ -1460,8 +1378,8 @@
         </p:nvSpPr>
         <p:spPr>
           <a:xfrm>
-            <a:off x="729360" y="1318680"/>
-            <a:ext cx="7688520" cy="534960"/>
+            <a:off x="729360" y="1273320"/>
+            <a:ext cx="7688160" cy="625320"/>
           </a:xfrm>
           <a:prstGeom prst="rect">
             <a:avLst/>
@@ -1472,18 +1390,16 @@
             <a:noAutofit/>
           </a:bodyPr>
           <a:p>
-            <a:endParaRPr b="0" lang="en-US" sz="1400" spc="-1" strike="noStrike">
-              <a:solidFill>
-                <a:srgbClr val="000000"/>
-              </a:solidFill>
-              <a:latin typeface="Arial"/>
-            </a:endParaRPr>
-          </a:p>
-        </p:txBody>
-      </p:sp>
-      <p:sp>
-        <p:nvSpPr>
-          <p:cNvPr id="68" name="PlaceHolder 2"/>
+            <a:pPr algn="ctr"/>
+            <a:endParaRPr b="0" lang="en-US" sz="4400" spc="-1" strike="noStrike">
+              <a:latin typeface="Arial"/>
+            </a:endParaRPr>
+          </a:p>
+        </p:txBody>
+      </p:sp>
+      <p:sp>
+        <p:nvSpPr>
+          <p:cNvPr id="66" name="PlaceHolder 2"/>
           <p:cNvSpPr>
             <a:spLocks noGrp="1"/>
           </p:cNvSpPr>
@@ -1494,7 +1410,7 @@
         <p:spPr>
           <a:xfrm>
             <a:off x="729360" y="2079000"/>
-            <a:ext cx="3751920" cy="1078200"/>
+            <a:ext cx="3751560" cy="1078200"/>
           </a:xfrm>
           <a:prstGeom prst="rect">
             <a:avLst/>
@@ -1505,18 +1421,15 @@
             <a:normAutofit/>
           </a:bodyPr>
           <a:p>
-            <a:endParaRPr b="0" lang="en-US" sz="1400" spc="-1" strike="noStrike">
-              <a:solidFill>
-                <a:srgbClr val="000000"/>
-              </a:solidFill>
-              <a:latin typeface="Arial"/>
-            </a:endParaRPr>
-          </a:p>
-        </p:txBody>
-      </p:sp>
-      <p:sp>
-        <p:nvSpPr>
-          <p:cNvPr id="69" name="PlaceHolder 3"/>
+            <a:endParaRPr b="0" lang="en-US" sz="3200" spc="-1" strike="noStrike">
+              <a:latin typeface="Arial"/>
+            </a:endParaRPr>
+          </a:p>
+        </p:txBody>
+      </p:sp>
+      <p:sp>
+        <p:nvSpPr>
+          <p:cNvPr id="67" name="PlaceHolder 3"/>
           <p:cNvSpPr>
             <a:spLocks noGrp="1"/>
           </p:cNvSpPr>
@@ -1526,8 +1439,8 @@
         </p:nvSpPr>
         <p:spPr>
           <a:xfrm>
-            <a:off x="4669200" y="2079000"/>
-            <a:ext cx="3751920" cy="1078200"/>
+            <a:off x="4668840" y="2079000"/>
+            <a:ext cx="3751560" cy="1078200"/>
           </a:xfrm>
           <a:prstGeom prst="rect">
             <a:avLst/>
@@ -1538,18 +1451,15 @@
             <a:normAutofit/>
           </a:bodyPr>
           <a:p>
-            <a:endParaRPr b="0" lang="en-US" sz="1400" spc="-1" strike="noStrike">
-              <a:solidFill>
-                <a:srgbClr val="000000"/>
-              </a:solidFill>
-              <a:latin typeface="Arial"/>
-            </a:endParaRPr>
-          </a:p>
-        </p:txBody>
-      </p:sp>
-      <p:sp>
-        <p:nvSpPr>
-          <p:cNvPr id="70" name="PlaceHolder 4"/>
+            <a:endParaRPr b="0" lang="en-US" sz="3200" spc="-1" strike="noStrike">
+              <a:latin typeface="Arial"/>
+            </a:endParaRPr>
+          </a:p>
+        </p:txBody>
+      </p:sp>
+      <p:sp>
+        <p:nvSpPr>
+          <p:cNvPr id="68" name="PlaceHolder 4"/>
           <p:cNvSpPr>
             <a:spLocks noGrp="1"/>
           </p:cNvSpPr>
@@ -1560,7 +1470,7 @@
         <p:spPr>
           <a:xfrm>
             <a:off x="729360" y="3260160"/>
-            <a:ext cx="7688520" cy="1078200"/>
+            <a:ext cx="7688160" cy="1078200"/>
           </a:xfrm>
           <a:prstGeom prst="rect">
             <a:avLst/>
@@ -1571,10 +1481,7 @@
             <a:normAutofit/>
           </a:bodyPr>
           <a:p>
-            <a:endParaRPr b="0" lang="en-US" sz="1400" spc="-1" strike="noStrike">
-              <a:solidFill>
-                <a:srgbClr val="000000"/>
-              </a:solidFill>
+            <a:endParaRPr b="0" lang="en-US" sz="3200" spc="-1" strike="noStrike">
               <a:latin typeface="Arial"/>
             </a:endParaRPr>
           </a:p>
@@ -1604,7 +1511,7 @@
       </p:grpSpPr>
       <p:sp>
         <p:nvSpPr>
-          <p:cNvPr id="71" name="PlaceHolder 1"/>
+          <p:cNvPr id="69" name="PlaceHolder 1"/>
           <p:cNvSpPr>
             <a:spLocks noGrp="1"/>
           </p:cNvSpPr>
@@ -1614,8 +1521,8 @@
         </p:nvSpPr>
         <p:spPr>
           <a:xfrm>
-            <a:off x="729360" y="1318680"/>
-            <a:ext cx="7688520" cy="534960"/>
+            <a:off x="729360" y="1273320"/>
+            <a:ext cx="7688160" cy="625320"/>
           </a:xfrm>
           <a:prstGeom prst="rect">
             <a:avLst/>
@@ -1626,18 +1533,16 @@
             <a:noAutofit/>
           </a:bodyPr>
           <a:p>
-            <a:endParaRPr b="0" lang="en-US" sz="1400" spc="-1" strike="noStrike">
-              <a:solidFill>
-                <a:srgbClr val="000000"/>
-              </a:solidFill>
-              <a:latin typeface="Arial"/>
-            </a:endParaRPr>
-          </a:p>
-        </p:txBody>
-      </p:sp>
-      <p:sp>
-        <p:nvSpPr>
-          <p:cNvPr id="72" name="PlaceHolder 2"/>
+            <a:pPr algn="ctr"/>
+            <a:endParaRPr b="0" lang="en-US" sz="4400" spc="-1" strike="noStrike">
+              <a:latin typeface="Arial"/>
+            </a:endParaRPr>
+          </a:p>
+        </p:txBody>
+      </p:sp>
+      <p:sp>
+        <p:nvSpPr>
+          <p:cNvPr id="70" name="PlaceHolder 2"/>
           <p:cNvSpPr>
             <a:spLocks noGrp="1"/>
           </p:cNvSpPr>
@@ -1648,7 +1553,7 @@
         <p:spPr>
           <a:xfrm>
             <a:off x="729360" y="2079000"/>
-            <a:ext cx="7688520" cy="1078200"/>
+            <a:ext cx="7688160" cy="1078200"/>
           </a:xfrm>
           <a:prstGeom prst="rect">
             <a:avLst/>
@@ -1659,18 +1564,15 @@
             <a:normAutofit/>
           </a:bodyPr>
           <a:p>
-            <a:endParaRPr b="0" lang="en-US" sz="1400" spc="-1" strike="noStrike">
-              <a:solidFill>
-                <a:srgbClr val="000000"/>
-              </a:solidFill>
-              <a:latin typeface="Arial"/>
-            </a:endParaRPr>
-          </a:p>
-        </p:txBody>
-      </p:sp>
-      <p:sp>
-        <p:nvSpPr>
-          <p:cNvPr id="73" name="PlaceHolder 3"/>
+            <a:endParaRPr b="0" lang="en-US" sz="3200" spc="-1" strike="noStrike">
+              <a:latin typeface="Arial"/>
+            </a:endParaRPr>
+          </a:p>
+        </p:txBody>
+      </p:sp>
+      <p:sp>
+        <p:nvSpPr>
+          <p:cNvPr id="71" name="PlaceHolder 3"/>
           <p:cNvSpPr>
             <a:spLocks noGrp="1"/>
           </p:cNvSpPr>
@@ -1681,7 +1583,7 @@
         <p:spPr>
           <a:xfrm>
             <a:off x="729360" y="3260160"/>
-            <a:ext cx="7688520" cy="1078200"/>
+            <a:ext cx="7688160" cy="1078200"/>
           </a:xfrm>
           <a:prstGeom prst="rect">
             <a:avLst/>
@@ -1692,10 +1594,7 @@
             <a:normAutofit/>
           </a:bodyPr>
           <a:p>
-            <a:endParaRPr b="0" lang="en-US" sz="1400" spc="-1" strike="noStrike">
-              <a:solidFill>
-                <a:srgbClr val="000000"/>
-              </a:solidFill>
+            <a:endParaRPr b="0" lang="en-US" sz="3200" spc="-1" strike="noStrike">
               <a:latin typeface="Arial"/>
             </a:endParaRPr>
           </a:p>
@@ -1725,7 +1624,7 @@
       </p:grpSpPr>
       <p:sp>
         <p:nvSpPr>
-          <p:cNvPr id="74" name="PlaceHolder 1"/>
+          <p:cNvPr id="72" name="PlaceHolder 1"/>
           <p:cNvSpPr>
             <a:spLocks noGrp="1"/>
           </p:cNvSpPr>
@@ -1735,8 +1634,8 @@
         </p:nvSpPr>
         <p:spPr>
           <a:xfrm>
-            <a:off x="729360" y="1318680"/>
-            <a:ext cx="7688520" cy="534960"/>
+            <a:off x="729360" y="1273320"/>
+            <a:ext cx="7688160" cy="625320"/>
           </a:xfrm>
           <a:prstGeom prst="rect">
             <a:avLst/>
@@ -1747,18 +1646,16 @@
             <a:noAutofit/>
           </a:bodyPr>
           <a:p>
-            <a:endParaRPr b="0" lang="en-US" sz="1400" spc="-1" strike="noStrike">
-              <a:solidFill>
-                <a:srgbClr val="000000"/>
-              </a:solidFill>
-              <a:latin typeface="Arial"/>
-            </a:endParaRPr>
-          </a:p>
-        </p:txBody>
-      </p:sp>
-      <p:sp>
-        <p:nvSpPr>
-          <p:cNvPr id="75" name="PlaceHolder 2"/>
+            <a:pPr algn="ctr"/>
+            <a:endParaRPr b="0" lang="en-US" sz="4400" spc="-1" strike="noStrike">
+              <a:latin typeface="Arial"/>
+            </a:endParaRPr>
+          </a:p>
+        </p:txBody>
+      </p:sp>
+      <p:sp>
+        <p:nvSpPr>
+          <p:cNvPr id="73" name="PlaceHolder 2"/>
           <p:cNvSpPr>
             <a:spLocks noGrp="1"/>
           </p:cNvSpPr>
@@ -1769,7 +1666,7 @@
         <p:spPr>
           <a:xfrm>
             <a:off x="729360" y="2079000"/>
-            <a:ext cx="3751920" cy="1078200"/>
+            <a:ext cx="3751560" cy="1078200"/>
           </a:xfrm>
           <a:prstGeom prst="rect">
             <a:avLst/>
@@ -1780,18 +1677,15 @@
             <a:normAutofit/>
           </a:bodyPr>
           <a:p>
-            <a:endParaRPr b="0" lang="en-US" sz="1400" spc="-1" strike="noStrike">
-              <a:solidFill>
-                <a:srgbClr val="000000"/>
-              </a:solidFill>
-              <a:latin typeface="Arial"/>
-            </a:endParaRPr>
-          </a:p>
-        </p:txBody>
-      </p:sp>
-      <p:sp>
-        <p:nvSpPr>
-          <p:cNvPr id="76" name="PlaceHolder 3"/>
+            <a:endParaRPr b="0" lang="en-US" sz="3200" spc="-1" strike="noStrike">
+              <a:latin typeface="Arial"/>
+            </a:endParaRPr>
+          </a:p>
+        </p:txBody>
+      </p:sp>
+      <p:sp>
+        <p:nvSpPr>
+          <p:cNvPr id="74" name="PlaceHolder 3"/>
           <p:cNvSpPr>
             <a:spLocks noGrp="1"/>
           </p:cNvSpPr>
@@ -1801,8 +1695,8 @@
         </p:nvSpPr>
         <p:spPr>
           <a:xfrm>
-            <a:off x="4669200" y="2079000"/>
-            <a:ext cx="3751920" cy="1078200"/>
+            <a:off x="4668840" y="2079000"/>
+            <a:ext cx="3751560" cy="1078200"/>
           </a:xfrm>
           <a:prstGeom prst="rect">
             <a:avLst/>
@@ -1813,18 +1707,15 @@
             <a:normAutofit/>
           </a:bodyPr>
           <a:p>
-            <a:endParaRPr b="0" lang="en-US" sz="1400" spc="-1" strike="noStrike">
-              <a:solidFill>
-                <a:srgbClr val="000000"/>
-              </a:solidFill>
-              <a:latin typeface="Arial"/>
-            </a:endParaRPr>
-          </a:p>
-        </p:txBody>
-      </p:sp>
-      <p:sp>
-        <p:nvSpPr>
-          <p:cNvPr id="77" name="PlaceHolder 4"/>
+            <a:endParaRPr b="0" lang="en-US" sz="3200" spc="-1" strike="noStrike">
+              <a:latin typeface="Arial"/>
+            </a:endParaRPr>
+          </a:p>
+        </p:txBody>
+      </p:sp>
+      <p:sp>
+        <p:nvSpPr>
+          <p:cNvPr id="75" name="PlaceHolder 4"/>
           <p:cNvSpPr>
             <a:spLocks noGrp="1"/>
           </p:cNvSpPr>
@@ -1835,7 +1726,7 @@
         <p:spPr>
           <a:xfrm>
             <a:off x="729360" y="3260160"/>
-            <a:ext cx="3751920" cy="1078200"/>
+            <a:ext cx="3751560" cy="1078200"/>
           </a:xfrm>
           <a:prstGeom prst="rect">
             <a:avLst/>
@@ -1846,18 +1737,15 @@
             <a:normAutofit/>
           </a:bodyPr>
           <a:p>
-            <a:endParaRPr b="0" lang="en-US" sz="1400" spc="-1" strike="noStrike">
-              <a:solidFill>
-                <a:srgbClr val="000000"/>
-              </a:solidFill>
-              <a:latin typeface="Arial"/>
-            </a:endParaRPr>
-          </a:p>
-        </p:txBody>
-      </p:sp>
-      <p:sp>
-        <p:nvSpPr>
-          <p:cNvPr id="78" name="PlaceHolder 5"/>
+            <a:endParaRPr b="0" lang="en-US" sz="3200" spc="-1" strike="noStrike">
+              <a:latin typeface="Arial"/>
+            </a:endParaRPr>
+          </a:p>
+        </p:txBody>
+      </p:sp>
+      <p:sp>
+        <p:nvSpPr>
+          <p:cNvPr id="76" name="PlaceHolder 5"/>
           <p:cNvSpPr>
             <a:spLocks noGrp="1"/>
           </p:cNvSpPr>
@@ -1867,8 +1755,8 @@
         </p:nvSpPr>
         <p:spPr>
           <a:xfrm>
-            <a:off x="4669200" y="3260160"/>
-            <a:ext cx="3751920" cy="1078200"/>
+            <a:off x="4668840" y="3260160"/>
+            <a:ext cx="3751560" cy="1078200"/>
           </a:xfrm>
           <a:prstGeom prst="rect">
             <a:avLst/>
@@ -1879,10 +1767,7 @@
             <a:normAutofit/>
           </a:bodyPr>
           <a:p>
-            <a:endParaRPr b="0" lang="en-US" sz="1400" spc="-1" strike="noStrike">
-              <a:solidFill>
-                <a:srgbClr val="000000"/>
-              </a:solidFill>
+            <a:endParaRPr b="0" lang="en-US" sz="3200" spc="-1" strike="noStrike">
               <a:latin typeface="Arial"/>
             </a:endParaRPr>
           </a:p>
@@ -1912,7 +1797,7 @@
       </p:grpSpPr>
       <p:sp>
         <p:nvSpPr>
-          <p:cNvPr id="79" name="PlaceHolder 1"/>
+          <p:cNvPr id="77" name="PlaceHolder 1"/>
           <p:cNvSpPr>
             <a:spLocks noGrp="1"/>
           </p:cNvSpPr>
@@ -1922,8 +1807,8 @@
         </p:nvSpPr>
         <p:spPr>
           <a:xfrm>
-            <a:off x="729360" y="1318680"/>
-            <a:ext cx="7688520" cy="534960"/>
+            <a:off x="729360" y="1273320"/>
+            <a:ext cx="7688160" cy="625320"/>
           </a:xfrm>
           <a:prstGeom prst="rect">
             <a:avLst/>
@@ -1934,18 +1819,16 @@
             <a:noAutofit/>
           </a:bodyPr>
           <a:p>
-            <a:endParaRPr b="0" lang="en-US" sz="1400" spc="-1" strike="noStrike">
-              <a:solidFill>
-                <a:srgbClr val="000000"/>
-              </a:solidFill>
-              <a:latin typeface="Arial"/>
-            </a:endParaRPr>
-          </a:p>
-        </p:txBody>
-      </p:sp>
-      <p:sp>
-        <p:nvSpPr>
-          <p:cNvPr id="80" name="PlaceHolder 2"/>
+            <a:pPr algn="ctr"/>
+            <a:endParaRPr b="0" lang="en-US" sz="4400" spc="-1" strike="noStrike">
+              <a:latin typeface="Arial"/>
+            </a:endParaRPr>
+          </a:p>
+        </p:txBody>
+      </p:sp>
+      <p:sp>
+        <p:nvSpPr>
+          <p:cNvPr id="78" name="PlaceHolder 2"/>
           <p:cNvSpPr>
             <a:spLocks noGrp="1"/>
           </p:cNvSpPr>
@@ -1967,18 +1850,15 @@
             <a:normAutofit/>
           </a:bodyPr>
           <a:p>
-            <a:endParaRPr b="0" lang="en-US" sz="1400" spc="-1" strike="noStrike">
-              <a:solidFill>
-                <a:srgbClr val="000000"/>
-              </a:solidFill>
-              <a:latin typeface="Arial"/>
-            </a:endParaRPr>
-          </a:p>
-        </p:txBody>
-      </p:sp>
-      <p:sp>
-        <p:nvSpPr>
-          <p:cNvPr id="81" name="PlaceHolder 3"/>
+            <a:endParaRPr b="0" lang="en-US" sz="3200" spc="-1" strike="noStrike">
+              <a:latin typeface="Arial"/>
+            </a:endParaRPr>
+          </a:p>
+        </p:txBody>
+      </p:sp>
+      <p:sp>
+        <p:nvSpPr>
+          <p:cNvPr id="79" name="PlaceHolder 3"/>
           <p:cNvSpPr>
             <a:spLocks noGrp="1"/>
           </p:cNvSpPr>
@@ -2000,18 +1880,15 @@
             <a:normAutofit/>
           </a:bodyPr>
           <a:p>
-            <a:endParaRPr b="0" lang="en-US" sz="1400" spc="-1" strike="noStrike">
-              <a:solidFill>
-                <a:srgbClr val="000000"/>
-              </a:solidFill>
-              <a:latin typeface="Arial"/>
-            </a:endParaRPr>
-          </a:p>
-        </p:txBody>
-      </p:sp>
-      <p:sp>
-        <p:nvSpPr>
-          <p:cNvPr id="82" name="PlaceHolder 4"/>
+            <a:endParaRPr b="0" lang="en-US" sz="3200" spc="-1" strike="noStrike">
+              <a:latin typeface="Arial"/>
+            </a:endParaRPr>
+          </a:p>
+        </p:txBody>
+      </p:sp>
+      <p:sp>
+        <p:nvSpPr>
+          <p:cNvPr id="80" name="PlaceHolder 4"/>
           <p:cNvSpPr>
             <a:spLocks noGrp="1"/>
           </p:cNvSpPr>
@@ -2033,18 +1910,15 @@
             <a:normAutofit/>
           </a:bodyPr>
           <a:p>
-            <a:endParaRPr b="0" lang="en-US" sz="1400" spc="-1" strike="noStrike">
-              <a:solidFill>
-                <a:srgbClr val="000000"/>
-              </a:solidFill>
-              <a:latin typeface="Arial"/>
-            </a:endParaRPr>
-          </a:p>
-        </p:txBody>
-      </p:sp>
-      <p:sp>
-        <p:nvSpPr>
-          <p:cNvPr id="83" name="PlaceHolder 5"/>
+            <a:endParaRPr b="0" lang="en-US" sz="3200" spc="-1" strike="noStrike">
+              <a:latin typeface="Arial"/>
+            </a:endParaRPr>
+          </a:p>
+        </p:txBody>
+      </p:sp>
+      <p:sp>
+        <p:nvSpPr>
+          <p:cNvPr id="81" name="PlaceHolder 5"/>
           <p:cNvSpPr>
             <a:spLocks noGrp="1"/>
           </p:cNvSpPr>
@@ -2066,18 +1940,15 @@
             <a:normAutofit/>
           </a:bodyPr>
           <a:p>
-            <a:endParaRPr b="0" lang="en-US" sz="1400" spc="-1" strike="noStrike">
-              <a:solidFill>
-                <a:srgbClr val="000000"/>
-              </a:solidFill>
-              <a:latin typeface="Arial"/>
-            </a:endParaRPr>
-          </a:p>
-        </p:txBody>
-      </p:sp>
-      <p:sp>
-        <p:nvSpPr>
-          <p:cNvPr id="84" name="PlaceHolder 6"/>
+            <a:endParaRPr b="0" lang="en-US" sz="3200" spc="-1" strike="noStrike">
+              <a:latin typeface="Arial"/>
+            </a:endParaRPr>
+          </a:p>
+        </p:txBody>
+      </p:sp>
+      <p:sp>
+        <p:nvSpPr>
+          <p:cNvPr id="82" name="PlaceHolder 6"/>
           <p:cNvSpPr>
             <a:spLocks noGrp="1"/>
           </p:cNvSpPr>
@@ -2099,18 +1970,15 @@
             <a:normAutofit/>
           </a:bodyPr>
           <a:p>
-            <a:endParaRPr b="0" lang="en-US" sz="1400" spc="-1" strike="noStrike">
-              <a:solidFill>
-                <a:srgbClr val="000000"/>
-              </a:solidFill>
-              <a:latin typeface="Arial"/>
-            </a:endParaRPr>
-          </a:p>
-        </p:txBody>
-      </p:sp>
-      <p:sp>
-        <p:nvSpPr>
-          <p:cNvPr id="85" name="PlaceHolder 7"/>
+            <a:endParaRPr b="0" lang="en-US" sz="3200" spc="-1" strike="noStrike">
+              <a:latin typeface="Arial"/>
+            </a:endParaRPr>
+          </a:p>
+        </p:txBody>
+      </p:sp>
+      <p:sp>
+        <p:nvSpPr>
+          <p:cNvPr id="83" name="PlaceHolder 7"/>
           <p:cNvSpPr>
             <a:spLocks noGrp="1"/>
           </p:cNvSpPr>
@@ -2132,10 +2000,7 @@
             <a:normAutofit/>
           </a:bodyPr>
           <a:p>
-            <a:endParaRPr b="0" lang="en-US" sz="1400" spc="-1" strike="noStrike">
-              <a:solidFill>
-                <a:srgbClr val="000000"/>
-              </a:solidFill>
+            <a:endParaRPr b="0" lang="en-US" sz="3200" spc="-1" strike="noStrike">
               <a:latin typeface="Arial"/>
             </a:endParaRPr>
           </a:p>
@@ -2165,7 +2030,7 @@
       </p:grpSpPr>
       <p:sp>
         <p:nvSpPr>
-          <p:cNvPr id="9" name="PlaceHolder 1"/>
+          <p:cNvPr id="8" name="PlaceHolder 1"/>
           <p:cNvSpPr>
             <a:spLocks noGrp="1"/>
           </p:cNvSpPr>
@@ -2175,8 +2040,8 @@
         </p:nvSpPr>
         <p:spPr>
           <a:xfrm>
-            <a:off x="729360" y="1318680"/>
-            <a:ext cx="7688520" cy="534960"/>
+            <a:off x="729360" y="1273320"/>
+            <a:ext cx="7688160" cy="625320"/>
           </a:xfrm>
           <a:prstGeom prst="rect">
             <a:avLst/>
@@ -2187,18 +2052,16 @@
             <a:noAutofit/>
           </a:bodyPr>
           <a:p>
-            <a:endParaRPr b="0" lang="en-US" sz="1400" spc="-1" strike="noStrike">
-              <a:solidFill>
-                <a:srgbClr val="000000"/>
-              </a:solidFill>
-              <a:latin typeface="Arial"/>
-            </a:endParaRPr>
-          </a:p>
-        </p:txBody>
-      </p:sp>
-      <p:sp>
-        <p:nvSpPr>
-          <p:cNvPr id="10" name="PlaceHolder 2"/>
+            <a:pPr algn="ctr"/>
+            <a:endParaRPr b="0" lang="en-US" sz="4400" spc="-1" strike="noStrike">
+              <a:latin typeface="Arial"/>
+            </a:endParaRPr>
+          </a:p>
+        </p:txBody>
+      </p:sp>
+      <p:sp>
+        <p:nvSpPr>
+          <p:cNvPr id="9" name="PlaceHolder 2"/>
           <p:cNvSpPr>
             <a:spLocks noGrp="1"/>
           </p:cNvSpPr>
@@ -2209,7 +2072,7 @@
         <p:spPr>
           <a:xfrm>
             <a:off x="729360" y="2079000"/>
-            <a:ext cx="7688520" cy="2260800"/>
+            <a:ext cx="7688160" cy="2260440"/>
           </a:xfrm>
           <a:prstGeom prst="rect">
             <a:avLst/>
@@ -2220,10 +2083,7 @@
             <a:normAutofit/>
           </a:bodyPr>
           <a:p>
-            <a:endParaRPr b="0" lang="en-US" sz="1400" spc="-1" strike="noStrike">
-              <a:solidFill>
-                <a:srgbClr val="000000"/>
-              </a:solidFill>
+            <a:endParaRPr b="0" lang="en-US" sz="3200" spc="-1" strike="noStrike">
               <a:latin typeface="Arial"/>
             </a:endParaRPr>
           </a:p>
@@ -2253,7 +2113,7 @@
       </p:grpSpPr>
       <p:sp>
         <p:nvSpPr>
-          <p:cNvPr id="11" name="PlaceHolder 1"/>
+          <p:cNvPr id="10" name="PlaceHolder 1"/>
           <p:cNvSpPr>
             <a:spLocks noGrp="1"/>
           </p:cNvSpPr>
@@ -2263,8 +2123,8 @@
         </p:nvSpPr>
         <p:spPr>
           <a:xfrm>
-            <a:off x="729360" y="1318680"/>
-            <a:ext cx="7688520" cy="534960"/>
+            <a:off x="729360" y="1273320"/>
+            <a:ext cx="7688160" cy="625320"/>
           </a:xfrm>
           <a:prstGeom prst="rect">
             <a:avLst/>
@@ -2275,18 +2135,16 @@
             <a:noAutofit/>
           </a:bodyPr>
           <a:p>
-            <a:endParaRPr b="0" lang="en-US" sz="1400" spc="-1" strike="noStrike">
-              <a:solidFill>
-                <a:srgbClr val="000000"/>
-              </a:solidFill>
-              <a:latin typeface="Arial"/>
-            </a:endParaRPr>
-          </a:p>
-        </p:txBody>
-      </p:sp>
-      <p:sp>
-        <p:nvSpPr>
-          <p:cNvPr id="12" name="PlaceHolder 2"/>
+            <a:pPr algn="ctr"/>
+            <a:endParaRPr b="0" lang="en-US" sz="4400" spc="-1" strike="noStrike">
+              <a:latin typeface="Arial"/>
+            </a:endParaRPr>
+          </a:p>
+        </p:txBody>
+      </p:sp>
+      <p:sp>
+        <p:nvSpPr>
+          <p:cNvPr id="11" name="PlaceHolder 2"/>
           <p:cNvSpPr>
             <a:spLocks noGrp="1"/>
           </p:cNvSpPr>
@@ -2297,7 +2155,7 @@
         <p:spPr>
           <a:xfrm>
             <a:off x="729360" y="2079000"/>
-            <a:ext cx="3751920" cy="2260800"/>
+            <a:ext cx="3751560" cy="2260440"/>
           </a:xfrm>
           <a:prstGeom prst="rect">
             <a:avLst/>
@@ -2308,18 +2166,15 @@
             <a:normAutofit/>
           </a:bodyPr>
           <a:p>
-            <a:endParaRPr b="0" lang="en-US" sz="1400" spc="-1" strike="noStrike">
-              <a:solidFill>
-                <a:srgbClr val="000000"/>
-              </a:solidFill>
-              <a:latin typeface="Arial"/>
-            </a:endParaRPr>
-          </a:p>
-        </p:txBody>
-      </p:sp>
-      <p:sp>
-        <p:nvSpPr>
-          <p:cNvPr id="13" name="PlaceHolder 3"/>
+            <a:endParaRPr b="0" lang="en-US" sz="3200" spc="-1" strike="noStrike">
+              <a:latin typeface="Arial"/>
+            </a:endParaRPr>
+          </a:p>
+        </p:txBody>
+      </p:sp>
+      <p:sp>
+        <p:nvSpPr>
+          <p:cNvPr id="12" name="PlaceHolder 3"/>
           <p:cNvSpPr>
             <a:spLocks noGrp="1"/>
           </p:cNvSpPr>
@@ -2329,8 +2184,8 @@
         </p:nvSpPr>
         <p:spPr>
           <a:xfrm>
-            <a:off x="4669200" y="2079000"/>
-            <a:ext cx="3751920" cy="2260800"/>
+            <a:off x="4668840" y="2079000"/>
+            <a:ext cx="3751560" cy="2260440"/>
           </a:xfrm>
           <a:prstGeom prst="rect">
             <a:avLst/>
@@ -2341,10 +2196,7 @@
             <a:normAutofit/>
           </a:bodyPr>
           <a:p>
-            <a:endParaRPr b="0" lang="en-US" sz="1400" spc="-1" strike="noStrike">
-              <a:solidFill>
-                <a:srgbClr val="000000"/>
-              </a:solidFill>
+            <a:endParaRPr b="0" lang="en-US" sz="3200" spc="-1" strike="noStrike">
               <a:latin typeface="Arial"/>
             </a:endParaRPr>
           </a:p>
@@ -2374,7 +2226,7 @@
       </p:grpSpPr>
       <p:sp>
         <p:nvSpPr>
-          <p:cNvPr id="14" name="PlaceHolder 1"/>
+          <p:cNvPr id="13" name="PlaceHolder 1"/>
           <p:cNvSpPr>
             <a:spLocks noGrp="1"/>
           </p:cNvSpPr>
@@ -2384,8 +2236,8 @@
         </p:nvSpPr>
         <p:spPr>
           <a:xfrm>
-            <a:off x="729360" y="1318680"/>
-            <a:ext cx="7688520" cy="534960"/>
+            <a:off x="729360" y="1273320"/>
+            <a:ext cx="7688160" cy="625320"/>
           </a:xfrm>
           <a:prstGeom prst="rect">
             <a:avLst/>
@@ -2396,10 +2248,8 @@
             <a:noAutofit/>
           </a:bodyPr>
           <a:p>
-            <a:endParaRPr b="0" lang="en-US" sz="1400" spc="-1" strike="noStrike">
-              <a:solidFill>
-                <a:srgbClr val="000000"/>
-              </a:solidFill>
+            <a:pPr algn="ctr"/>
+            <a:endParaRPr b="0" lang="en-US" sz="4400" spc="-1" strike="noStrike">
               <a:latin typeface="Arial"/>
             </a:endParaRPr>
           </a:p>
@@ -2429,7 +2279,7 @@
       </p:grpSpPr>
       <p:sp>
         <p:nvSpPr>
-          <p:cNvPr id="15" name="PlaceHolder 1"/>
+          <p:cNvPr id="14" name="PlaceHolder 1"/>
           <p:cNvSpPr>
             <a:spLocks noGrp="1"/>
           </p:cNvSpPr>
@@ -2440,7 +2290,7 @@
         <p:spPr>
           <a:xfrm>
             <a:off x="729360" y="1318680"/>
-            <a:ext cx="7688520" cy="2481120"/>
+            <a:ext cx="7688160" cy="2479320"/>
           </a:xfrm>
           <a:prstGeom prst="rect">
             <a:avLst/>
@@ -2482,7 +2332,7 @@
       </p:grpSpPr>
       <p:sp>
         <p:nvSpPr>
-          <p:cNvPr id="16" name="PlaceHolder 1"/>
+          <p:cNvPr id="15" name="PlaceHolder 1"/>
           <p:cNvSpPr>
             <a:spLocks noGrp="1"/>
           </p:cNvSpPr>
@@ -2492,8 +2342,8 @@
         </p:nvSpPr>
         <p:spPr>
           <a:xfrm>
-            <a:off x="729360" y="1318680"/>
-            <a:ext cx="7688520" cy="534960"/>
+            <a:off x="729360" y="1273320"/>
+            <a:ext cx="7688160" cy="625320"/>
           </a:xfrm>
           <a:prstGeom prst="rect">
             <a:avLst/>
@@ -2504,18 +2354,16 @@
             <a:noAutofit/>
           </a:bodyPr>
           <a:p>
-            <a:endParaRPr b="0" lang="en-US" sz="1400" spc="-1" strike="noStrike">
-              <a:solidFill>
-                <a:srgbClr val="000000"/>
-              </a:solidFill>
-              <a:latin typeface="Arial"/>
-            </a:endParaRPr>
-          </a:p>
-        </p:txBody>
-      </p:sp>
-      <p:sp>
-        <p:nvSpPr>
-          <p:cNvPr id="17" name="PlaceHolder 2"/>
+            <a:pPr algn="ctr"/>
+            <a:endParaRPr b="0" lang="en-US" sz="4400" spc="-1" strike="noStrike">
+              <a:latin typeface="Arial"/>
+            </a:endParaRPr>
+          </a:p>
+        </p:txBody>
+      </p:sp>
+      <p:sp>
+        <p:nvSpPr>
+          <p:cNvPr id="16" name="PlaceHolder 2"/>
           <p:cNvSpPr>
             <a:spLocks noGrp="1"/>
           </p:cNvSpPr>
@@ -2526,7 +2374,7 @@
         <p:spPr>
           <a:xfrm>
             <a:off x="729360" y="2079000"/>
-            <a:ext cx="3751920" cy="1078200"/>
+            <a:ext cx="3751560" cy="1078200"/>
           </a:xfrm>
           <a:prstGeom prst="rect">
             <a:avLst/>
@@ -2537,18 +2385,15 @@
             <a:normAutofit/>
           </a:bodyPr>
           <a:p>
-            <a:endParaRPr b="0" lang="en-US" sz="1400" spc="-1" strike="noStrike">
-              <a:solidFill>
-                <a:srgbClr val="000000"/>
-              </a:solidFill>
-              <a:latin typeface="Arial"/>
-            </a:endParaRPr>
-          </a:p>
-        </p:txBody>
-      </p:sp>
-      <p:sp>
-        <p:nvSpPr>
-          <p:cNvPr id="18" name="PlaceHolder 3"/>
+            <a:endParaRPr b="0" lang="en-US" sz="3200" spc="-1" strike="noStrike">
+              <a:latin typeface="Arial"/>
+            </a:endParaRPr>
+          </a:p>
+        </p:txBody>
+      </p:sp>
+      <p:sp>
+        <p:nvSpPr>
+          <p:cNvPr id="17" name="PlaceHolder 3"/>
           <p:cNvSpPr>
             <a:spLocks noGrp="1"/>
           </p:cNvSpPr>
@@ -2558,8 +2403,8 @@
         </p:nvSpPr>
         <p:spPr>
           <a:xfrm>
-            <a:off x="4669200" y="2079000"/>
-            <a:ext cx="3751920" cy="2260800"/>
+            <a:off x="4668840" y="2079000"/>
+            <a:ext cx="3751560" cy="2260440"/>
           </a:xfrm>
           <a:prstGeom prst="rect">
             <a:avLst/>
@@ -2570,18 +2415,15 @@
             <a:normAutofit/>
           </a:bodyPr>
           <a:p>
-            <a:endParaRPr b="0" lang="en-US" sz="1400" spc="-1" strike="noStrike">
-              <a:solidFill>
-                <a:srgbClr val="000000"/>
-              </a:solidFill>
-              <a:latin typeface="Arial"/>
-            </a:endParaRPr>
-          </a:p>
-        </p:txBody>
-      </p:sp>
-      <p:sp>
-        <p:nvSpPr>
-          <p:cNvPr id="19" name="PlaceHolder 4"/>
+            <a:endParaRPr b="0" lang="en-US" sz="3200" spc="-1" strike="noStrike">
+              <a:latin typeface="Arial"/>
+            </a:endParaRPr>
+          </a:p>
+        </p:txBody>
+      </p:sp>
+      <p:sp>
+        <p:nvSpPr>
+          <p:cNvPr id="18" name="PlaceHolder 4"/>
           <p:cNvSpPr>
             <a:spLocks noGrp="1"/>
           </p:cNvSpPr>
@@ -2592,7 +2434,7 @@
         <p:spPr>
           <a:xfrm>
             <a:off x="729360" y="3260160"/>
-            <a:ext cx="3751920" cy="1078200"/>
+            <a:ext cx="3751560" cy="1078200"/>
           </a:xfrm>
           <a:prstGeom prst="rect">
             <a:avLst/>
@@ -2603,10 +2445,7 @@
             <a:normAutofit/>
           </a:bodyPr>
           <a:p>
-            <a:endParaRPr b="0" lang="en-US" sz="1400" spc="-1" strike="noStrike">
-              <a:solidFill>
-                <a:srgbClr val="000000"/>
-              </a:solidFill>
+            <a:endParaRPr b="0" lang="en-US" sz="3200" spc="-1" strike="noStrike">
               <a:latin typeface="Arial"/>
             </a:endParaRPr>
           </a:p>
@@ -2636,7 +2475,7 @@
       </p:grpSpPr>
       <p:sp>
         <p:nvSpPr>
-          <p:cNvPr id="20" name="PlaceHolder 1"/>
+          <p:cNvPr id="19" name="PlaceHolder 1"/>
           <p:cNvSpPr>
             <a:spLocks noGrp="1"/>
           </p:cNvSpPr>
@@ -2646,8 +2485,8 @@
         </p:nvSpPr>
         <p:spPr>
           <a:xfrm>
-            <a:off x="729360" y="1318680"/>
-            <a:ext cx="7688520" cy="534960"/>
+            <a:off x="729360" y="1273320"/>
+            <a:ext cx="7688160" cy="625320"/>
           </a:xfrm>
           <a:prstGeom prst="rect">
             <a:avLst/>
@@ -2658,18 +2497,16 @@
             <a:noAutofit/>
           </a:bodyPr>
           <a:p>
-            <a:endParaRPr b="0" lang="en-US" sz="1400" spc="-1" strike="noStrike">
-              <a:solidFill>
-                <a:srgbClr val="000000"/>
-              </a:solidFill>
-              <a:latin typeface="Arial"/>
-            </a:endParaRPr>
-          </a:p>
-        </p:txBody>
-      </p:sp>
-      <p:sp>
-        <p:nvSpPr>
-          <p:cNvPr id="21" name="PlaceHolder 2"/>
+            <a:pPr algn="ctr"/>
+            <a:endParaRPr b="0" lang="en-US" sz="4400" spc="-1" strike="noStrike">
+              <a:latin typeface="Arial"/>
+            </a:endParaRPr>
+          </a:p>
+        </p:txBody>
+      </p:sp>
+      <p:sp>
+        <p:nvSpPr>
+          <p:cNvPr id="20" name="PlaceHolder 2"/>
           <p:cNvSpPr>
             <a:spLocks noGrp="1"/>
           </p:cNvSpPr>
@@ -2680,7 +2517,7 @@
         <p:spPr>
           <a:xfrm>
             <a:off x="729360" y="2079000"/>
-            <a:ext cx="3751920" cy="2260800"/>
+            <a:ext cx="3751560" cy="2260440"/>
           </a:xfrm>
           <a:prstGeom prst="rect">
             <a:avLst/>
@@ -2691,18 +2528,15 @@
             <a:normAutofit/>
           </a:bodyPr>
           <a:p>
-            <a:endParaRPr b="0" lang="en-US" sz="1400" spc="-1" strike="noStrike">
-              <a:solidFill>
-                <a:srgbClr val="000000"/>
-              </a:solidFill>
-              <a:latin typeface="Arial"/>
-            </a:endParaRPr>
-          </a:p>
-        </p:txBody>
-      </p:sp>
-      <p:sp>
-        <p:nvSpPr>
-          <p:cNvPr id="22" name="PlaceHolder 3"/>
+            <a:endParaRPr b="0" lang="en-US" sz="3200" spc="-1" strike="noStrike">
+              <a:latin typeface="Arial"/>
+            </a:endParaRPr>
+          </a:p>
+        </p:txBody>
+      </p:sp>
+      <p:sp>
+        <p:nvSpPr>
+          <p:cNvPr id="21" name="PlaceHolder 3"/>
           <p:cNvSpPr>
             <a:spLocks noGrp="1"/>
           </p:cNvSpPr>
@@ -2712,8 +2546,8 @@
         </p:nvSpPr>
         <p:spPr>
           <a:xfrm>
-            <a:off x="4669200" y="2079000"/>
-            <a:ext cx="3751920" cy="1078200"/>
+            <a:off x="4668840" y="2079000"/>
+            <a:ext cx="3751560" cy="1078200"/>
           </a:xfrm>
           <a:prstGeom prst="rect">
             <a:avLst/>
@@ -2724,18 +2558,15 @@
             <a:normAutofit/>
           </a:bodyPr>
           <a:p>
-            <a:endParaRPr b="0" lang="en-US" sz="1400" spc="-1" strike="noStrike">
-              <a:solidFill>
-                <a:srgbClr val="000000"/>
-              </a:solidFill>
-              <a:latin typeface="Arial"/>
-            </a:endParaRPr>
-          </a:p>
-        </p:txBody>
-      </p:sp>
-      <p:sp>
-        <p:nvSpPr>
-          <p:cNvPr id="23" name="PlaceHolder 4"/>
+            <a:endParaRPr b="0" lang="en-US" sz="3200" spc="-1" strike="noStrike">
+              <a:latin typeface="Arial"/>
+            </a:endParaRPr>
+          </a:p>
+        </p:txBody>
+      </p:sp>
+      <p:sp>
+        <p:nvSpPr>
+          <p:cNvPr id="22" name="PlaceHolder 4"/>
           <p:cNvSpPr>
             <a:spLocks noGrp="1"/>
           </p:cNvSpPr>
@@ -2745,8 +2576,8 @@
         </p:nvSpPr>
         <p:spPr>
           <a:xfrm>
-            <a:off x="4669200" y="3260160"/>
-            <a:ext cx="3751920" cy="1078200"/>
+            <a:off x="4668840" y="3260160"/>
+            <a:ext cx="3751560" cy="1078200"/>
           </a:xfrm>
           <a:prstGeom prst="rect">
             <a:avLst/>
@@ -2757,10 +2588,7 @@
             <a:normAutofit/>
           </a:bodyPr>
           <a:p>
-            <a:endParaRPr b="0" lang="en-US" sz="1400" spc="-1" strike="noStrike">
-              <a:solidFill>
-                <a:srgbClr val="000000"/>
-              </a:solidFill>
+            <a:endParaRPr b="0" lang="en-US" sz="3200" spc="-1" strike="noStrike">
               <a:latin typeface="Arial"/>
             </a:endParaRPr>
           </a:p>
@@ -2790,7 +2618,7 @@
       </p:grpSpPr>
       <p:sp>
         <p:nvSpPr>
-          <p:cNvPr id="24" name="PlaceHolder 1"/>
+          <p:cNvPr id="23" name="PlaceHolder 1"/>
           <p:cNvSpPr>
             <a:spLocks noGrp="1"/>
           </p:cNvSpPr>
@@ -2800,8 +2628,8 @@
         </p:nvSpPr>
         <p:spPr>
           <a:xfrm>
-            <a:off x="729360" y="1318680"/>
-            <a:ext cx="7688520" cy="534960"/>
+            <a:off x="729360" y="1273320"/>
+            <a:ext cx="7688160" cy="625320"/>
           </a:xfrm>
           <a:prstGeom prst="rect">
             <a:avLst/>
@@ -2812,18 +2640,16 @@
             <a:noAutofit/>
           </a:bodyPr>
           <a:p>
-            <a:endParaRPr b="0" lang="en-US" sz="1400" spc="-1" strike="noStrike">
-              <a:solidFill>
-                <a:srgbClr val="000000"/>
-              </a:solidFill>
-              <a:latin typeface="Arial"/>
-            </a:endParaRPr>
-          </a:p>
-        </p:txBody>
-      </p:sp>
-      <p:sp>
-        <p:nvSpPr>
-          <p:cNvPr id="25" name="PlaceHolder 2"/>
+            <a:pPr algn="ctr"/>
+            <a:endParaRPr b="0" lang="en-US" sz="4400" spc="-1" strike="noStrike">
+              <a:latin typeface="Arial"/>
+            </a:endParaRPr>
+          </a:p>
+        </p:txBody>
+      </p:sp>
+      <p:sp>
+        <p:nvSpPr>
+          <p:cNvPr id="24" name="PlaceHolder 2"/>
           <p:cNvSpPr>
             <a:spLocks noGrp="1"/>
           </p:cNvSpPr>
@@ -2834,7 +2660,7 @@
         <p:spPr>
           <a:xfrm>
             <a:off x="729360" y="2079000"/>
-            <a:ext cx="3751920" cy="1078200"/>
+            <a:ext cx="3751560" cy="1078200"/>
           </a:xfrm>
           <a:prstGeom prst="rect">
             <a:avLst/>
@@ -2845,18 +2671,15 @@
             <a:normAutofit/>
           </a:bodyPr>
           <a:p>
-            <a:endParaRPr b="0" lang="en-US" sz="1400" spc="-1" strike="noStrike">
-              <a:solidFill>
-                <a:srgbClr val="000000"/>
-              </a:solidFill>
-              <a:latin typeface="Arial"/>
-            </a:endParaRPr>
-          </a:p>
-        </p:txBody>
-      </p:sp>
-      <p:sp>
-        <p:nvSpPr>
-          <p:cNvPr id="26" name="PlaceHolder 3"/>
+            <a:endParaRPr b="0" lang="en-US" sz="3200" spc="-1" strike="noStrike">
+              <a:latin typeface="Arial"/>
+            </a:endParaRPr>
+          </a:p>
+        </p:txBody>
+      </p:sp>
+      <p:sp>
+        <p:nvSpPr>
+          <p:cNvPr id="25" name="PlaceHolder 3"/>
           <p:cNvSpPr>
             <a:spLocks noGrp="1"/>
           </p:cNvSpPr>
@@ -2866,8 +2689,8 @@
         </p:nvSpPr>
         <p:spPr>
           <a:xfrm>
-            <a:off x="4669200" y="2079000"/>
-            <a:ext cx="3751920" cy="1078200"/>
+            <a:off x="4668840" y="2079000"/>
+            <a:ext cx="3751560" cy="1078200"/>
           </a:xfrm>
           <a:prstGeom prst="rect">
             <a:avLst/>
@@ -2878,18 +2701,15 @@
             <a:normAutofit/>
           </a:bodyPr>
           <a:p>
-            <a:endParaRPr b="0" lang="en-US" sz="1400" spc="-1" strike="noStrike">
-              <a:solidFill>
-                <a:srgbClr val="000000"/>
-              </a:solidFill>
-              <a:latin typeface="Arial"/>
-            </a:endParaRPr>
-          </a:p>
-        </p:txBody>
-      </p:sp>
-      <p:sp>
-        <p:nvSpPr>
-          <p:cNvPr id="27" name="PlaceHolder 4"/>
+            <a:endParaRPr b="0" lang="en-US" sz="3200" spc="-1" strike="noStrike">
+              <a:latin typeface="Arial"/>
+            </a:endParaRPr>
+          </a:p>
+        </p:txBody>
+      </p:sp>
+      <p:sp>
+        <p:nvSpPr>
+          <p:cNvPr id="26" name="PlaceHolder 4"/>
           <p:cNvSpPr>
             <a:spLocks noGrp="1"/>
           </p:cNvSpPr>
@@ -2900,7 +2720,7 @@
         <p:spPr>
           <a:xfrm>
             <a:off x="729360" y="3260160"/>
-            <a:ext cx="7688520" cy="1078200"/>
+            <a:ext cx="7688160" cy="1078200"/>
           </a:xfrm>
           <a:prstGeom prst="rect">
             <a:avLst/>
@@ -2911,10 +2731,7 @@
             <a:normAutofit/>
           </a:bodyPr>
           <a:p>
-            <a:endParaRPr b="0" lang="en-US" sz="1400" spc="-1" strike="noStrike">
-              <a:solidFill>
-                <a:srgbClr val="000000"/>
-              </a:solidFill>
+            <a:endParaRPr b="0" lang="en-US" sz="3200" spc="-1" strike="noStrike">
               <a:latin typeface="Arial"/>
             </a:endParaRPr>
           </a:p>
@@ -2958,7 +2775,7 @@
         <p:spPr>
           <a:xfrm>
             <a:off x="0" y="0"/>
-            <a:ext cx="9143640" cy="487440"/>
+            <a:ext cx="9143280" cy="487080"/>
           </a:xfrm>
           <a:prstGeom prst="rect">
             <a:avLst/>
@@ -2986,9 +2803,9 @@
         <p:grpSpPr>
           <a:xfrm>
             <a:off x="830520" y="1191600"/>
-            <a:ext cx="745200" cy="45360"/>
+            <a:ext cx="744840" cy="45000"/>
             <a:chOff x="830520" y="1191600"/>
-            <a:chExt cx="745200" cy="45360"/>
+            <a:chExt cx="744840" cy="45000"/>
           </a:xfrm>
         </p:grpSpPr>
         <p:sp>
@@ -3000,7 +2817,7 @@
           <p:spPr>
             <a:xfrm rot="16200000">
               <a:off x="1366560" y="1027800"/>
-              <a:ext cx="45360" cy="372600"/>
+              <a:ext cx="45000" cy="372240"/>
             </a:xfrm>
             <a:prstGeom prst="rect">
               <a:avLst/>
@@ -3028,7 +2845,7 @@
           <p:spPr>
             <a:xfrm rot="16200000">
               <a:off x="995400" y="1026360"/>
-              <a:ext cx="45360" cy="375480"/>
+              <a:ext cx="45000" cy="375120"/>
             </a:xfrm>
             <a:prstGeom prst="rect">
               <a:avLst/>
@@ -3060,31 +2877,25 @@
         </p:nvSpPr>
         <p:spPr>
           <a:xfrm>
-            <a:off x="729360" y="1322280"/>
-            <a:ext cx="7687800" cy="1664280"/>
-          </a:xfrm>
-          <a:prstGeom prst="rect">
-            <a:avLst/>
-          </a:prstGeom>
-        </p:spPr>
-        <p:txBody>
-          <a:bodyPr tIns="91440" bIns="91440">
+            <a:off x="729360" y="1318680"/>
+            <a:ext cx="7688160" cy="534600"/>
+          </a:xfrm>
+          <a:prstGeom prst="rect">
+            <a:avLst/>
+          </a:prstGeom>
+        </p:spPr>
+        <p:txBody>
+          <a:bodyPr lIns="0" rIns="0" tIns="0" bIns="0" anchor="ctr">
             <a:noAutofit/>
           </a:bodyPr>
           <a:p>
             <a:r>
-              <a:rPr b="0" lang="en-US" sz="4200" spc="-1" strike="noStrike">
-                <a:solidFill>
-                  <a:srgbClr val="000000"/>
-                </a:solidFill>
+              <a:rPr b="0" lang="en-US" sz="1800" spc="-1" strike="noStrike">
                 <a:latin typeface="Arial"/>
               </a:rPr>
               <a:t>Click to edit the title text format</a:t>
             </a:r>
-            <a:endParaRPr b="0" lang="en-US" sz="4200" spc="-1" strike="noStrike">
-              <a:solidFill>
-                <a:srgbClr val="000000"/>
-              </a:solidFill>
+            <a:endParaRPr b="0" lang="en-US" sz="1800" spc="-1" strike="noStrike">
               <a:latin typeface="Arial"/>
             </a:endParaRPr>
           </a:p>
@@ -3093,51 +2904,6 @@
       <p:sp>
         <p:nvSpPr>
           <p:cNvPr id="5" name="PlaceHolder 6"/>
-          <p:cNvSpPr>
-            <a:spLocks noGrp="1"/>
-          </p:cNvSpPr>
-          <p:nvPr>
-            <p:ph type="sldNum"/>
-          </p:nvPr>
-        </p:nvSpPr>
-        <p:spPr>
-          <a:xfrm>
-            <a:off x="8536320" y="4749840"/>
-            <a:ext cx="548280" cy="393120"/>
-          </a:xfrm>
-          <a:prstGeom prst="rect">
-            <a:avLst/>
-          </a:prstGeom>
-        </p:spPr>
-        <p:txBody>
-          <a:bodyPr tIns="91440" bIns="91440" anchor="ctr">
-            <a:noAutofit/>
-          </a:bodyPr>
-          <a:p>
-            <a:pPr algn="r">
-              <a:lnSpc>
-                <a:spcPct val="100000"/>
-              </a:lnSpc>
-            </a:pPr>
-            <a:fld id="{B6EFAA9B-91B8-4506-8E0D-3ABBC6EA0620}" type="slidenum">
-              <a:rPr b="0" lang="en-US" sz="1000" spc="-1" strike="noStrike">
-                <a:solidFill>
-                  <a:srgbClr val="595959"/>
-                </a:solidFill>
-                <a:latin typeface="Lato"/>
-                <a:ea typeface="Lato"/>
-              </a:rPr>
-              <a:t>&lt;number&gt;</a:t>
-            </a:fld>
-            <a:endParaRPr b="0" lang="en-US" sz="1000" spc="-1" strike="noStrike">
-              <a:latin typeface="Times New Roman"/>
-            </a:endParaRPr>
-          </a:p>
-        </p:txBody>
-      </p:sp>
-      <p:sp>
-        <p:nvSpPr>
-          <p:cNvPr id="6" name="PlaceHolder 7"/>
           <p:cNvSpPr>
             <a:spLocks noGrp="1"/>
           </p:cNvSpPr>
@@ -3171,18 +2937,12 @@
               <a:buChar char=""/>
             </a:pPr>
             <a:r>
-              <a:rPr b="0" lang="en-US" sz="1400" spc="-1" strike="noStrike">
-                <a:solidFill>
-                  <a:srgbClr val="000000"/>
-                </a:solidFill>
+              <a:rPr b="0" lang="en-US" sz="3200" spc="-1" strike="noStrike">
                 <a:latin typeface="Arial"/>
               </a:rPr>
               <a:t>Click to edit the outline text format</a:t>
             </a:r>
-            <a:endParaRPr b="0" lang="en-US" sz="1400" spc="-1" strike="noStrike">
-              <a:solidFill>
-                <a:srgbClr val="000000"/>
-              </a:solidFill>
+            <a:endParaRPr b="0" lang="en-US" sz="3200" spc="-1" strike="noStrike">
               <a:latin typeface="Arial"/>
             </a:endParaRPr>
           </a:p>
@@ -3199,18 +2959,12 @@
               <a:buChar char=""/>
             </a:pPr>
             <a:r>
-              <a:rPr b="0" lang="en-US" sz="1400" spc="-1" strike="noStrike">
-                <a:solidFill>
-                  <a:srgbClr val="000000"/>
-                </a:solidFill>
+              <a:rPr b="0" lang="en-US" sz="2800" spc="-1" strike="noStrike">
                 <a:latin typeface="Arial"/>
               </a:rPr>
               <a:t>Second Outline Level</a:t>
             </a:r>
-            <a:endParaRPr b="0" lang="en-US" sz="1400" spc="-1" strike="noStrike">
-              <a:solidFill>
-                <a:srgbClr val="000000"/>
-              </a:solidFill>
+            <a:endParaRPr b="0" lang="en-US" sz="2800" spc="-1" strike="noStrike">
               <a:latin typeface="Arial"/>
             </a:endParaRPr>
           </a:p>
@@ -3227,18 +2981,12 @@
               <a:buChar char=""/>
             </a:pPr>
             <a:r>
-              <a:rPr b="0" lang="en-US" sz="1400" spc="-1" strike="noStrike">
-                <a:solidFill>
-                  <a:srgbClr val="000000"/>
-                </a:solidFill>
+              <a:rPr b="0" lang="en-US" sz="2400" spc="-1" strike="noStrike">
                 <a:latin typeface="Arial"/>
               </a:rPr>
               <a:t>Third Outline Level</a:t>
             </a:r>
-            <a:endParaRPr b="0" lang="en-US" sz="1400" spc="-1" strike="noStrike">
-              <a:solidFill>
-                <a:srgbClr val="000000"/>
-              </a:solidFill>
+            <a:endParaRPr b="0" lang="en-US" sz="2400" spc="-1" strike="noStrike">
               <a:latin typeface="Arial"/>
             </a:endParaRPr>
           </a:p>
@@ -3255,18 +3003,12 @@
               <a:buChar char=""/>
             </a:pPr>
             <a:r>
-              <a:rPr b="0" lang="en-US" sz="1400" spc="-1" strike="noStrike">
-                <a:solidFill>
-                  <a:srgbClr val="000000"/>
-                </a:solidFill>
+              <a:rPr b="0" lang="en-US" sz="2000" spc="-1" strike="noStrike">
                 <a:latin typeface="Arial"/>
               </a:rPr>
               <a:t>Fourth Outline Level</a:t>
             </a:r>
-            <a:endParaRPr b="0" lang="en-US" sz="1400" spc="-1" strike="noStrike">
-              <a:solidFill>
-                <a:srgbClr val="000000"/>
-              </a:solidFill>
+            <a:endParaRPr b="0" lang="en-US" sz="2000" spc="-1" strike="noStrike">
               <a:latin typeface="Arial"/>
             </a:endParaRPr>
           </a:p>
@@ -3284,17 +3026,11 @@
             </a:pPr>
             <a:r>
               <a:rPr b="0" lang="en-US" sz="2000" spc="-1" strike="noStrike">
-                <a:solidFill>
-                  <a:srgbClr val="000000"/>
-                </a:solidFill>
                 <a:latin typeface="Arial"/>
               </a:rPr>
               <a:t>Fifth Outline Level</a:t>
             </a:r>
             <a:endParaRPr b="0" lang="en-US" sz="2000" spc="-1" strike="noStrike">
-              <a:solidFill>
-                <a:srgbClr val="000000"/>
-              </a:solidFill>
               <a:latin typeface="Arial"/>
             </a:endParaRPr>
           </a:p>
@@ -3312,17 +3048,11 @@
             </a:pPr>
             <a:r>
               <a:rPr b="0" lang="en-US" sz="2000" spc="-1" strike="noStrike">
-                <a:solidFill>
-                  <a:srgbClr val="000000"/>
-                </a:solidFill>
                 <a:latin typeface="Arial"/>
               </a:rPr>
               <a:t>Sixth Outline Level</a:t>
             </a:r>
             <a:endParaRPr b="0" lang="en-US" sz="2000" spc="-1" strike="noStrike">
-              <a:solidFill>
-                <a:srgbClr val="000000"/>
-              </a:solidFill>
               <a:latin typeface="Arial"/>
             </a:endParaRPr>
           </a:p>
@@ -3340,17 +3070,11 @@
             </a:pPr>
             <a:r>
               <a:rPr b="0" lang="en-US" sz="2000" spc="-1" strike="noStrike">
-                <a:solidFill>
-                  <a:srgbClr val="000000"/>
-                </a:solidFill>
                 <a:latin typeface="Arial"/>
               </a:rPr>
               <a:t>Seventh Outline Level</a:t>
             </a:r>
             <a:endParaRPr b="0" lang="en-US" sz="2000" spc="-1" strike="noStrike">
-              <a:solidFill>
-                <a:srgbClr val="000000"/>
-              </a:solidFill>
               <a:latin typeface="Arial"/>
             </a:endParaRPr>
           </a:p>
@@ -3402,14 +3126,14 @@
       </p:grpSpPr>
       <p:sp>
         <p:nvSpPr>
-          <p:cNvPr id="43" name="CustomShape 1"/>
+          <p:cNvPr id="42" name="CustomShape 1"/>
           <p:cNvSpPr/>
           <p:nvPr/>
         </p:nvSpPr>
         <p:spPr>
           <a:xfrm>
             <a:off x="0" y="0"/>
-            <a:ext cx="9143640" cy="487440"/>
+            <a:ext cx="9143280" cy="487080"/>
           </a:xfrm>
           <a:prstGeom prst="rect">
             <a:avLst/>
@@ -3430,28 +3154,28 @@
       </p:sp>
       <p:grpSp>
         <p:nvGrpSpPr>
-          <p:cNvPr id="44" name="Group 2"/>
+          <p:cNvPr id="43" name="Group 2"/>
           <p:cNvGrpSpPr/>
           <p:nvPr/>
         </p:nvGrpSpPr>
         <p:grpSpPr>
           <a:xfrm>
             <a:off x="830520" y="1191600"/>
-            <a:ext cx="745200" cy="45360"/>
+            <a:ext cx="744840" cy="45000"/>
             <a:chOff x="830520" y="1191600"/>
-            <a:chExt cx="745200" cy="45360"/>
+            <a:chExt cx="744840" cy="45000"/>
           </a:xfrm>
         </p:grpSpPr>
         <p:sp>
           <p:nvSpPr>
-            <p:cNvPr id="45" name="CustomShape 3"/>
+            <p:cNvPr id="44" name="CustomShape 3"/>
             <p:cNvSpPr/>
             <p:nvPr/>
           </p:nvSpPr>
           <p:spPr>
             <a:xfrm rot="16200000">
               <a:off x="1366560" y="1027800"/>
-              <a:ext cx="45360" cy="372600"/>
+              <a:ext cx="45000" cy="372240"/>
             </a:xfrm>
             <a:prstGeom prst="rect">
               <a:avLst/>
@@ -3472,14 +3196,14 @@
         </p:sp>
         <p:sp>
           <p:nvSpPr>
-            <p:cNvPr id="46" name="CustomShape 4"/>
+            <p:cNvPr id="45" name="CustomShape 4"/>
             <p:cNvSpPr/>
             <p:nvPr/>
           </p:nvSpPr>
           <p:spPr>
             <a:xfrm rot="16200000">
               <a:off x="995400" y="1026360"/>
-              <a:ext cx="45360" cy="375480"/>
+              <a:ext cx="45000" cy="375120"/>
             </a:xfrm>
             <a:prstGeom prst="rect">
               <a:avLst/>
@@ -3501,7 +3225,7 @@
       </p:grpSp>
       <p:sp>
         <p:nvSpPr>
-          <p:cNvPr id="47" name="PlaceHolder 5"/>
+          <p:cNvPr id="46" name="PlaceHolder 5"/>
           <p:cNvSpPr>
             <a:spLocks noGrp="1"/>
           </p:cNvSpPr>
@@ -3512,38 +3236,32 @@
         <p:spPr>
           <a:xfrm>
             <a:off x="729360" y="1318680"/>
-            <a:ext cx="7688520" cy="534960"/>
-          </a:xfrm>
-          <a:prstGeom prst="rect">
-            <a:avLst/>
-          </a:prstGeom>
-        </p:spPr>
-        <p:txBody>
-          <a:bodyPr tIns="91440" bIns="91440">
+            <a:ext cx="7688160" cy="534600"/>
+          </a:xfrm>
+          <a:prstGeom prst="rect">
+            <a:avLst/>
+          </a:prstGeom>
+        </p:spPr>
+        <p:txBody>
+          <a:bodyPr lIns="0" rIns="0" tIns="0" bIns="0" anchor="ctr">
             <a:noAutofit/>
           </a:bodyPr>
           <a:p>
             <a:r>
-              <a:rPr b="0" lang="en-US" sz="2600" spc="-1" strike="noStrike">
-                <a:solidFill>
-                  <a:srgbClr val="000000"/>
-                </a:solidFill>
+              <a:rPr b="0" lang="en-US" sz="1800" spc="-1" strike="noStrike">
                 <a:latin typeface="Arial"/>
               </a:rPr>
               <a:t>Click to edit the title text format</a:t>
             </a:r>
-            <a:endParaRPr b="0" lang="en-US" sz="2600" spc="-1" strike="noStrike">
-              <a:solidFill>
-                <a:srgbClr val="000000"/>
-              </a:solidFill>
-              <a:latin typeface="Arial"/>
-            </a:endParaRPr>
-          </a:p>
-        </p:txBody>
-      </p:sp>
-      <p:sp>
-        <p:nvSpPr>
-          <p:cNvPr id="48" name="PlaceHolder 6"/>
+            <a:endParaRPr b="0" lang="en-US" sz="1800" spc="-1" strike="noStrike">
+              <a:latin typeface="Arial"/>
+            </a:endParaRPr>
+          </a:p>
+        </p:txBody>
+      </p:sp>
+      <p:sp>
+        <p:nvSpPr>
+          <p:cNvPr id="47" name="PlaceHolder 6"/>
           <p:cNvSpPr>
             <a:spLocks noGrp="1"/>
           </p:cNvSpPr>
@@ -3554,15 +3272,15 @@
         <p:spPr>
           <a:xfrm>
             <a:off x="729360" y="2079000"/>
-            <a:ext cx="7688520" cy="2260800"/>
-          </a:xfrm>
-          <a:prstGeom prst="rect">
-            <a:avLst/>
-          </a:prstGeom>
-        </p:spPr>
-        <p:txBody>
-          <a:bodyPr tIns="91440" bIns="91440">
-            <a:noAutofit/>
+            <a:ext cx="7688160" cy="2260440"/>
+          </a:xfrm>
+          <a:prstGeom prst="rect">
+            <a:avLst/>
+          </a:prstGeom>
+        </p:spPr>
+        <p:txBody>
+          <a:bodyPr lIns="0" rIns="0" tIns="0" bIns="0">
+            <a:normAutofit/>
           </a:bodyPr>
           <a:p>
             <a:pPr marL="432000" indent="-324000">
@@ -3577,18 +3295,12 @@
               <a:buChar char=""/>
             </a:pPr>
             <a:r>
-              <a:rPr b="0" lang="en-US" sz="1300" spc="-1" strike="noStrike">
-                <a:solidFill>
-                  <a:srgbClr val="000000"/>
-                </a:solidFill>
+              <a:rPr b="0" lang="en-US" sz="1800" spc="-1" strike="noStrike">
                 <a:latin typeface="Arial"/>
               </a:rPr>
               <a:t>Click to edit the outline text format</a:t>
             </a:r>
-            <a:endParaRPr b="0" lang="en-US" sz="1300" spc="-1" strike="noStrike">
-              <a:solidFill>
-                <a:srgbClr val="000000"/>
-              </a:solidFill>
+            <a:endParaRPr b="0" lang="en-US" sz="1800" spc="-1" strike="noStrike">
               <a:latin typeface="Arial"/>
             </a:endParaRPr>
           </a:p>
@@ -3605,18 +3317,12 @@
               <a:buChar char=""/>
             </a:pPr>
             <a:r>
-              <a:rPr b="0" lang="en-US" sz="1300" spc="-1" strike="noStrike">
-                <a:solidFill>
-                  <a:srgbClr val="000000"/>
-                </a:solidFill>
+              <a:rPr b="0" lang="en-US" sz="1800" spc="-1" strike="noStrike">
                 <a:latin typeface="Arial"/>
               </a:rPr>
               <a:t>Second Outline Level</a:t>
             </a:r>
-            <a:endParaRPr b="0" lang="en-US" sz="1300" spc="-1" strike="noStrike">
-              <a:solidFill>
-                <a:srgbClr val="000000"/>
-              </a:solidFill>
+            <a:endParaRPr b="0" lang="en-US" sz="1800" spc="-1" strike="noStrike">
               <a:latin typeface="Arial"/>
             </a:endParaRPr>
           </a:p>
@@ -3633,18 +3339,12 @@
               <a:buChar char=""/>
             </a:pPr>
             <a:r>
-              <a:rPr b="0" lang="en-US" sz="1300" spc="-1" strike="noStrike">
-                <a:solidFill>
-                  <a:srgbClr val="000000"/>
-                </a:solidFill>
+              <a:rPr b="0" lang="en-US" sz="1800" spc="-1" strike="noStrike">
                 <a:latin typeface="Arial"/>
               </a:rPr>
               <a:t>Third Outline Level</a:t>
             </a:r>
-            <a:endParaRPr b="0" lang="en-US" sz="1300" spc="-1" strike="noStrike">
-              <a:solidFill>
-                <a:srgbClr val="000000"/>
-              </a:solidFill>
+            <a:endParaRPr b="0" lang="en-US" sz="1800" spc="-1" strike="noStrike">
               <a:latin typeface="Arial"/>
             </a:endParaRPr>
           </a:p>
@@ -3661,18 +3361,12 @@
               <a:buChar char=""/>
             </a:pPr>
             <a:r>
-              <a:rPr b="0" lang="en-US" sz="1300" spc="-1" strike="noStrike">
-                <a:solidFill>
-                  <a:srgbClr val="000000"/>
-                </a:solidFill>
+              <a:rPr b="0" lang="en-US" sz="1800" spc="-1" strike="noStrike">
                 <a:latin typeface="Arial"/>
               </a:rPr>
               <a:t>Fourth Outline Level</a:t>
             </a:r>
-            <a:endParaRPr b="0" lang="en-US" sz="1300" spc="-1" strike="noStrike">
-              <a:solidFill>
-                <a:srgbClr val="000000"/>
-              </a:solidFill>
+            <a:endParaRPr b="0" lang="en-US" sz="1800" spc="-1" strike="noStrike">
               <a:latin typeface="Arial"/>
             </a:endParaRPr>
           </a:p>
@@ -3689,18 +3383,12 @@
               <a:buChar char=""/>
             </a:pPr>
             <a:r>
-              <a:rPr b="0" lang="en-US" sz="1300" spc="-1" strike="noStrike">
-                <a:solidFill>
-                  <a:srgbClr val="000000"/>
-                </a:solidFill>
+              <a:rPr b="0" lang="en-US" sz="1800" spc="-1" strike="noStrike">
                 <a:latin typeface="Arial"/>
               </a:rPr>
               <a:t>Fifth Outline Level</a:t>
             </a:r>
-            <a:endParaRPr b="0" lang="en-US" sz="1300" spc="-1" strike="noStrike">
-              <a:solidFill>
-                <a:srgbClr val="000000"/>
-              </a:solidFill>
+            <a:endParaRPr b="0" lang="en-US" sz="1800" spc="-1" strike="noStrike">
               <a:latin typeface="Arial"/>
             </a:endParaRPr>
           </a:p>
@@ -3717,18 +3405,12 @@
               <a:buChar char=""/>
             </a:pPr>
             <a:r>
-              <a:rPr b="0" lang="en-US" sz="1300" spc="-1" strike="noStrike">
-                <a:solidFill>
-                  <a:srgbClr val="000000"/>
-                </a:solidFill>
+              <a:rPr b="0" lang="en-US" sz="1800" spc="-1" strike="noStrike">
                 <a:latin typeface="Arial"/>
               </a:rPr>
               <a:t>Sixth Outline Level</a:t>
             </a:r>
-            <a:endParaRPr b="0" lang="en-US" sz="1300" spc="-1" strike="noStrike">
-              <a:solidFill>
-                <a:srgbClr val="000000"/>
-              </a:solidFill>
+            <a:endParaRPr b="0" lang="en-US" sz="1800" spc="-1" strike="noStrike">
               <a:latin typeface="Arial"/>
             </a:endParaRPr>
           </a:p>
@@ -3745,64 +3427,13 @@
               <a:buChar char=""/>
             </a:pPr>
             <a:r>
-              <a:rPr b="0" lang="en-US" sz="1300" spc="-1" strike="noStrike">
-                <a:solidFill>
-                  <a:srgbClr val="000000"/>
-                </a:solidFill>
+              <a:rPr b="0" lang="en-US" sz="1800" spc="-1" strike="noStrike">
                 <a:latin typeface="Arial"/>
               </a:rPr>
               <a:t>Seventh Outline Level</a:t>
             </a:r>
-            <a:endParaRPr b="0" lang="en-US" sz="1300" spc="-1" strike="noStrike">
-              <a:solidFill>
-                <a:srgbClr val="000000"/>
-              </a:solidFill>
-              <a:latin typeface="Arial"/>
-            </a:endParaRPr>
-          </a:p>
-        </p:txBody>
-      </p:sp>
-      <p:sp>
-        <p:nvSpPr>
-          <p:cNvPr id="49" name="PlaceHolder 7"/>
-          <p:cNvSpPr>
-            <a:spLocks noGrp="1"/>
-          </p:cNvSpPr>
-          <p:nvPr>
-            <p:ph type="sldNum"/>
-          </p:nvPr>
-        </p:nvSpPr>
-        <p:spPr>
-          <a:xfrm>
-            <a:off x="8536320" y="4749840"/>
-            <a:ext cx="548280" cy="393120"/>
-          </a:xfrm>
-          <a:prstGeom prst="rect">
-            <a:avLst/>
-          </a:prstGeom>
-        </p:spPr>
-        <p:txBody>
-          <a:bodyPr tIns="91440" bIns="91440" anchor="ctr">
-            <a:noAutofit/>
-          </a:bodyPr>
-          <a:p>
-            <a:pPr algn="r">
-              <a:lnSpc>
-                <a:spcPct val="100000"/>
-              </a:lnSpc>
-            </a:pPr>
-            <a:fld id="{E674E5CC-4967-45D6-8DD8-C2ADC3F9B3A7}" type="slidenum">
-              <a:rPr b="0" lang="en-US" sz="1000" spc="-1" strike="noStrike">
-                <a:solidFill>
-                  <a:srgbClr val="595959"/>
-                </a:solidFill>
-                <a:latin typeface="Lato"/>
-                <a:ea typeface="Lato"/>
-              </a:rPr>
-              <a:t>&lt;number&gt;</a:t>
-            </a:fld>
-            <a:endParaRPr b="0" lang="en-US" sz="1000" spc="-1" strike="noStrike">
-              <a:latin typeface="Times New Roman"/>
+            <a:endParaRPr b="0" lang="en-US" sz="1800" spc="-1" strike="noStrike">
+              <a:latin typeface="Arial"/>
             </a:endParaRPr>
           </a:p>
         </p:txBody>
@@ -3846,14 +3477,14 @@
       </p:grpSpPr>
       <p:sp>
         <p:nvSpPr>
-          <p:cNvPr id="86" name="TextShape 1"/>
-          <p:cNvSpPr txBox="1"/>
+          <p:cNvPr id="84" name="CustomShape 1"/>
+          <p:cNvSpPr/>
           <p:nvPr/>
         </p:nvSpPr>
         <p:spPr>
           <a:xfrm>
             <a:off x="728280" y="1993320"/>
-            <a:ext cx="7687800" cy="1664280"/>
+            <a:ext cx="7687440" cy="1663920"/>
           </a:xfrm>
           <a:prstGeom prst="rect">
             <a:avLst/>
@@ -3863,8 +3494,14 @@
             <a:noFill/>
           </a:ln>
         </p:spPr>
-        <p:txBody>
-          <a:bodyPr tIns="91440" bIns="91440">
+        <p:style>
+          <a:lnRef idx="0"/>
+          <a:fillRef idx="0"/>
+          <a:effectRef idx="0"/>
+          <a:fontRef idx="minor"/>
+        </p:style>
+        <p:txBody>
+          <a:bodyPr lIns="90000" rIns="90000" tIns="91440" bIns="91440">
             <a:noAutofit/>
           </a:bodyPr>
           <a:p>
@@ -3884,24 +3521,21 @@
               <a:t>Claim Management Portal</a:t>
             </a:r>
             <a:endParaRPr b="0" lang="en-US" sz="4200" spc="-1" strike="noStrike">
-              <a:solidFill>
-                <a:srgbClr val="000000"/>
-              </a:solidFill>
-              <a:latin typeface="Arial"/>
-            </a:endParaRPr>
-          </a:p>
-        </p:txBody>
-      </p:sp>
-      <p:sp>
-        <p:nvSpPr>
-          <p:cNvPr id="87" name="TextShape 2"/>
-          <p:cNvSpPr txBox="1"/>
+              <a:latin typeface="Arial"/>
+            </a:endParaRPr>
+          </a:p>
+        </p:txBody>
+      </p:sp>
+      <p:sp>
+        <p:nvSpPr>
+          <p:cNvPr id="85" name="CustomShape 2"/>
+          <p:cNvSpPr/>
           <p:nvPr/>
         </p:nvSpPr>
         <p:spPr>
           <a:xfrm>
             <a:off x="729720" y="3173040"/>
-            <a:ext cx="7687800" cy="540720"/>
+            <a:ext cx="7687440" cy="540360"/>
           </a:xfrm>
           <a:prstGeom prst="rect">
             <a:avLst/>
@@ -3911,8 +3545,14 @@
             <a:noFill/>
           </a:ln>
         </p:spPr>
-        <p:txBody>
-          <a:bodyPr tIns="91440" bIns="91440">
+        <p:style>
+          <a:lnRef idx="0"/>
+          <a:fillRef idx="0"/>
+          <a:effectRef idx="0"/>
+          <a:fontRef idx="minor"/>
+        </p:style>
+        <p:txBody>
+          <a:bodyPr lIns="90000" rIns="90000" tIns="91440" bIns="91440">
             <a:noAutofit/>
           </a:bodyPr>
           <a:p>
@@ -3932,10 +3572,7 @@
               <a:t>Presented By:</a:t>
             </a:r>
             <a:endParaRPr b="0" lang="en-US" sz="1300" spc="-1" strike="noStrike">
-              <a:solidFill>
-                <a:srgbClr val="000000"/>
-              </a:solidFill>
-              <a:latin typeface="Times New Roman"/>
+              <a:latin typeface="Arial"/>
             </a:endParaRPr>
           </a:p>
           <a:p>
@@ -3955,10 +3592,7 @@
               <a:t>Dolly Mishra[IU1641050010]</a:t>
             </a:r>
             <a:endParaRPr b="0" lang="en-US" sz="1300" spc="-1" strike="noStrike">
-              <a:solidFill>
-                <a:srgbClr val="000000"/>
-              </a:solidFill>
-              <a:latin typeface="Times New Roman"/>
+              <a:latin typeface="Arial"/>
             </a:endParaRPr>
           </a:p>
           <a:p>
@@ -3988,10 +3622,7 @@
               <a:t>g</a:t>
             </a:r>
             <a:endParaRPr b="0" lang="en-US" sz="1300" spc="-1" strike="noStrike">
-              <a:solidFill>
-                <a:srgbClr val="000000"/>
-              </a:solidFill>
-              <a:latin typeface="Times New Roman"/>
+              <a:latin typeface="Arial"/>
             </a:endParaRPr>
           </a:p>
           <a:p>
@@ -4011,24 +3642,21 @@
               <a:t>INDUS UNIVERSITY</a:t>
             </a:r>
             <a:endParaRPr b="0" lang="en-US" sz="1300" spc="-1" strike="noStrike">
-              <a:solidFill>
-                <a:srgbClr val="000000"/>
-              </a:solidFill>
-              <a:latin typeface="Times New Roman"/>
-            </a:endParaRPr>
-          </a:p>
-        </p:txBody>
-      </p:sp>
-      <p:sp>
-        <p:nvSpPr>
-          <p:cNvPr id="88" name="CustomShape 3"/>
+              <a:latin typeface="Arial"/>
+            </a:endParaRPr>
+          </a:p>
+        </p:txBody>
+      </p:sp>
+      <p:sp>
+        <p:nvSpPr>
+          <p:cNvPr id="86" name="CustomShape 3"/>
           <p:cNvSpPr/>
           <p:nvPr/>
         </p:nvSpPr>
         <p:spPr>
           <a:xfrm>
             <a:off x="16560" y="36000"/>
-            <a:ext cx="9127440" cy="914400"/>
+            <a:ext cx="9127080" cy="914040"/>
           </a:xfrm>
           <a:prstGeom prst="rect">
             <a:avLst/>
@@ -4051,7 +3679,7 @@
       </p:sp>
       <p:pic>
         <p:nvPicPr>
-          <p:cNvPr id="89" name="" descr=""/>
+          <p:cNvPr id="87" name="" descr=""/>
           <p:cNvPicPr/>
           <p:nvPr/>
         </p:nvPicPr>
@@ -4062,7 +3690,7 @@
         <p:spPr>
           <a:xfrm>
             <a:off x="284040" y="182880"/>
-            <a:ext cx="2180520" cy="640080"/>
+            <a:ext cx="2180160" cy="639720"/>
           </a:xfrm>
           <a:prstGeom prst="rect">
             <a:avLst/>
@@ -4074,14 +3702,14 @@
       </p:pic>
       <p:sp>
         <p:nvSpPr>
-          <p:cNvPr id="90" name="TextShape 4"/>
-          <p:cNvSpPr txBox="1"/>
+          <p:cNvPr id="88" name="CustomShape 4"/>
+          <p:cNvSpPr/>
           <p:nvPr/>
         </p:nvSpPr>
         <p:spPr>
           <a:xfrm>
             <a:off x="2954520" y="1554480"/>
-            <a:ext cx="3428280" cy="361800"/>
+            <a:ext cx="3427920" cy="361440"/>
           </a:xfrm>
           <a:prstGeom prst="rect">
             <a:avLst/>
@@ -4091,11 +3719,22 @@
             <a:noFill/>
           </a:ln>
         </p:spPr>
+        <p:style>
+          <a:lnRef idx="0"/>
+          <a:fillRef idx="0"/>
+          <a:effectRef idx="0"/>
+          <a:fontRef idx="minor"/>
+        </p:style>
         <p:txBody>
           <a:bodyPr lIns="90000" rIns="90000" tIns="45000" bIns="45000">
             <a:noAutofit/>
           </a:bodyPr>
           <a:p>
+            <a:pPr>
+              <a:lnSpc>
+                <a:spcPct val="100000"/>
+              </a:lnSpc>
+            </a:pPr>
             <a:r>
               <a:rPr b="0" lang="en-US" sz="1800" spc="-1" strike="noStrike">
                 <a:latin typeface="Rubik"/>
@@ -4103,14 +3742,14 @@
               <a:t>B.Tech-Computer Engineering</a:t>
             </a:r>
             <a:endParaRPr b="0" lang="en-US" sz="1800" spc="-1" strike="noStrike">
-              <a:latin typeface="Rubik"/>
+              <a:latin typeface="Arial"/>
             </a:endParaRPr>
           </a:p>
         </p:txBody>
       </p:sp>
       <p:pic>
         <p:nvPicPr>
-          <p:cNvPr id="91" name="" descr=""/>
+          <p:cNvPr id="89" name="" descr=""/>
           <p:cNvPicPr/>
           <p:nvPr/>
         </p:nvPicPr>
@@ -4121,7 +3760,7 @@
         <p:spPr>
           <a:xfrm>
             <a:off x="8046720" y="16560"/>
-            <a:ext cx="989280" cy="933840"/>
+            <a:ext cx="988920" cy="933480"/>
           </a:xfrm>
           <a:prstGeom prst="rect">
             <a:avLst/>
@@ -4133,14 +3772,14 @@
       </p:pic>
       <p:sp>
         <p:nvSpPr>
-          <p:cNvPr id="92" name="TextShape 5"/>
-          <p:cNvSpPr txBox="1"/>
+          <p:cNvPr id="90" name="CustomShape 5"/>
+          <p:cNvSpPr/>
           <p:nvPr/>
         </p:nvSpPr>
         <p:spPr>
           <a:xfrm>
             <a:off x="3650760" y="3177720"/>
-            <a:ext cx="7687800" cy="540720"/>
+            <a:ext cx="7687440" cy="540360"/>
           </a:xfrm>
           <a:prstGeom prst="rect">
             <a:avLst/>
@@ -4150,8 +3789,14 @@
             <a:noFill/>
           </a:ln>
         </p:spPr>
-        <p:txBody>
-          <a:bodyPr tIns="91440" bIns="91440">
+        <p:style>
+          <a:lnRef idx="0"/>
+          <a:fillRef idx="0"/>
+          <a:effectRef idx="0"/>
+          <a:fontRef idx="minor"/>
+        </p:style>
+        <p:txBody>
+          <a:bodyPr lIns="90000" rIns="90000" tIns="91440" bIns="91440">
             <a:noAutofit/>
           </a:bodyPr>
           <a:p>
@@ -4171,10 +3816,7 @@
               <a:t>External Guide:</a:t>
             </a:r>
             <a:endParaRPr b="0" lang="en-US" sz="1300" spc="-1" strike="noStrike">
-              <a:solidFill>
-                <a:srgbClr val="000000"/>
-              </a:solidFill>
-              <a:latin typeface="Times New Roman"/>
+              <a:latin typeface="Arial"/>
             </a:endParaRPr>
           </a:p>
           <a:p>
@@ -4194,10 +3836,7 @@
               <a:t>Ms. Mradima Chauhan</a:t>
             </a:r>
             <a:endParaRPr b="0" lang="en-US" sz="1300" spc="-1" strike="noStrike">
-              <a:solidFill>
-                <a:srgbClr val="000000"/>
-              </a:solidFill>
-              <a:latin typeface="Times New Roman"/>
+              <a:latin typeface="Arial"/>
             </a:endParaRPr>
           </a:p>
           <a:p>
@@ -4217,10 +3856,7 @@
               <a:t>Software Engineer</a:t>
             </a:r>
             <a:endParaRPr b="0" lang="en-US" sz="1300" spc="-1" strike="noStrike">
-              <a:solidFill>
-                <a:srgbClr val="000000"/>
-              </a:solidFill>
-              <a:latin typeface="Times New Roman"/>
+              <a:latin typeface="Arial"/>
             </a:endParaRPr>
           </a:p>
           <a:p>
@@ -4240,24 +3876,21 @@
               <a:t>GATEWAY GROUP</a:t>
             </a:r>
             <a:endParaRPr b="0" lang="en-US" sz="1300" spc="-1" strike="noStrike">
-              <a:solidFill>
-                <a:srgbClr val="000000"/>
-              </a:solidFill>
-              <a:latin typeface="Times New Roman"/>
-            </a:endParaRPr>
-          </a:p>
-        </p:txBody>
-      </p:sp>
-      <p:sp>
-        <p:nvSpPr>
-          <p:cNvPr id="93" name="TextShape 6"/>
-          <p:cNvSpPr txBox="1"/>
+              <a:latin typeface="Arial"/>
+            </a:endParaRPr>
+          </a:p>
+        </p:txBody>
+      </p:sp>
+      <p:sp>
+        <p:nvSpPr>
+          <p:cNvPr id="91" name="CustomShape 6"/>
+          <p:cNvSpPr/>
           <p:nvPr/>
         </p:nvSpPr>
         <p:spPr>
           <a:xfrm>
             <a:off x="6366600" y="3177720"/>
-            <a:ext cx="7687800" cy="540720"/>
+            <a:ext cx="7687440" cy="540360"/>
           </a:xfrm>
           <a:prstGeom prst="rect">
             <a:avLst/>
@@ -4267,8 +3900,14 @@
             <a:noFill/>
           </a:ln>
         </p:spPr>
-        <p:txBody>
-          <a:bodyPr tIns="91440" bIns="91440">
+        <p:style>
+          <a:lnRef idx="0"/>
+          <a:fillRef idx="0"/>
+          <a:effectRef idx="0"/>
+          <a:fontRef idx="minor"/>
+        </p:style>
+        <p:txBody>
+          <a:bodyPr lIns="90000" rIns="90000" tIns="91440" bIns="91440">
             <a:noAutofit/>
           </a:bodyPr>
           <a:p>
@@ -4288,10 +3927,7 @@
               <a:t>Internal Guide:</a:t>
             </a:r>
             <a:endParaRPr b="0" lang="en-US" sz="1300" spc="-1" strike="noStrike">
-              <a:solidFill>
-                <a:srgbClr val="000000"/>
-              </a:solidFill>
-              <a:latin typeface="Times New Roman"/>
+              <a:latin typeface="Arial"/>
             </a:endParaRPr>
           </a:p>
           <a:p>
@@ -4311,10 +3947,7 @@
               <a:t>Pruthvi Patel</a:t>
             </a:r>
             <a:endParaRPr b="0" lang="en-US" sz="1300" spc="-1" strike="noStrike">
-              <a:solidFill>
-                <a:srgbClr val="000000"/>
-              </a:solidFill>
-              <a:latin typeface="Times New Roman"/>
+              <a:latin typeface="Arial"/>
             </a:endParaRPr>
           </a:p>
           <a:p>
@@ -4334,10 +3967,7 @@
               <a:t>Lecturer</a:t>
             </a:r>
             <a:endParaRPr b="0" lang="en-US" sz="1300" spc="-1" strike="noStrike">
-              <a:solidFill>
-                <a:srgbClr val="000000"/>
-              </a:solidFill>
-              <a:latin typeface="Times New Roman"/>
+              <a:latin typeface="Arial"/>
             </a:endParaRPr>
           </a:p>
           <a:p>
@@ -4357,10 +3987,7 @@
               <a:t>INDUS UNIVERSITY</a:t>
             </a:r>
             <a:endParaRPr b="0" lang="en-US" sz="1300" spc="-1" strike="noStrike">
-              <a:solidFill>
-                <a:srgbClr val="000000"/>
-              </a:solidFill>
-              <a:latin typeface="Times New Roman"/>
+              <a:latin typeface="Arial"/>
             </a:endParaRPr>
           </a:p>
         </p:txBody>
@@ -4397,14 +4024,14 @@
       </p:grpSpPr>
       <p:sp>
         <p:nvSpPr>
-          <p:cNvPr id="109" name="TextShape 1"/>
-          <p:cNvSpPr txBox="1"/>
+          <p:cNvPr id="107" name="CustomShape 1"/>
+          <p:cNvSpPr/>
           <p:nvPr/>
         </p:nvSpPr>
         <p:spPr>
           <a:xfrm>
             <a:off x="729360" y="1318680"/>
-            <a:ext cx="7688520" cy="534960"/>
+            <a:ext cx="7688160" cy="534600"/>
           </a:xfrm>
           <a:prstGeom prst="rect">
             <a:avLst/>
@@ -4414,8 +4041,14 @@
             <a:noFill/>
           </a:ln>
         </p:spPr>
-        <p:txBody>
-          <a:bodyPr tIns="91440" bIns="91440">
+        <p:style>
+          <a:lnRef idx="0"/>
+          <a:fillRef idx="0"/>
+          <a:effectRef idx="0"/>
+          <a:fontRef idx="minor"/>
+        </p:style>
+        <p:txBody>
+          <a:bodyPr lIns="90000" rIns="90000" tIns="91440" bIns="91440">
             <a:noAutofit/>
           </a:bodyPr>
           <a:p>
@@ -4435,24 +4068,21 @@
               <a:t>Technology Stack</a:t>
             </a:r>
             <a:endParaRPr b="0" lang="en-US" sz="2600" spc="-1" strike="noStrike">
-              <a:solidFill>
-                <a:srgbClr val="000000"/>
-              </a:solidFill>
-              <a:latin typeface="Arial"/>
-            </a:endParaRPr>
-          </a:p>
-        </p:txBody>
-      </p:sp>
-      <p:sp>
-        <p:nvSpPr>
-          <p:cNvPr id="110" name="TextShape 2"/>
-          <p:cNvSpPr txBox="1"/>
+              <a:latin typeface="Arial"/>
+            </a:endParaRPr>
+          </a:p>
+        </p:txBody>
+      </p:sp>
+      <p:sp>
+        <p:nvSpPr>
+          <p:cNvPr id="108" name="CustomShape 2"/>
+          <p:cNvSpPr/>
           <p:nvPr/>
         </p:nvSpPr>
         <p:spPr>
           <a:xfrm>
             <a:off x="729360" y="2079000"/>
-            <a:ext cx="7688520" cy="2260800"/>
+            <a:ext cx="7688160" cy="2260440"/>
           </a:xfrm>
           <a:prstGeom prst="rect">
             <a:avLst/>
@@ -4462,12 +4092,18 @@
             <a:noFill/>
           </a:ln>
         </p:spPr>
-        <p:txBody>
-          <a:bodyPr tIns="91440" bIns="91440">
+        <p:style>
+          <a:lnRef idx="0"/>
+          <a:fillRef idx="0"/>
+          <a:effectRef idx="0"/>
+          <a:fontRef idx="minor"/>
+        </p:style>
+        <p:txBody>
+          <a:bodyPr lIns="90000" rIns="90000" tIns="91440" bIns="91440">
             <a:noAutofit/>
           </a:bodyPr>
           <a:p>
-            <a:pPr marL="457200" indent="-310680">
+            <a:pPr marL="457200" indent="-310320">
               <a:lnSpc>
                 <a:spcPct val="115000"/>
               </a:lnSpc>
@@ -4488,14 +4124,11 @@
               <a:t>.NET</a:t>
             </a:r>
             <a:endParaRPr b="0" lang="en-US" sz="1300" spc="-1" strike="noStrike">
-              <a:solidFill>
-                <a:srgbClr val="000000"/>
-              </a:solidFill>
-              <a:latin typeface="Arial"/>
-            </a:endParaRPr>
-          </a:p>
-          <a:p>
-            <a:pPr marL="457200" indent="-310680">
+              <a:latin typeface="Arial"/>
+            </a:endParaRPr>
+          </a:p>
+          <a:p>
+            <a:pPr marL="457200" indent="-310320">
               <a:lnSpc>
                 <a:spcPct val="115000"/>
               </a:lnSpc>
@@ -4516,14 +4149,11 @@
               <a:t>Web API</a:t>
             </a:r>
             <a:endParaRPr b="0" lang="en-US" sz="1300" spc="-1" strike="noStrike">
-              <a:solidFill>
-                <a:srgbClr val="000000"/>
-              </a:solidFill>
-              <a:latin typeface="Arial"/>
-            </a:endParaRPr>
-          </a:p>
-          <a:p>
-            <a:pPr marL="457200" indent="-310680">
+              <a:latin typeface="Arial"/>
+            </a:endParaRPr>
+          </a:p>
+          <a:p>
+            <a:pPr marL="457200" indent="-310320">
               <a:lnSpc>
                 <a:spcPct val="115000"/>
               </a:lnSpc>
@@ -4544,14 +4174,11 @@
               <a:t>SQL</a:t>
             </a:r>
             <a:endParaRPr b="0" lang="en-US" sz="1300" spc="-1" strike="noStrike">
-              <a:solidFill>
-                <a:srgbClr val="000000"/>
-              </a:solidFill>
-              <a:latin typeface="Arial"/>
-            </a:endParaRPr>
-          </a:p>
-          <a:p>
-            <a:pPr marL="457200" indent="-310680">
+              <a:latin typeface="Arial"/>
+            </a:endParaRPr>
+          </a:p>
+          <a:p>
+            <a:pPr marL="457200" indent="-310320">
               <a:lnSpc>
                 <a:spcPct val="115000"/>
               </a:lnSpc>
@@ -4572,14 +4199,11 @@
               <a:t>C#</a:t>
             </a:r>
             <a:endParaRPr b="0" lang="en-US" sz="1300" spc="-1" strike="noStrike">
-              <a:solidFill>
-                <a:srgbClr val="000000"/>
-              </a:solidFill>
-              <a:latin typeface="Arial"/>
-            </a:endParaRPr>
-          </a:p>
-          <a:p>
-            <a:pPr marL="457200" indent="-310680">
+              <a:latin typeface="Arial"/>
+            </a:endParaRPr>
+          </a:p>
+          <a:p>
+            <a:pPr marL="457200" indent="-310320">
               <a:lnSpc>
                 <a:spcPct val="115000"/>
               </a:lnSpc>
@@ -4600,14 +4224,11 @@
               <a:t>HTML</a:t>
             </a:r>
             <a:endParaRPr b="0" lang="en-US" sz="1300" spc="-1" strike="noStrike">
-              <a:solidFill>
-                <a:srgbClr val="000000"/>
-              </a:solidFill>
-              <a:latin typeface="Arial"/>
-            </a:endParaRPr>
-          </a:p>
-          <a:p>
-            <a:pPr marL="457200" indent="-310680">
+              <a:latin typeface="Arial"/>
+            </a:endParaRPr>
+          </a:p>
+          <a:p>
+            <a:pPr marL="457200" indent="-310320">
               <a:lnSpc>
                 <a:spcPct val="115000"/>
               </a:lnSpc>
@@ -4628,14 +4249,11 @@
               <a:t>Linq</a:t>
             </a:r>
             <a:endParaRPr b="0" lang="en-US" sz="1300" spc="-1" strike="noStrike">
-              <a:solidFill>
-                <a:srgbClr val="000000"/>
-              </a:solidFill>
-              <a:latin typeface="Arial"/>
-            </a:endParaRPr>
-          </a:p>
-          <a:p>
-            <a:pPr marL="457200" indent="-310680">
+              <a:latin typeface="Arial"/>
+            </a:endParaRPr>
+          </a:p>
+          <a:p>
+            <a:pPr marL="457200" indent="-310320">
               <a:lnSpc>
                 <a:spcPct val="115000"/>
               </a:lnSpc>
@@ -4656,9 +4274,6 @@
               <a:t>KendoUI</a:t>
             </a:r>
             <a:endParaRPr b="0" lang="en-US" sz="1300" spc="-1" strike="noStrike">
-              <a:solidFill>
-                <a:srgbClr val="000000"/>
-              </a:solidFill>
               <a:latin typeface="Arial"/>
             </a:endParaRPr>
           </a:p>
@@ -4682,22 +4297,9 @@
                 <a:latin typeface="Lato"/>
                 <a:ea typeface="Lato"/>
               </a:rPr>
-              <a:t>Specialization: </a:t>
-            </a:r>
-            <a:r>
-              <a:rPr b="0" lang="en-US" sz="1300" spc="-1" strike="noStrike">
-                <a:solidFill>
-                  <a:srgbClr val="595959"/>
-                </a:solidFill>
-                <a:latin typeface="Lato"/>
-                <a:ea typeface="Lato"/>
-              </a:rPr>
-              <a:t>Wireframe, webform</a:t>
+              <a:t>Specialization: Wireframe, webform</a:t>
             </a:r>
             <a:endParaRPr b="0" lang="en-US" sz="1300" spc="-1" strike="noStrike">
-              <a:solidFill>
-                <a:srgbClr val="000000"/>
-              </a:solidFill>
               <a:latin typeface="Arial"/>
             </a:endParaRPr>
           </a:p>
@@ -4735,14 +4337,14 @@
       </p:grpSpPr>
       <p:sp>
         <p:nvSpPr>
-          <p:cNvPr id="111" name="TextShape 1"/>
-          <p:cNvSpPr txBox="1"/>
+          <p:cNvPr id="109" name="CustomShape 1"/>
+          <p:cNvSpPr/>
           <p:nvPr/>
         </p:nvSpPr>
         <p:spPr>
           <a:xfrm>
             <a:off x="729360" y="1318680"/>
-            <a:ext cx="7688520" cy="534960"/>
+            <a:ext cx="7688160" cy="534600"/>
           </a:xfrm>
           <a:prstGeom prst="rect">
             <a:avLst/>
@@ -4752,11 +4354,22 @@
             <a:noFill/>
           </a:ln>
         </p:spPr>
+        <p:style>
+          <a:lnRef idx="0"/>
+          <a:fillRef idx="0"/>
+          <a:effectRef idx="0"/>
+          <a:fontRef idx="minor"/>
+        </p:style>
         <p:txBody>
           <a:bodyPr lIns="0" rIns="0" tIns="0" bIns="0" anchor="ctr">
             <a:noAutofit/>
           </a:bodyPr>
           <a:p>
+            <a:pPr>
+              <a:lnSpc>
+                <a:spcPct val="100000"/>
+              </a:lnSpc>
+            </a:pPr>
             <a:r>
               <a:rPr b="1" lang="en-US" sz="2600" spc="-1" strike="noStrike">
                 <a:solidFill>
@@ -4766,25 +4379,22 @@
               </a:rPr>
               <a:t>Hardware Requirement(Developer)</a:t>
             </a:r>
-            <a:endParaRPr b="1" lang="en-US" sz="2600" spc="-1" strike="noStrike">
-              <a:solidFill>
-                <a:srgbClr val="000000"/>
-              </a:solidFill>
-              <a:latin typeface="Arial"/>
-            </a:endParaRPr>
-          </a:p>
-        </p:txBody>
-      </p:sp>
-      <p:sp>
-        <p:nvSpPr>
-          <p:cNvPr id="112" name="TextShape 2"/>
-          <p:cNvSpPr txBox="1"/>
+            <a:endParaRPr b="0" lang="en-US" sz="2600" spc="-1" strike="noStrike">
+              <a:latin typeface="Arial"/>
+            </a:endParaRPr>
+          </a:p>
+        </p:txBody>
+      </p:sp>
+      <p:sp>
+        <p:nvSpPr>
+          <p:cNvPr id="110" name="CustomShape 2"/>
+          <p:cNvSpPr/>
           <p:nvPr/>
         </p:nvSpPr>
         <p:spPr>
           <a:xfrm>
             <a:off x="729360" y="2079000"/>
-            <a:ext cx="7688520" cy="2260800"/>
+            <a:ext cx="7688160" cy="2260440"/>
           </a:xfrm>
           <a:prstGeom prst="rect">
             <a:avLst/>
@@ -4794,12 +4404,21 @@
             <a:noFill/>
           </a:ln>
         </p:spPr>
+        <p:style>
+          <a:lnRef idx="0"/>
+          <a:fillRef idx="0"/>
+          <a:effectRef idx="0"/>
+          <a:fontRef idx="minor"/>
+        </p:style>
         <p:txBody>
           <a:bodyPr lIns="0" rIns="0" tIns="0" bIns="0">
             <a:normAutofit fontScale="68000"/>
           </a:bodyPr>
           <a:p>
-            <a:pPr marL="432000" indent="-324000">
+            <a:pPr marL="432000" indent="-323640">
+              <a:lnSpc>
+                <a:spcPct val="100000"/>
+              </a:lnSpc>
               <a:spcBef>
                 <a:spcPts val="1417"/>
               </a:spcBef>
@@ -4820,14 +4439,14 @@
               <a:t>1.8 GHz or faster processer, Quad-core or better recommended</a:t>
             </a:r>
             <a:endParaRPr b="0" lang="en-US" sz="1400" spc="-1" strike="noStrike">
-              <a:solidFill>
-                <a:srgbClr val="000000"/>
-              </a:solidFill>
-              <a:latin typeface="Arial"/>
-            </a:endParaRPr>
-          </a:p>
-          <a:p>
-            <a:pPr marL="432000" indent="-324000">
+              <a:latin typeface="Arial"/>
+            </a:endParaRPr>
+          </a:p>
+          <a:p>
+            <a:pPr marL="432000" indent="-323640">
+              <a:lnSpc>
+                <a:spcPct val="100000"/>
+              </a:lnSpc>
               <a:spcBef>
                 <a:spcPts val="1417"/>
               </a:spcBef>
@@ -4848,14 +4467,14 @@
               <a:t>2GB of RAM, 8 GB of RAM recommended(2.5 GB minimum if running on a virtual machine)</a:t>
             </a:r>
             <a:endParaRPr b="0" lang="en-US" sz="1400" spc="-1" strike="noStrike">
-              <a:solidFill>
-                <a:srgbClr val="000000"/>
-              </a:solidFill>
-              <a:latin typeface="Arial"/>
-            </a:endParaRPr>
-          </a:p>
-          <a:p>
-            <a:pPr marL="432000" indent="-324000">
+              <a:latin typeface="Arial"/>
+            </a:endParaRPr>
+          </a:p>
+          <a:p>
+            <a:pPr marL="432000" indent="-323640">
+              <a:lnSpc>
+                <a:spcPct val="100000"/>
+              </a:lnSpc>
               <a:spcBef>
                 <a:spcPts val="1417"/>
               </a:spcBef>
@@ -4876,14 +4495,14 @@
               <a:t>Hard disk space: minimum of 800MB up to 210GB of available space, depending upon features installed, typical installation requires 20-50GB of free space.</a:t>
             </a:r>
             <a:endParaRPr b="0" lang="en-US" sz="1400" spc="-1" strike="noStrike">
-              <a:solidFill>
-                <a:srgbClr val="000000"/>
-              </a:solidFill>
-              <a:latin typeface="Arial"/>
-            </a:endParaRPr>
-          </a:p>
-          <a:p>
-            <a:pPr marL="432000" indent="-324000">
+              <a:latin typeface="Arial"/>
+            </a:endParaRPr>
+          </a:p>
+          <a:p>
+            <a:pPr marL="432000" indent="-323640">
+              <a:lnSpc>
+                <a:spcPct val="100000"/>
+              </a:lnSpc>
               <a:spcBef>
                 <a:spcPts val="1417"/>
               </a:spcBef>
@@ -4904,14 +4523,14 @@
               <a:t>Hard disk speed: to improve performance install Windows and Visual Studio on a solid state drive(SSD)</a:t>
             </a:r>
             <a:endParaRPr b="0" lang="en-US" sz="1400" spc="-1" strike="noStrike">
-              <a:solidFill>
-                <a:srgbClr val="000000"/>
-              </a:solidFill>
-              <a:latin typeface="Arial"/>
-            </a:endParaRPr>
-          </a:p>
-          <a:p>
-            <a:pPr marL="432000" indent="-324000">
+              <a:latin typeface="Arial"/>
+            </a:endParaRPr>
+          </a:p>
+          <a:p>
+            <a:pPr marL="432000" indent="-323640">
+              <a:lnSpc>
+                <a:spcPct val="100000"/>
+              </a:lnSpc>
               <a:spcBef>
                 <a:spcPts val="1417"/>
               </a:spcBef>
@@ -4932,14 +4551,14 @@
               <a:t>Video card that supports a minimum display resolution of 720p(1280 by 720), Visual Studio will work best at a resolution of WXGA(1366 by 768) or higher</a:t>
             </a:r>
             <a:endParaRPr b="0" lang="en-US" sz="1400" spc="-1" strike="noStrike">
-              <a:solidFill>
-                <a:srgbClr val="000000"/>
-              </a:solidFill>
-              <a:latin typeface="Arial"/>
-            </a:endParaRPr>
-          </a:p>
-          <a:p>
-            <a:pPr marL="432000" indent="-324000">
+              <a:latin typeface="Arial"/>
+            </a:endParaRPr>
+          </a:p>
+          <a:p>
+            <a:pPr marL="432000" indent="-323640">
+              <a:lnSpc>
+                <a:spcPct val="100000"/>
+              </a:lnSpc>
               <a:spcBef>
                 <a:spcPts val="1417"/>
               </a:spcBef>
@@ -4960,9 +4579,6 @@
               <a:t>References: https://docs.microsoft.com/en-us/visualstudio/releases/2019/system-requirements</a:t>
             </a:r>
             <a:endParaRPr b="0" lang="en-US" sz="1400" spc="-1" strike="noStrike">
-              <a:solidFill>
-                <a:srgbClr val="000000"/>
-              </a:solidFill>
               <a:latin typeface="Arial"/>
             </a:endParaRPr>
           </a:p>
@@ -5000,14 +4616,14 @@
       </p:grpSpPr>
       <p:sp>
         <p:nvSpPr>
-          <p:cNvPr id="113" name="TextShape 1"/>
-          <p:cNvSpPr txBox="1"/>
+          <p:cNvPr id="111" name="CustomShape 1"/>
+          <p:cNvSpPr/>
           <p:nvPr/>
         </p:nvSpPr>
         <p:spPr>
           <a:xfrm>
             <a:off x="729360" y="1318680"/>
-            <a:ext cx="7688520" cy="534960"/>
+            <a:ext cx="7688160" cy="534600"/>
           </a:xfrm>
           <a:prstGeom prst="rect">
             <a:avLst/>
@@ -5017,11 +4633,22 @@
             <a:noFill/>
           </a:ln>
         </p:spPr>
+        <p:style>
+          <a:lnRef idx="0"/>
+          <a:fillRef idx="0"/>
+          <a:effectRef idx="0"/>
+          <a:fontRef idx="minor"/>
+        </p:style>
         <p:txBody>
           <a:bodyPr lIns="0" rIns="0" tIns="0" bIns="0" anchor="ctr">
             <a:noAutofit/>
           </a:bodyPr>
           <a:p>
+            <a:pPr>
+              <a:lnSpc>
+                <a:spcPct val="100000"/>
+              </a:lnSpc>
+            </a:pPr>
             <a:r>
               <a:rPr b="1" lang="en-US" sz="2600" spc="-1" strike="noStrike">
                 <a:solidFill>
@@ -5031,25 +4658,22 @@
               </a:rPr>
               <a:t>Software Requirements(User)</a:t>
             </a:r>
-            <a:endParaRPr b="1" lang="en-US" sz="2600" spc="-1" strike="noStrike">
-              <a:solidFill>
-                <a:srgbClr val="000000"/>
-              </a:solidFill>
-              <a:latin typeface="Arial"/>
-            </a:endParaRPr>
-          </a:p>
-        </p:txBody>
-      </p:sp>
-      <p:sp>
-        <p:nvSpPr>
-          <p:cNvPr id="114" name="TextShape 2"/>
-          <p:cNvSpPr txBox="1"/>
+            <a:endParaRPr b="0" lang="en-US" sz="2600" spc="-1" strike="noStrike">
+              <a:latin typeface="Arial"/>
+            </a:endParaRPr>
+          </a:p>
+        </p:txBody>
+      </p:sp>
+      <p:sp>
+        <p:nvSpPr>
+          <p:cNvPr id="112" name="CustomShape 2"/>
+          <p:cNvSpPr/>
           <p:nvPr/>
         </p:nvSpPr>
         <p:spPr>
           <a:xfrm>
             <a:off x="729360" y="2079000"/>
-            <a:ext cx="7688520" cy="2260800"/>
+            <a:ext cx="7688160" cy="2260440"/>
           </a:xfrm>
           <a:prstGeom prst="rect">
             <a:avLst/>
@@ -5059,12 +4683,21 @@
             <a:noFill/>
           </a:ln>
         </p:spPr>
+        <p:style>
+          <a:lnRef idx="0"/>
+          <a:fillRef idx="0"/>
+          <a:effectRef idx="0"/>
+          <a:fontRef idx="minor"/>
+        </p:style>
         <p:txBody>
           <a:bodyPr lIns="0" rIns="0" tIns="0" bIns="0">
             <a:normAutofit/>
           </a:bodyPr>
           <a:p>
-            <a:pPr marL="432000" indent="-324000">
+            <a:pPr marL="432000" indent="-323640">
+              <a:lnSpc>
+                <a:spcPct val="100000"/>
+              </a:lnSpc>
               <a:spcBef>
                 <a:spcPts val="1417"/>
               </a:spcBef>
@@ -5085,14 +4718,14 @@
               <a:t>Browser</a:t>
             </a:r>
             <a:endParaRPr b="0" lang="en-US" sz="1400" spc="-1" strike="noStrike">
-              <a:solidFill>
-                <a:srgbClr val="000000"/>
-              </a:solidFill>
-              <a:latin typeface="Arial"/>
-            </a:endParaRPr>
-          </a:p>
-          <a:p>
-            <a:pPr marL="432000" indent="-324000">
+              <a:latin typeface="Arial"/>
+            </a:endParaRPr>
+          </a:p>
+          <a:p>
+            <a:pPr marL="432000" indent="-323640">
+              <a:lnSpc>
+                <a:spcPct val="100000"/>
+              </a:lnSpc>
               <a:spcBef>
                 <a:spcPts val="1417"/>
               </a:spcBef>
@@ -5113,9 +4746,6 @@
               <a:t>Good Internet Connection</a:t>
             </a:r>
             <a:endParaRPr b="0" lang="en-US" sz="1400" spc="-1" strike="noStrike">
-              <a:solidFill>
-                <a:srgbClr val="000000"/>
-              </a:solidFill>
               <a:latin typeface="Arial"/>
             </a:endParaRPr>
           </a:p>
@@ -5153,14 +4783,14 @@
       </p:grpSpPr>
       <p:sp>
         <p:nvSpPr>
-          <p:cNvPr id="115" name="TextShape 1"/>
-          <p:cNvSpPr txBox="1"/>
+          <p:cNvPr id="113" name="CustomShape 1"/>
+          <p:cNvSpPr/>
           <p:nvPr/>
         </p:nvSpPr>
         <p:spPr>
           <a:xfrm>
             <a:off x="729360" y="1318680"/>
-            <a:ext cx="7688520" cy="534960"/>
+            <a:ext cx="7688160" cy="534600"/>
           </a:xfrm>
           <a:prstGeom prst="rect">
             <a:avLst/>
@@ -5170,11 +4800,22 @@
             <a:noFill/>
           </a:ln>
         </p:spPr>
+        <p:style>
+          <a:lnRef idx="0"/>
+          <a:fillRef idx="0"/>
+          <a:effectRef idx="0"/>
+          <a:fontRef idx="minor"/>
+        </p:style>
         <p:txBody>
           <a:bodyPr lIns="0" rIns="0" tIns="0" bIns="0" anchor="ctr">
             <a:noAutofit/>
           </a:bodyPr>
           <a:p>
+            <a:pPr>
+              <a:lnSpc>
+                <a:spcPct val="100000"/>
+              </a:lnSpc>
+            </a:pPr>
             <a:r>
               <a:rPr b="1" lang="en-US" sz="2600" spc="-1" strike="noStrike">
                 <a:solidFill>
@@ -5184,25 +4825,22 @@
               </a:rPr>
               <a:t>Software Requirements(User)</a:t>
             </a:r>
-            <a:endParaRPr b="1" lang="en-US" sz="2600" spc="-1" strike="noStrike">
-              <a:solidFill>
-                <a:srgbClr val="000000"/>
-              </a:solidFill>
-              <a:latin typeface="Arial"/>
-            </a:endParaRPr>
-          </a:p>
-        </p:txBody>
-      </p:sp>
-      <p:sp>
-        <p:nvSpPr>
-          <p:cNvPr id="116" name="TextShape 2"/>
-          <p:cNvSpPr txBox="1"/>
+            <a:endParaRPr b="0" lang="en-US" sz="2600" spc="-1" strike="noStrike">
+              <a:latin typeface="Arial"/>
+            </a:endParaRPr>
+          </a:p>
+        </p:txBody>
+      </p:sp>
+      <p:sp>
+        <p:nvSpPr>
+          <p:cNvPr id="114" name="CustomShape 2"/>
+          <p:cNvSpPr/>
           <p:nvPr/>
         </p:nvSpPr>
         <p:spPr>
           <a:xfrm>
             <a:off x="729360" y="2079000"/>
-            <a:ext cx="7688520" cy="2260800"/>
+            <a:ext cx="7688160" cy="2260440"/>
           </a:xfrm>
           <a:prstGeom prst="rect">
             <a:avLst/>
@@ -5212,12 +4850,21 @@
             <a:noFill/>
           </a:ln>
         </p:spPr>
+        <p:style>
+          <a:lnRef idx="0"/>
+          <a:fillRef idx="0"/>
+          <a:effectRef idx="0"/>
+          <a:fontRef idx="minor"/>
+        </p:style>
         <p:txBody>
           <a:bodyPr lIns="0" rIns="0" tIns="0" bIns="0">
             <a:normAutofit/>
           </a:bodyPr>
           <a:p>
-            <a:pPr marL="432000" indent="-324000">
+            <a:pPr marL="432000" indent="-323640">
+              <a:lnSpc>
+                <a:spcPct val="100000"/>
+              </a:lnSpc>
               <a:spcBef>
                 <a:spcPts val="1417"/>
               </a:spcBef>
@@ -5238,14 +4885,14 @@
               <a:t>Visual Studio</a:t>
             </a:r>
             <a:endParaRPr b="0" lang="en-US" sz="1400" spc="-1" strike="noStrike">
-              <a:solidFill>
-                <a:srgbClr val="000000"/>
-              </a:solidFill>
-              <a:latin typeface="Arial"/>
-            </a:endParaRPr>
-          </a:p>
-          <a:p>
-            <a:pPr marL="432000" indent="-324000">
+              <a:latin typeface="Arial"/>
+            </a:endParaRPr>
+          </a:p>
+          <a:p>
+            <a:pPr marL="432000" indent="-323640">
+              <a:lnSpc>
+                <a:spcPct val="100000"/>
+              </a:lnSpc>
               <a:spcBef>
                 <a:spcPts val="1417"/>
               </a:spcBef>
@@ -5266,9 +4913,6 @@
               <a:t>SQL Server Management Studio</a:t>
             </a:r>
             <a:endParaRPr b="0" lang="en-US" sz="1400" spc="-1" strike="noStrike">
-              <a:solidFill>
-                <a:srgbClr val="000000"/>
-              </a:solidFill>
               <a:latin typeface="Arial"/>
             </a:endParaRPr>
           </a:p>
@@ -5306,14 +4950,14 @@
       </p:grpSpPr>
       <p:sp>
         <p:nvSpPr>
-          <p:cNvPr id="117" name="TextShape 1"/>
-          <p:cNvSpPr txBox="1"/>
+          <p:cNvPr id="115" name="CustomShape 1"/>
+          <p:cNvSpPr/>
           <p:nvPr/>
         </p:nvSpPr>
         <p:spPr>
           <a:xfrm>
             <a:off x="3186360" y="2377440"/>
-            <a:ext cx="2821680" cy="430200"/>
+            <a:ext cx="2821320" cy="429840"/>
           </a:xfrm>
           <a:prstGeom prst="rect">
             <a:avLst/>
@@ -5323,19 +4967,29 @@
             <a:noFill/>
           </a:ln>
         </p:spPr>
+        <p:style>
+          <a:lnRef idx="0"/>
+          <a:fillRef idx="0"/>
+          <a:effectRef idx="0"/>
+          <a:fontRef idx="minor"/>
+        </p:style>
         <p:txBody>
           <a:bodyPr lIns="90000" rIns="90000" tIns="45000" bIns="45000">
             <a:noAutofit/>
           </a:bodyPr>
           <a:p>
-            <a:pPr algn="r"/>
+            <a:pPr algn="r">
+              <a:lnSpc>
+                <a:spcPct val="100000"/>
+              </a:lnSpc>
+            </a:pPr>
             <a:r>
               <a:rPr b="1" lang="en-US" sz="2400" spc="-1" strike="noStrike">
                 <a:latin typeface="Arial"/>
               </a:rPr>
               <a:t>FLOW DIAGRAMS</a:t>
             </a:r>
-            <a:endParaRPr b="1" lang="en-US" sz="2400" spc="-1" strike="noStrike">
+            <a:endParaRPr b="0" lang="en-US" sz="2400" spc="-1" strike="noStrike">
               <a:latin typeface="Arial"/>
             </a:endParaRPr>
           </a:p>
@@ -5373,7 +5027,7 @@
       </p:grpSpPr>
       <p:pic>
         <p:nvPicPr>
-          <p:cNvPr id="118" name="" descr=""/>
+          <p:cNvPr id="116" name="" descr=""/>
           <p:cNvPicPr/>
           <p:nvPr/>
         </p:nvPicPr>
@@ -5384,7 +5038,7 @@
         <p:spPr>
           <a:xfrm>
             <a:off x="2139840" y="118080"/>
-            <a:ext cx="4864320" cy="4936320"/>
+            <a:ext cx="4863960" cy="4935960"/>
           </a:xfrm>
           <a:prstGeom prst="rect">
             <a:avLst/>
@@ -5396,14 +5050,14 @@
       </p:pic>
       <p:sp>
         <p:nvSpPr>
-          <p:cNvPr id="119" name="TextShape 1"/>
-          <p:cNvSpPr txBox="1"/>
+          <p:cNvPr id="117" name="CustomShape 1"/>
+          <p:cNvSpPr/>
           <p:nvPr/>
         </p:nvSpPr>
         <p:spPr>
           <a:xfrm>
             <a:off x="5208120" y="4297680"/>
-            <a:ext cx="3390120" cy="346320"/>
+            <a:ext cx="3389760" cy="345960"/>
           </a:xfrm>
           <a:prstGeom prst="rect">
             <a:avLst/>
@@ -5413,11 +5067,22 @@
             <a:noFill/>
           </a:ln>
         </p:spPr>
+        <p:style>
+          <a:lnRef idx="0"/>
+          <a:fillRef idx="0"/>
+          <a:effectRef idx="0"/>
+          <a:fontRef idx="minor"/>
+        </p:style>
         <p:txBody>
           <a:bodyPr lIns="90000" rIns="90000" tIns="45000" bIns="45000">
             <a:noAutofit/>
           </a:bodyPr>
           <a:p>
+            <a:pPr>
+              <a:lnSpc>
+                <a:spcPct val="100000"/>
+              </a:lnSpc>
+            </a:pPr>
             <a:r>
               <a:rPr b="0" lang="en-US" sz="1800" spc="-1" strike="noStrike">
                 <a:latin typeface="Arial"/>
@@ -5462,7 +5127,7 @@
       </p:grpSpPr>
       <p:pic>
         <p:nvPicPr>
-          <p:cNvPr id="120" name="" descr=""/>
+          <p:cNvPr id="118" name="" descr=""/>
           <p:cNvPicPr/>
           <p:nvPr/>
         </p:nvPicPr>
@@ -5473,7 +5138,7 @@
         <p:spPr>
           <a:xfrm>
             <a:off x="2018880" y="91440"/>
-            <a:ext cx="5106600" cy="5029200"/>
+            <a:ext cx="5106240" cy="5028840"/>
           </a:xfrm>
           <a:prstGeom prst="rect">
             <a:avLst/>
@@ -5485,14 +5150,14 @@
       </p:pic>
       <p:sp>
         <p:nvSpPr>
-          <p:cNvPr id="121" name="TextShape 1"/>
-          <p:cNvSpPr txBox="1"/>
+          <p:cNvPr id="119" name="CustomShape 1"/>
+          <p:cNvSpPr/>
           <p:nvPr/>
         </p:nvSpPr>
         <p:spPr>
           <a:xfrm>
             <a:off x="4976640" y="4480560"/>
-            <a:ext cx="3984480" cy="346320"/>
+            <a:ext cx="3984120" cy="345960"/>
           </a:xfrm>
           <a:prstGeom prst="rect">
             <a:avLst/>
@@ -5502,11 +5167,22 @@
             <a:noFill/>
           </a:ln>
         </p:spPr>
+        <p:style>
+          <a:lnRef idx="0"/>
+          <a:fillRef idx="0"/>
+          <a:effectRef idx="0"/>
+          <a:fontRef idx="minor"/>
+        </p:style>
         <p:txBody>
           <a:bodyPr lIns="90000" rIns="90000" tIns="45000" bIns="45000">
             <a:noAutofit/>
           </a:bodyPr>
           <a:p>
+            <a:pPr>
+              <a:lnSpc>
+                <a:spcPct val="100000"/>
+              </a:lnSpc>
+            </a:pPr>
             <a:r>
               <a:rPr b="0" lang="en-US" sz="1800" spc="-1" strike="noStrike">
                 <a:latin typeface="Arial"/>
@@ -5551,7 +5227,7 @@
       </p:grpSpPr>
       <p:pic>
         <p:nvPicPr>
-          <p:cNvPr id="122" name="" descr=""/>
+          <p:cNvPr id="120" name="" descr=""/>
           <p:cNvPicPr/>
           <p:nvPr/>
         </p:nvPicPr>
@@ -5562,7 +5238,7 @@
         <p:spPr>
           <a:xfrm>
             <a:off x="2743200" y="91440"/>
-            <a:ext cx="3657600" cy="5029200"/>
+            <a:ext cx="3657240" cy="5028840"/>
           </a:xfrm>
           <a:prstGeom prst="rect">
             <a:avLst/>
@@ -5574,14 +5250,14 @@
       </p:pic>
       <p:sp>
         <p:nvSpPr>
-          <p:cNvPr id="123" name="TextShape 1"/>
-          <p:cNvSpPr txBox="1"/>
+          <p:cNvPr id="121" name="CustomShape 1"/>
+          <p:cNvSpPr/>
           <p:nvPr/>
         </p:nvSpPr>
         <p:spPr>
           <a:xfrm>
             <a:off x="4976640" y="4480560"/>
-            <a:ext cx="3984480" cy="346320"/>
+            <a:ext cx="3984120" cy="345960"/>
           </a:xfrm>
           <a:prstGeom prst="rect">
             <a:avLst/>
@@ -5591,16 +5267,244 @@
             <a:noFill/>
           </a:ln>
         </p:spPr>
+        <p:style>
+          <a:lnRef idx="0"/>
+          <a:fillRef idx="0"/>
+          <a:effectRef idx="0"/>
+          <a:fontRef idx="minor"/>
+        </p:style>
         <p:txBody>
           <a:bodyPr lIns="90000" rIns="90000" tIns="45000" bIns="45000">
             <a:noAutofit/>
           </a:bodyPr>
           <a:p>
+            <a:pPr>
+              <a:lnSpc>
+                <a:spcPct val="100000"/>
+              </a:lnSpc>
+            </a:pPr>
             <a:r>
               <a:rPr b="0" lang="en-US" sz="1800" spc="-1" strike="noStrike">
                 <a:latin typeface="Arial"/>
               </a:rPr>
               <a:t>Flow diagram for Internal User </a:t>
+            </a:r>
+            <a:endParaRPr b="0" lang="en-US" sz="1800" spc="-1" strike="noStrike">
+              <a:latin typeface="Arial"/>
+            </a:endParaRPr>
+          </a:p>
+        </p:txBody>
+      </p:sp>
+    </p:spTree>
+  </p:cSld>
+  <mc:AlternateContent>
+    <mc:Choice Requires="p14">
+      <p:transition spd="slow" p14:dur="2000"/>
+    </mc:Choice>
+    <mc:Fallback>
+      <p:transition spd="slow"/>
+    </mc:Fallback>
+  </mc:AlternateContent>
+</p:sld>
+</file>
+
+<file path=ppt/slides/slide18.xml><?xml version="1.0" encoding="utf-8"?>
+<p:sld xmlns:a="http://schemas.openxmlformats.org/drawingml/2006/main" xmlns:p="http://schemas.openxmlformats.org/presentationml/2006/main" xmlns:r="http://schemas.openxmlformats.org/officeDocument/2006/relationships" xmlns:p14="http://schemas.microsoft.com/office/powerpoint/2010/main" xmlns:p15="http://schemas.microsoft.com/office/powerpoint/2012/main" xmlns:mc="http://schemas.openxmlformats.org/markup-compatibility/2006">
+  <p:cSld>
+    <p:spTree>
+      <p:nvGrpSpPr>
+        <p:cNvPr id="1" name=""/>
+        <p:cNvGrpSpPr/>
+        <p:nvPr/>
+      </p:nvGrpSpPr>
+      <p:grpSpPr>
+        <a:xfrm>
+          <a:off x="0" y="0"/>
+          <a:ext cx="0" cy="0"/>
+          <a:chOff x="0" y="0"/>
+          <a:chExt cx="0" cy="0"/>
+        </a:xfrm>
+      </p:grpSpPr>
+      <p:sp>
+        <p:nvSpPr>
+          <p:cNvPr id="122" name="TextShape 1"/>
+          <p:cNvSpPr txBox="1"/>
+          <p:nvPr/>
+        </p:nvSpPr>
+        <p:spPr>
+          <a:xfrm>
+            <a:off x="729360" y="1318680"/>
+            <a:ext cx="7688160" cy="534600"/>
+          </a:xfrm>
+          <a:prstGeom prst="rect">
+            <a:avLst/>
+          </a:prstGeom>
+          <a:noFill/>
+          <a:ln>
+            <a:noFill/>
+          </a:ln>
+        </p:spPr>
+        <p:txBody>
+          <a:bodyPr lIns="0" rIns="0" tIns="0" bIns="0" anchor="ctr">
+            <a:noAutofit/>
+          </a:bodyPr>
+          <a:p>
+            <a:r>
+              <a:rPr b="1" lang="en-US" sz="2600" spc="-1" strike="noStrike">
+                <a:latin typeface="Arial"/>
+              </a:rPr>
+              <a:t>Work done till Date</a:t>
+            </a:r>
+            <a:endParaRPr b="1" lang="en-US" sz="2600" spc="-1" strike="noStrike">
+              <a:latin typeface="Arial"/>
+            </a:endParaRPr>
+          </a:p>
+        </p:txBody>
+      </p:sp>
+      <p:sp>
+        <p:nvSpPr>
+          <p:cNvPr id="123" name="TextShape 2"/>
+          <p:cNvSpPr txBox="1"/>
+          <p:nvPr/>
+        </p:nvSpPr>
+        <p:spPr>
+          <a:xfrm>
+            <a:off x="914400" y="2103120"/>
+            <a:ext cx="4831560" cy="1882080"/>
+          </a:xfrm>
+          <a:prstGeom prst="rect">
+            <a:avLst/>
+          </a:prstGeom>
+          <a:noFill/>
+          <a:ln>
+            <a:noFill/>
+          </a:ln>
+        </p:spPr>
+        <p:txBody>
+          <a:bodyPr lIns="90000" rIns="90000" tIns="45000" bIns="45000">
+            <a:noAutofit/>
+          </a:bodyPr>
+          <a:p>
+            <a:pPr marL="216000" indent="-216000">
+              <a:buClr>
+                <a:srgbClr val="000000"/>
+              </a:buClr>
+              <a:buFont typeface="StarSymbol"/>
+              <a:buAutoNum type="arabicPeriod"/>
+            </a:pPr>
+            <a:r>
+              <a:rPr b="0" lang="en-US" sz="1800" spc="-1" strike="noStrike">
+                <a:latin typeface="Arial"/>
+              </a:rPr>
+              <a:t>Project Analysis</a:t>
+            </a:r>
+            <a:endParaRPr b="0" lang="en-US" sz="1800" spc="-1" strike="noStrike">
+              <a:latin typeface="Arial"/>
+            </a:endParaRPr>
+          </a:p>
+          <a:p>
+            <a:pPr marL="216000" indent="-216000">
+              <a:buClr>
+                <a:srgbClr val="000000"/>
+              </a:buClr>
+              <a:buFont typeface="StarSymbol"/>
+              <a:buAutoNum type="arabicPeriod"/>
+            </a:pPr>
+            <a:r>
+              <a:rPr b="0" lang="en-US" sz="1800" spc="-1" strike="noStrike">
+                <a:latin typeface="Arial"/>
+              </a:rPr>
+              <a:t>System flow diagrams</a:t>
+            </a:r>
+            <a:endParaRPr b="0" lang="en-US" sz="1800" spc="-1" strike="noStrike">
+              <a:latin typeface="Arial"/>
+            </a:endParaRPr>
+          </a:p>
+          <a:p>
+            <a:pPr marL="216000" indent="-216000">
+              <a:buClr>
+                <a:srgbClr val="000000"/>
+              </a:buClr>
+              <a:buFont typeface="StarSymbol"/>
+              <a:buAutoNum type="arabicPeriod"/>
+            </a:pPr>
+            <a:r>
+              <a:rPr b="0" lang="en-US" sz="1800" spc="-1" strike="noStrike">
+                <a:latin typeface="Arial"/>
+              </a:rPr>
+              <a:t>Use Case diagrams</a:t>
+            </a:r>
+            <a:endParaRPr b="0" lang="en-US" sz="1800" spc="-1" strike="noStrike">
+              <a:latin typeface="Arial"/>
+            </a:endParaRPr>
+          </a:p>
+          <a:p>
+            <a:pPr marL="216000" indent="-216000">
+              <a:buClr>
+                <a:srgbClr val="000000"/>
+              </a:buClr>
+              <a:buFont typeface="StarSymbol"/>
+              <a:buAutoNum type="arabicPeriod"/>
+            </a:pPr>
+            <a:r>
+              <a:rPr b="0" lang="en-US" sz="1800" spc="-1" strike="noStrike">
+                <a:latin typeface="Arial"/>
+              </a:rPr>
+              <a:t>Database flow</a:t>
+            </a:r>
+            <a:endParaRPr b="0" lang="en-US" sz="1800" spc="-1" strike="noStrike">
+              <a:latin typeface="Arial"/>
+            </a:endParaRPr>
+          </a:p>
+          <a:p>
+            <a:pPr marL="216000" indent="-216000">
+              <a:buClr>
+                <a:srgbClr val="000000"/>
+              </a:buClr>
+              <a:buFont typeface="StarSymbol"/>
+              <a:buAutoNum type="arabicPeriod"/>
+            </a:pPr>
+            <a:r>
+              <a:rPr b="0" lang="en-US" sz="1800" spc="-1" strike="noStrike">
+                <a:latin typeface="Arial"/>
+              </a:rPr>
+              <a:t>Screen and fields module wise</a:t>
+            </a:r>
+            <a:endParaRPr b="0" lang="en-US" sz="1800" spc="-1" strike="noStrike">
+              <a:latin typeface="Arial"/>
+            </a:endParaRPr>
+          </a:p>
+          <a:p>
+            <a:pPr marL="216000" indent="-216000">
+              <a:buClr>
+                <a:srgbClr val="000000"/>
+              </a:buClr>
+              <a:buFont typeface="StarSymbol"/>
+              <a:buAutoNum type="arabicPeriod"/>
+            </a:pPr>
+            <a:r>
+              <a:rPr b="0" lang="en-US" sz="1800" spc="-1" strike="noStrike">
+                <a:latin typeface="Arial"/>
+              </a:rPr>
+              <a:t>User management technique understanding</a:t>
+            </a:r>
+            <a:endParaRPr b="0" lang="en-US" sz="1800" spc="-1" strike="noStrike">
+              <a:latin typeface="Arial"/>
+            </a:endParaRPr>
+          </a:p>
+          <a:p>
+            <a:pPr marL="216000" indent="-216000">
+              <a:buClr>
+                <a:srgbClr val="000000"/>
+              </a:buClr>
+              <a:buFont typeface="StarSymbol"/>
+              <a:buAutoNum type="arabicPeriod"/>
+            </a:pPr>
+            <a:r>
+              <a:rPr b="0" lang="en-US" sz="1800" spc="-1" strike="noStrike">
+                <a:latin typeface="Arial"/>
+              </a:rPr>
+              <a:t>Commenced project development</a:t>
             </a:r>
             <a:endParaRPr b="0" lang="en-US" sz="1800" spc="-1" strike="noStrike">
               <a:latin typeface="Arial"/>
@@ -5640,14 +5544,14 @@
       </p:grpSpPr>
       <p:sp>
         <p:nvSpPr>
-          <p:cNvPr id="94" name="TextShape 1"/>
-          <p:cNvSpPr txBox="1"/>
+          <p:cNvPr id="92" name="CustomShape 1"/>
+          <p:cNvSpPr/>
           <p:nvPr/>
         </p:nvSpPr>
         <p:spPr>
           <a:xfrm>
-            <a:off x="729360" y="1318680"/>
-            <a:ext cx="7688520" cy="534960"/>
+            <a:off x="724320" y="640080"/>
+            <a:ext cx="7688160" cy="534600"/>
           </a:xfrm>
           <a:prstGeom prst="rect">
             <a:avLst/>
@@ -5657,13 +5561,24 @@
             <a:noFill/>
           </a:ln>
         </p:spPr>
+        <p:style>
+          <a:lnRef idx="0"/>
+          <a:fillRef idx="0"/>
+          <a:effectRef idx="0"/>
+          <a:fontRef idx="minor"/>
+        </p:style>
         <p:txBody>
           <a:bodyPr lIns="0" rIns="0" tIns="0" bIns="0" anchor="ctr">
             <a:noAutofit/>
           </a:bodyPr>
           <a:p>
-            <a:r>
-              <a:rPr b="0" lang="en-US" sz="1400" spc="-1" strike="noStrike">
+            <a:pPr>
+              <a:lnSpc>
+                <a:spcPct val="100000"/>
+              </a:lnSpc>
+            </a:pPr>
+            <a:r>
+              <a:rPr b="1" lang="en-US" sz="2800" spc="-1" strike="noStrike">
                 <a:solidFill>
                   <a:srgbClr val="000000"/>
                 </a:solidFill>
@@ -5671,25 +5586,22 @@
               </a:rPr>
               <a:t>CONTENT</a:t>
             </a:r>
-            <a:endParaRPr b="0" lang="en-US" sz="1400" spc="-1" strike="noStrike">
-              <a:solidFill>
-                <a:srgbClr val="000000"/>
-              </a:solidFill>
-              <a:latin typeface="Arial"/>
-            </a:endParaRPr>
-          </a:p>
-        </p:txBody>
-      </p:sp>
-      <p:sp>
-        <p:nvSpPr>
-          <p:cNvPr id="95" name="TextShape 2"/>
-          <p:cNvSpPr txBox="1"/>
+            <a:endParaRPr b="1" lang="en-US" sz="2800" spc="-1" strike="noStrike">
+              <a:latin typeface="Arial"/>
+            </a:endParaRPr>
+          </a:p>
+        </p:txBody>
+      </p:sp>
+      <p:sp>
+        <p:nvSpPr>
+          <p:cNvPr id="93" name="CustomShape 2"/>
+          <p:cNvSpPr/>
           <p:nvPr/>
         </p:nvSpPr>
         <p:spPr>
           <a:xfrm>
             <a:off x="729360" y="2079000"/>
-            <a:ext cx="7688520" cy="2260800"/>
+            <a:ext cx="7688160" cy="2260440"/>
           </a:xfrm>
           <a:prstGeom prst="rect">
             <a:avLst/>
@@ -5699,12 +5611,21 @@
             <a:noFill/>
           </a:ln>
         </p:spPr>
+        <p:style>
+          <a:lnRef idx="0"/>
+          <a:fillRef idx="0"/>
+          <a:effectRef idx="0"/>
+          <a:fontRef idx="minor"/>
+        </p:style>
         <p:txBody>
           <a:bodyPr lIns="0" rIns="0" tIns="0" bIns="0">
-            <a:normAutofit/>
-          </a:bodyPr>
-          <a:p>
-            <a:pPr marL="432000" indent="-324000">
+            <a:normAutofit fontScale="37000"/>
+          </a:bodyPr>
+          <a:p>
+            <a:pPr marL="432000" indent="-323640">
+              <a:lnSpc>
+                <a:spcPct val="100000"/>
+              </a:lnSpc>
               <a:spcBef>
                 <a:spcPts val="1417"/>
               </a:spcBef>
@@ -5715,23 +5636,26 @@
               <a:buAutoNum type="arabicPeriod"/>
             </a:pPr>
             <a:r>
-              <a:rPr b="0" lang="en-US" sz="1400" spc="-1" strike="noStrike">
+              <a:rPr b="0" lang="en-US" sz="2200" spc="-1" strike="noStrike">
                 <a:solidFill>
-                  <a:srgbClr val="000000"/>
+                  <a:srgbClr val="595959"/>
                 </a:solidFill>
                 <a:latin typeface="Arial"/>
               </a:rPr>
               <a:t>Abstract</a:t>
             </a:r>
-            <a:endParaRPr b="0" lang="en-US" sz="1400" spc="-1" strike="noStrike">
+            <a:endParaRPr b="0" lang="en-US" sz="2200" spc="-1" strike="noStrike">
               <a:solidFill>
-                <a:srgbClr val="000000"/>
+                <a:srgbClr val="595959"/>
               </a:solidFill>
               <a:latin typeface="Arial"/>
             </a:endParaRPr>
           </a:p>
           <a:p>
-            <a:pPr marL="432000" indent="-324000">
+            <a:pPr marL="432000" indent="-323640">
+              <a:lnSpc>
+                <a:spcPct val="100000"/>
+              </a:lnSpc>
               <a:spcBef>
                 <a:spcPts val="1417"/>
               </a:spcBef>
@@ -5742,17 +5666,227 @@
               <a:buAutoNum type="arabicPeriod"/>
             </a:pPr>
             <a:r>
-              <a:rPr b="0" lang="en-US" sz="1400" spc="-1" strike="noStrike">
+              <a:rPr b="0" lang="en-US" sz="2200" spc="-1" strike="noStrike">
                 <a:solidFill>
-                  <a:srgbClr val="000000"/>
+                  <a:srgbClr val="595959"/>
                 </a:solidFill>
                 <a:latin typeface="Arial"/>
               </a:rPr>
+              <a:t>Project Definition</a:t>
+            </a:r>
+            <a:endParaRPr b="0" lang="en-US" sz="2200" spc="-1" strike="noStrike">
+              <a:solidFill>
+                <a:srgbClr val="595959"/>
+              </a:solidFill>
+              <a:latin typeface="Arial"/>
+            </a:endParaRPr>
+          </a:p>
+          <a:p>
+            <a:pPr marL="432000" indent="-323640">
+              <a:lnSpc>
+                <a:spcPct val="100000"/>
+              </a:lnSpc>
+              <a:spcBef>
+                <a:spcPts val="1417"/>
+              </a:spcBef>
+              <a:buClr>
+                <a:srgbClr val="000000"/>
+              </a:buClr>
+              <a:buFont typeface="StarSymbol"/>
+              <a:buAutoNum type="arabicPeriod"/>
+            </a:pPr>
+            <a:r>
+              <a:rPr b="0" lang="en-US" sz="2200" spc="-1" strike="noStrike">
+                <a:solidFill>
+                  <a:srgbClr val="595959"/>
+                </a:solidFill>
+                <a:latin typeface="Arial"/>
+              </a:rPr>
               <a:t>Project Features/ Functionality</a:t>
             </a:r>
-            <a:endParaRPr b="0" lang="en-US" sz="1400" spc="-1" strike="noStrike">
+            <a:endParaRPr b="0" lang="en-US" sz="2200" spc="-1" strike="noStrike">
               <a:solidFill>
+                <a:srgbClr val="595959"/>
+              </a:solidFill>
+              <a:latin typeface="Arial"/>
+            </a:endParaRPr>
+          </a:p>
+          <a:p>
+            <a:pPr marL="432000" indent="-323640">
+              <a:lnSpc>
+                <a:spcPct val="100000"/>
+              </a:lnSpc>
+              <a:spcBef>
+                <a:spcPts val="1417"/>
+              </a:spcBef>
+              <a:buClr>
                 <a:srgbClr val="000000"/>
+              </a:buClr>
+              <a:buFont typeface="StarSymbol"/>
+              <a:buAutoNum type="arabicPeriod"/>
+            </a:pPr>
+            <a:r>
+              <a:rPr b="0" lang="en-US" sz="2200" spc="-1" strike="noStrike">
+                <a:solidFill>
+                  <a:srgbClr val="595959"/>
+                </a:solidFill>
+                <a:latin typeface="Arial"/>
+              </a:rPr>
+              <a:t>Overview</a:t>
+            </a:r>
+            <a:endParaRPr b="0" lang="en-US" sz="2200" spc="-1" strike="noStrike">
+              <a:solidFill>
+                <a:srgbClr val="595959"/>
+              </a:solidFill>
+              <a:latin typeface="Arial"/>
+            </a:endParaRPr>
+          </a:p>
+          <a:p>
+            <a:pPr marL="432000" indent="-323640">
+              <a:lnSpc>
+                <a:spcPct val="100000"/>
+              </a:lnSpc>
+              <a:spcBef>
+                <a:spcPts val="1417"/>
+              </a:spcBef>
+              <a:buClr>
+                <a:srgbClr val="000000"/>
+              </a:buClr>
+              <a:buFont typeface="StarSymbol"/>
+              <a:buAutoNum type="arabicPeriod"/>
+            </a:pPr>
+            <a:r>
+              <a:rPr b="0" lang="en-US" sz="2200" spc="-1" strike="noStrike">
+                <a:solidFill>
+                  <a:srgbClr val="595959"/>
+                </a:solidFill>
+                <a:latin typeface="Arial"/>
+              </a:rPr>
+              <a:t>Need for Application</a:t>
+            </a:r>
+            <a:endParaRPr b="0" lang="en-US" sz="2200" spc="-1" strike="noStrike">
+              <a:solidFill>
+                <a:srgbClr val="595959"/>
+              </a:solidFill>
+              <a:latin typeface="Arial"/>
+            </a:endParaRPr>
+          </a:p>
+          <a:p>
+            <a:pPr marL="432000" indent="-323640">
+              <a:lnSpc>
+                <a:spcPct val="100000"/>
+              </a:lnSpc>
+              <a:spcBef>
+                <a:spcPts val="1417"/>
+              </a:spcBef>
+              <a:buClr>
+                <a:srgbClr val="000000"/>
+              </a:buClr>
+              <a:buFont typeface="StarSymbol"/>
+              <a:buAutoNum type="arabicPeriod"/>
+            </a:pPr>
+            <a:r>
+              <a:rPr b="0" lang="en-US" sz="2200" spc="-1" strike="noStrike">
+                <a:solidFill>
+                  <a:srgbClr val="595959"/>
+                </a:solidFill>
+                <a:latin typeface="Arial"/>
+              </a:rPr>
+              <a:t>Operating environment</a:t>
+            </a:r>
+            <a:endParaRPr b="0" lang="en-US" sz="2200" spc="-1" strike="noStrike">
+              <a:solidFill>
+                <a:srgbClr val="595959"/>
+              </a:solidFill>
+              <a:latin typeface="Arial"/>
+            </a:endParaRPr>
+          </a:p>
+          <a:p>
+            <a:pPr marL="432000" indent="-323640">
+              <a:lnSpc>
+                <a:spcPct val="100000"/>
+              </a:lnSpc>
+              <a:spcBef>
+                <a:spcPts val="1417"/>
+              </a:spcBef>
+              <a:buClr>
+                <a:srgbClr val="000000"/>
+              </a:buClr>
+              <a:buFont typeface="StarSymbol"/>
+              <a:buAutoNum type="arabicPeriod"/>
+            </a:pPr>
+            <a:r>
+              <a:rPr b="0" lang="en-US" sz="2200" spc="-1" strike="noStrike">
+                <a:solidFill>
+                  <a:srgbClr val="595959"/>
+                </a:solidFill>
+                <a:latin typeface="Arial"/>
+              </a:rPr>
+              <a:t>Technology stack</a:t>
+            </a:r>
+            <a:endParaRPr b="0" lang="en-US" sz="2200" spc="-1" strike="noStrike">
+              <a:solidFill>
+                <a:srgbClr val="595959"/>
+              </a:solidFill>
+              <a:latin typeface="Arial"/>
+            </a:endParaRPr>
+          </a:p>
+          <a:p>
+            <a:pPr marL="432000" indent="-323640">
+              <a:lnSpc>
+                <a:spcPct val="100000"/>
+              </a:lnSpc>
+              <a:spcBef>
+                <a:spcPts val="1417"/>
+              </a:spcBef>
+              <a:buClr>
+                <a:srgbClr val="000000"/>
+              </a:buClr>
+              <a:buFont typeface="StarSymbol"/>
+              <a:buAutoNum type="arabicPeriod"/>
+            </a:pPr>
+            <a:r>
+              <a:rPr b="0" lang="en-US" sz="2200" spc="-1" strike="noStrike">
+                <a:solidFill>
+                  <a:srgbClr val="595959"/>
+                </a:solidFill>
+                <a:latin typeface="Arial"/>
+              </a:rPr>
+              <a:t>Hardware Requirement</a:t>
+            </a:r>
+            <a:endParaRPr b="0" lang="en-US" sz="2200" spc="-1" strike="noStrike">
+              <a:solidFill>
+                <a:srgbClr val="595959"/>
+              </a:solidFill>
+              <a:latin typeface="Arial"/>
+            </a:endParaRPr>
+          </a:p>
+          <a:p>
+            <a:pPr marL="432000" indent="-323640">
+              <a:lnSpc>
+                <a:spcPct val="100000"/>
+              </a:lnSpc>
+              <a:spcBef>
+                <a:spcPts val="1417"/>
+              </a:spcBef>
+              <a:buClr>
+                <a:srgbClr val="000000"/>
+              </a:buClr>
+              <a:buFont typeface="StarSymbol"/>
+              <a:buAutoNum type="arabicPeriod"/>
+            </a:pPr>
+            <a:r>
+              <a:rPr b="0" lang="en-US" sz="2200" spc="-1" strike="noStrike">
+                <a:solidFill>
+                  <a:srgbClr val="595959"/>
+                </a:solidFill>
+                <a:latin typeface="Arial"/>
+              </a:rPr>
+              <a:t>Work done till date</a:t>
+            </a:r>
+            <a:endParaRPr b="0" lang="en-US" sz="2200" spc="-1" strike="noStrike">
+              <a:solidFill>
+                <a:srgbClr val="595959"/>
               </a:solidFill>
               <a:latin typeface="Arial"/>
             </a:endParaRPr>
@@ -5791,14 +5925,14 @@
       </p:grpSpPr>
       <p:sp>
         <p:nvSpPr>
-          <p:cNvPr id="96" name="TextShape 1"/>
-          <p:cNvSpPr txBox="1"/>
+          <p:cNvPr id="94" name="CustomShape 1"/>
+          <p:cNvSpPr/>
           <p:nvPr/>
         </p:nvSpPr>
         <p:spPr>
           <a:xfrm>
             <a:off x="632520" y="653760"/>
-            <a:ext cx="7688520" cy="534960"/>
+            <a:ext cx="7688160" cy="534600"/>
           </a:xfrm>
           <a:prstGeom prst="rect">
             <a:avLst/>
@@ -5808,11 +5942,22 @@
             <a:noFill/>
           </a:ln>
         </p:spPr>
+        <p:style>
+          <a:lnRef idx="0"/>
+          <a:fillRef idx="0"/>
+          <a:effectRef idx="0"/>
+          <a:fontRef idx="minor"/>
+        </p:style>
         <p:txBody>
           <a:bodyPr lIns="0" rIns="0" tIns="0" bIns="0" anchor="ctr">
             <a:noAutofit/>
           </a:bodyPr>
           <a:p>
+            <a:pPr>
+              <a:lnSpc>
+                <a:spcPct val="100000"/>
+              </a:lnSpc>
+            </a:pPr>
             <a:r>
               <a:rPr b="1" lang="en-US" sz="2000" spc="-1" strike="noStrike">
                 <a:solidFill>
@@ -5822,25 +5967,22 @@
               </a:rPr>
               <a:t>Abstract</a:t>
             </a:r>
-            <a:endParaRPr b="1" lang="en-US" sz="2000" spc="-1" strike="noStrike">
-              <a:solidFill>
-                <a:srgbClr val="000000"/>
-              </a:solidFill>
-              <a:latin typeface="Bahnschrift"/>
-            </a:endParaRPr>
-          </a:p>
-        </p:txBody>
-      </p:sp>
-      <p:sp>
-        <p:nvSpPr>
-          <p:cNvPr id="97" name="TextShape 2"/>
-          <p:cNvSpPr txBox="1"/>
+            <a:endParaRPr b="0" lang="en-US" sz="2000" spc="-1" strike="noStrike">
+              <a:latin typeface="Arial"/>
+            </a:endParaRPr>
+          </a:p>
+        </p:txBody>
+      </p:sp>
+      <p:sp>
+        <p:nvSpPr>
+          <p:cNvPr id="95" name="CustomShape 2"/>
+          <p:cNvSpPr/>
           <p:nvPr/>
         </p:nvSpPr>
         <p:spPr>
           <a:xfrm>
             <a:off x="548640" y="1371600"/>
-            <a:ext cx="8046720" cy="3930120"/>
+            <a:ext cx="8046360" cy="3929760"/>
           </a:xfrm>
           <a:prstGeom prst="rect">
             <a:avLst/>
@@ -5850,11 +5992,22 @@
             <a:noFill/>
           </a:ln>
         </p:spPr>
+        <p:style>
+          <a:lnRef idx="0"/>
+          <a:fillRef idx="0"/>
+          <a:effectRef idx="0"/>
+          <a:fontRef idx="minor"/>
+        </p:style>
         <p:txBody>
           <a:bodyPr lIns="90000" rIns="90000" tIns="45000" bIns="45000">
             <a:noAutofit/>
           </a:bodyPr>
           <a:p>
+            <a:pPr>
+              <a:lnSpc>
+                <a:spcPct val="100000"/>
+              </a:lnSpc>
+            </a:pPr>
             <a:r>
               <a:rPr b="0" lang="en-US" sz="1300" spc="-1" strike="noStrike">
                 <a:solidFill>
@@ -5865,21 +6018,25 @@
               <a:t>Claims seem to be inevitable for most construction projects. However, the management of claims is not a simple straightforward task. The submission of claims requires some evidence to substantiate the claim, certain details to be included, some procedures (as spelled out in the contract) to be followed, and needs to be submitted within a specified time-frame. This task can be made even more complicated due to the lack of an efficient document management system and competent staff to oversee the whole process, and also the departure of key personnel in the project particularly the one who knows the most about a claim. </a:t>
             </a:r>
             <a:endParaRPr b="0" lang="en-US" sz="1300" spc="-1" strike="noStrike">
-              <a:solidFill>
-                <a:srgbClr val="595959"/>
-              </a:solidFill>
-              <a:latin typeface="Lato"/>
-            </a:endParaRPr>
-          </a:p>
-          <a:p>
+              <a:latin typeface="Arial"/>
+            </a:endParaRPr>
+          </a:p>
+          <a:p>
+            <a:pPr>
+              <a:lnSpc>
+                <a:spcPct val="100000"/>
+              </a:lnSpc>
+            </a:pPr>
             <a:endParaRPr b="0" lang="en-US" sz="1300" spc="-1" strike="noStrike">
-              <a:solidFill>
-                <a:srgbClr val="595959"/>
-              </a:solidFill>
-              <a:latin typeface="Lato"/>
-            </a:endParaRPr>
-          </a:p>
-          <a:p>
+              <a:latin typeface="Arial"/>
+            </a:endParaRPr>
+          </a:p>
+          <a:p>
+            <a:pPr>
+              <a:lnSpc>
+                <a:spcPct val="100000"/>
+              </a:lnSpc>
+            </a:pPr>
             <a:r>
               <a:rPr b="0" lang="en-US" sz="1300" spc="-1" strike="noStrike">
                 <a:solidFill>
@@ -5890,21 +6047,25 @@
               <a:t>Without an efficient system for managing claims, disputing parties may find themselves at the losing end, as challenging the claims by an opposing party who is well prepared may prove to be difficult. Related to this, the preliminary review of existing literature does not reveal any dedicated information system developed for managing both the documentation of claims and, more importantly, the knowledge created. The lack of IT system support means that most aspects of the contract administration are done manually with most of the details residing in the head of the contract administrator, whilst the rest are distributed among the various members of staff involved in the particular project.</a:t>
             </a:r>
             <a:endParaRPr b="0" lang="en-US" sz="1300" spc="-1" strike="noStrike">
-              <a:solidFill>
-                <a:srgbClr val="595959"/>
-              </a:solidFill>
-              <a:latin typeface="Lato"/>
-            </a:endParaRPr>
-          </a:p>
-          <a:p>
+              <a:latin typeface="Arial"/>
+            </a:endParaRPr>
+          </a:p>
+          <a:p>
+            <a:pPr>
+              <a:lnSpc>
+                <a:spcPct val="100000"/>
+              </a:lnSpc>
+            </a:pPr>
             <a:endParaRPr b="0" lang="en-US" sz="1300" spc="-1" strike="noStrike">
-              <a:solidFill>
-                <a:srgbClr val="595959"/>
-              </a:solidFill>
-              <a:latin typeface="Lato"/>
-            </a:endParaRPr>
-          </a:p>
-          <a:p>
+              <a:latin typeface="Arial"/>
+            </a:endParaRPr>
+          </a:p>
+          <a:p>
+            <a:pPr>
+              <a:lnSpc>
+                <a:spcPct val="100000"/>
+              </a:lnSpc>
+            </a:pPr>
             <a:r>
               <a:rPr b="0" lang="en-US" sz="1300" spc="-1" strike="noStrike">
                 <a:solidFill>
@@ -5915,10 +6076,7 @@
               <a:t>This web application provides a solution to the above difficulties.</a:t>
             </a:r>
             <a:endParaRPr b="0" lang="en-US" sz="1300" spc="-1" strike="noStrike">
-              <a:solidFill>
-                <a:srgbClr val="595959"/>
-              </a:solidFill>
-              <a:latin typeface="Lato"/>
+              <a:latin typeface="Arial"/>
             </a:endParaRPr>
           </a:p>
         </p:txBody>
@@ -5955,14 +6113,14 @@
       </p:grpSpPr>
       <p:sp>
         <p:nvSpPr>
-          <p:cNvPr id="98" name="TextShape 1"/>
-          <p:cNvSpPr txBox="1"/>
+          <p:cNvPr id="96" name="CustomShape 1"/>
+          <p:cNvSpPr/>
           <p:nvPr/>
         </p:nvSpPr>
         <p:spPr>
           <a:xfrm>
             <a:off x="729360" y="1318680"/>
-            <a:ext cx="7688520" cy="534960"/>
+            <a:ext cx="7688160" cy="534600"/>
           </a:xfrm>
           <a:prstGeom prst="rect">
             <a:avLst/>
@@ -5972,8 +6130,14 @@
             <a:noFill/>
           </a:ln>
         </p:spPr>
-        <p:txBody>
-          <a:bodyPr tIns="91440" bIns="91440">
+        <p:style>
+          <a:lnRef idx="0"/>
+          <a:fillRef idx="0"/>
+          <a:effectRef idx="0"/>
+          <a:fontRef idx="minor"/>
+        </p:style>
+        <p:txBody>
+          <a:bodyPr lIns="90000" rIns="90000" tIns="91440" bIns="91440">
             <a:noAutofit/>
           </a:bodyPr>
           <a:p>
@@ -5993,24 +6157,21 @@
               <a:t>Project Definition</a:t>
             </a:r>
             <a:endParaRPr b="0" lang="en-US" sz="2600" spc="-1" strike="noStrike">
-              <a:solidFill>
-                <a:srgbClr val="000000"/>
-              </a:solidFill>
-              <a:latin typeface="Arial"/>
-            </a:endParaRPr>
-          </a:p>
-        </p:txBody>
-      </p:sp>
-      <p:sp>
-        <p:nvSpPr>
-          <p:cNvPr id="99" name="TextShape 2"/>
-          <p:cNvSpPr txBox="1"/>
+              <a:latin typeface="Arial"/>
+            </a:endParaRPr>
+          </a:p>
+        </p:txBody>
+      </p:sp>
+      <p:sp>
+        <p:nvSpPr>
+          <p:cNvPr id="97" name="CustomShape 2"/>
+          <p:cNvSpPr/>
           <p:nvPr/>
         </p:nvSpPr>
         <p:spPr>
           <a:xfrm>
             <a:off x="729360" y="2079000"/>
-            <a:ext cx="7688520" cy="2260800"/>
+            <a:ext cx="7688160" cy="2260440"/>
           </a:xfrm>
           <a:prstGeom prst="rect">
             <a:avLst/>
@@ -6020,8 +6181,14 @@
             <a:noFill/>
           </a:ln>
         </p:spPr>
-        <p:txBody>
-          <a:bodyPr tIns="91440" bIns="91440">
+        <p:style>
+          <a:lnRef idx="0"/>
+          <a:fillRef idx="0"/>
+          <a:effectRef idx="0"/>
+          <a:fontRef idx="minor"/>
+        </p:style>
+        <p:txBody>
+          <a:bodyPr lIns="90000" rIns="90000" tIns="91440" bIns="91440">
             <a:noAutofit/>
           </a:bodyPr>
           <a:p>
@@ -6041,9 +6208,6 @@
               <a:t>Web based system which aims at processing of claims for an organization’s employees. An organisation can register their internal representative user (max of 5 representative users allowed).</a:t>
             </a:r>
             <a:endParaRPr b="0" lang="en-US" sz="1300" spc="-1" strike="noStrike">
-              <a:solidFill>
-                <a:srgbClr val="000000"/>
-              </a:solidFill>
               <a:latin typeface="Arial"/>
             </a:endParaRPr>
           </a:p>
@@ -6067,9 +6231,6 @@
               <a:t>These users enter details of the claim like claimant’s personal details, injury information , payment details and other  related details along with the proposed payment details.</a:t>
             </a:r>
             <a:endParaRPr b="0" lang="en-US" sz="1300" spc="-1" strike="noStrike">
-              <a:solidFill>
-                <a:srgbClr val="000000"/>
-              </a:solidFill>
               <a:latin typeface="Arial"/>
             </a:endParaRPr>
           </a:p>
@@ -6093,9 +6254,6 @@
               <a:t>This is a US health based system.</a:t>
             </a:r>
             <a:endParaRPr b="0" lang="en-US" sz="1300" spc="-1" strike="noStrike">
-              <a:solidFill>
-                <a:srgbClr val="000000"/>
-              </a:solidFill>
               <a:latin typeface="Arial"/>
             </a:endParaRPr>
           </a:p>
@@ -6122,9 +6280,6 @@
               <a:t> </a:t>
             </a:r>
             <a:endParaRPr b="0" lang="en-US" sz="1300" spc="-1" strike="noStrike">
-              <a:solidFill>
-                <a:srgbClr val="000000"/>
-              </a:solidFill>
               <a:latin typeface="Arial"/>
             </a:endParaRPr>
           </a:p>
@@ -6162,14 +6317,14 @@
       </p:grpSpPr>
       <p:sp>
         <p:nvSpPr>
-          <p:cNvPr id="100" name="TextShape 1"/>
-          <p:cNvSpPr txBox="1"/>
+          <p:cNvPr id="98" name="CustomShape 1"/>
+          <p:cNvSpPr/>
           <p:nvPr/>
         </p:nvSpPr>
         <p:spPr>
           <a:xfrm>
             <a:off x="548640" y="653760"/>
-            <a:ext cx="7688520" cy="534960"/>
+            <a:ext cx="7688160" cy="534600"/>
           </a:xfrm>
           <a:prstGeom prst="rect">
             <a:avLst/>
@@ -6179,11 +6334,22 @@
             <a:noFill/>
           </a:ln>
         </p:spPr>
+        <p:style>
+          <a:lnRef idx="0"/>
+          <a:fillRef idx="0"/>
+          <a:effectRef idx="0"/>
+          <a:fontRef idx="minor"/>
+        </p:style>
         <p:txBody>
           <a:bodyPr lIns="0" rIns="0" tIns="0" bIns="0" anchor="ctr">
             <a:noAutofit/>
           </a:bodyPr>
           <a:p>
+            <a:pPr>
+              <a:lnSpc>
+                <a:spcPct val="100000"/>
+              </a:lnSpc>
+            </a:pPr>
             <a:r>
               <a:rPr b="1" lang="en-US" sz="2600" spc="-1" strike="noStrike">
                 <a:solidFill>
@@ -6193,25 +6359,22 @@
               </a:rPr>
               <a:t>Project Features/ Functionality</a:t>
             </a:r>
-            <a:endParaRPr b="1" lang="en-US" sz="2600" spc="-1" strike="noStrike">
-              <a:solidFill>
-                <a:srgbClr val="000000"/>
-              </a:solidFill>
-              <a:latin typeface="Arial"/>
-            </a:endParaRPr>
-          </a:p>
-        </p:txBody>
-      </p:sp>
-      <p:sp>
-        <p:nvSpPr>
-          <p:cNvPr id="101" name="TextShape 2"/>
-          <p:cNvSpPr txBox="1"/>
+            <a:endParaRPr b="0" lang="en-US" sz="2600" spc="-1" strike="noStrike">
+              <a:latin typeface="Arial"/>
+            </a:endParaRPr>
+          </a:p>
+        </p:txBody>
+      </p:sp>
+      <p:sp>
+        <p:nvSpPr>
+          <p:cNvPr id="99" name="CustomShape 2"/>
+          <p:cNvSpPr/>
           <p:nvPr/>
         </p:nvSpPr>
         <p:spPr>
           <a:xfrm>
-            <a:off x="501840" y="1737360"/>
-            <a:ext cx="8140320" cy="3017520"/>
+            <a:off x="435960" y="1527120"/>
+            <a:ext cx="8139960" cy="3017160"/>
           </a:xfrm>
           <a:prstGeom prst="rect">
             <a:avLst/>
@@ -6221,12 +6384,21 @@
             <a:noFill/>
           </a:ln>
         </p:spPr>
+        <p:style>
+          <a:lnRef idx="0"/>
+          <a:fillRef idx="0"/>
+          <a:effectRef idx="0"/>
+          <a:fontRef idx="minor"/>
+        </p:style>
         <p:txBody>
           <a:bodyPr lIns="0" rIns="0" tIns="0" bIns="0">
-            <a:normAutofit fontScale="83000"/>
-          </a:bodyPr>
-          <a:p>
-            <a:pPr marL="432000" indent="-324000">
+            <a:normAutofit fontScale="76000"/>
+          </a:bodyPr>
+          <a:p>
+            <a:pPr marL="432000" indent="-323640">
+              <a:lnSpc>
+                <a:spcPct val="100000"/>
+              </a:lnSpc>
               <a:spcBef>
                 <a:spcPts val="1417"/>
               </a:spcBef>
@@ -6247,10 +6419,7 @@
               <a:t>A simple submission process from any device: </a:t>
             </a:r>
             <a:endParaRPr b="0" lang="en-US" sz="1300" spc="-1" strike="noStrike">
-              <a:solidFill>
-                <a:srgbClr val="595959"/>
-              </a:solidFill>
-              <a:latin typeface="Lato"/>
+              <a:latin typeface="Arial"/>
             </a:endParaRPr>
           </a:p>
           <a:p>
@@ -6275,18 +6444,18 @@
                 </a:solidFill>
                 <a:latin typeface="Lato"/>
               </a:rPr>
-              <a:t>Users need to have the possibility to complete a short and simple form using their smartphone or tablet. Claimants’ basic info, such as first name and last name (as well as other contact information) should be  filled in automatically when the customer decides to submit a claim. This should be easy to do since the info is already in the carrier’s database. In addition, the claims process will be easier if customers understand intuitively how to attach photos of receipts or invoices to their claim.</a:t>
+              <a:t>Internal Users have the possibility to complete a short and simple form using their smartphone. Claimants’ basic info, such as first name and last name (as well as other contact information) should be  filled in automatically when the customer decides to submit a claim. This should be easy to do since the info is already in the carrier’s database. In addition, the claims process will be easier if customers understand intuitively how to attach photos of receipts or invoices to their claim.</a:t>
             </a:r>
             <a:endParaRPr b="0" lang="en-US" sz="1300" spc="-1" strike="noStrike">
-              <a:solidFill>
-                <a:srgbClr val="595959"/>
-              </a:solidFill>
-              <a:latin typeface="Lato"/>
-              <a:ea typeface="Arial"/>
-            </a:endParaRPr>
-          </a:p>
-          <a:p>
-            <a:pPr marL="432000" indent="-324000">
+              <a:latin typeface="Arial"/>
+              <a:ea typeface="Microsoft YaHei"/>
+            </a:endParaRPr>
+          </a:p>
+          <a:p>
+            <a:pPr marL="432000" indent="-323640">
+              <a:lnSpc>
+                <a:spcPct val="100000"/>
+              </a:lnSpc>
               <a:spcBef>
                 <a:spcPts val="1417"/>
               </a:spcBef>
@@ -6307,10 +6476,7 @@
               <a:t>Tracking claims progress</a:t>
             </a:r>
             <a:endParaRPr b="0" lang="en-US" sz="1300" spc="-1" strike="noStrike">
-              <a:solidFill>
-                <a:srgbClr val="595959"/>
-              </a:solidFill>
-              <a:latin typeface="Lato"/>
+              <a:latin typeface="Arial"/>
             </a:endParaRPr>
           </a:p>
           <a:p>
@@ -6335,18 +6501,18 @@
                 </a:solidFill>
                 <a:latin typeface="Lato"/>
               </a:rPr>
-              <a:t>Claimants need to be able to track the status and decision of consultants regarding their claim, further steps they have to take, as well as the final outcome.</a:t>
+              <a:t>Claimants and organization need to be able to track the status and decision of consultants regarding their claim, further steps they have to take, as well as the final outcome.</a:t>
             </a:r>
             <a:endParaRPr b="0" lang="en-US" sz="1300" spc="-1" strike="noStrike">
-              <a:solidFill>
-                <a:srgbClr val="595959"/>
-              </a:solidFill>
-              <a:latin typeface="Lato"/>
-              <a:ea typeface="Arial"/>
-            </a:endParaRPr>
-          </a:p>
-          <a:p>
-            <a:pPr marL="432000" indent="-324000">
+              <a:latin typeface="Arial"/>
+              <a:ea typeface="Microsoft YaHei"/>
+            </a:endParaRPr>
+          </a:p>
+          <a:p>
+            <a:pPr marL="432000" indent="-323640">
+              <a:lnSpc>
+                <a:spcPct val="100000"/>
+              </a:lnSpc>
               <a:spcBef>
                 <a:spcPts val="1417"/>
               </a:spcBef>
@@ -6367,10 +6533,7 @@
               <a:t>All documents in customer’s pocket</a:t>
             </a:r>
             <a:endParaRPr b="0" lang="en-US" sz="1300" spc="-1" strike="noStrike">
-              <a:solidFill>
-                <a:srgbClr val="595959"/>
-              </a:solidFill>
-              <a:latin typeface="Lato"/>
+              <a:latin typeface="Arial"/>
             </a:endParaRPr>
           </a:p>
           <a:p>
@@ -6398,30 +6561,22 @@
               <a:t>When the customer uses their insurer’s app, they need to store their paperwork such as copies of their ID, driving license and policy documents on their application.</a:t>
             </a:r>
             <a:endParaRPr b="0" lang="en-US" sz="1300" spc="-1" strike="noStrike">
-              <a:solidFill>
-                <a:srgbClr val="595959"/>
-              </a:solidFill>
-              <a:latin typeface="Lato"/>
-              <a:ea typeface="Arial"/>
-            </a:endParaRPr>
-          </a:p>
-          <a:p>
-            <a:pPr marL="432000" indent="-324000">
+              <a:latin typeface="Arial"/>
+              <a:ea typeface="Microsoft YaHei"/>
+            </a:endParaRPr>
+          </a:p>
+          <a:p>
+            <a:pPr marL="360000">
+              <a:lnSpc>
+                <a:spcPct val="100000"/>
+              </a:lnSpc>
               <a:spcBef>
                 <a:spcPts val="1417"/>
               </a:spcBef>
-              <a:buClr>
-                <a:srgbClr val="000000"/>
-              </a:buClr>
-              <a:buSzPct val="45000"/>
-              <a:buFont typeface="Wingdings" charset="2"/>
-              <a:buChar char=""/>
             </a:pPr>
             <a:endParaRPr b="0" lang="en-US" sz="1300" spc="-1" strike="noStrike">
-              <a:solidFill>
-                <a:srgbClr val="595959"/>
-              </a:solidFill>
-              <a:latin typeface="Lato"/>
+              <a:latin typeface="Arial"/>
+              <a:ea typeface="Microsoft YaHei"/>
             </a:endParaRPr>
           </a:p>
         </p:txBody>
@@ -6458,14 +6613,14 @@
       </p:grpSpPr>
       <p:sp>
         <p:nvSpPr>
-          <p:cNvPr id="102" name="TextShape 1"/>
-          <p:cNvSpPr txBox="1"/>
+          <p:cNvPr id="100" name="CustomShape 1"/>
+          <p:cNvSpPr/>
           <p:nvPr/>
         </p:nvSpPr>
         <p:spPr>
           <a:xfrm>
             <a:off x="727920" y="1463040"/>
-            <a:ext cx="7688520" cy="2260800"/>
+            <a:ext cx="7688160" cy="2260440"/>
           </a:xfrm>
           <a:prstGeom prst="rect">
             <a:avLst/>
@@ -6475,12 +6630,18 @@
             <a:noFill/>
           </a:ln>
         </p:spPr>
+        <p:style>
+          <a:lnRef idx="0"/>
+          <a:fillRef idx="0"/>
+          <a:effectRef idx="0"/>
+          <a:fontRef idx="minor"/>
+        </p:style>
         <p:txBody>
           <a:bodyPr lIns="0" rIns="0" tIns="0" bIns="0">
             <a:normAutofit/>
           </a:bodyPr>
           <a:p>
-            <a:pPr marL="432000" indent="-324000">
+            <a:pPr marL="432000" indent="-323640">
               <a:lnSpc>
                 <a:spcPct val="100000"/>
               </a:lnSpc>
@@ -6504,9 +6665,6 @@
               <a:t>Online claims payments</a:t>
             </a:r>
             <a:endParaRPr b="0" lang="en-US" sz="1300" spc="-1" strike="noStrike">
-              <a:solidFill>
-                <a:srgbClr val="595959"/>
-              </a:solidFill>
               <a:latin typeface="Arial"/>
             </a:endParaRPr>
           </a:p>
@@ -6536,14 +6694,12 @@
               <a:t>Clients can save a lot of time if the transaction of claims can be done online. It also adds transparency to the process because both the customer and the consultant have access to the final decision of the claim.</a:t>
             </a:r>
             <a:endParaRPr b="0" lang="en-US" sz="1300" spc="-1" strike="noStrike">
-              <a:solidFill>
-                <a:srgbClr val="595959"/>
-              </a:solidFill>
-              <a:latin typeface="Arial"/>
-            </a:endParaRPr>
-          </a:p>
-          <a:p>
-            <a:pPr marL="432000" indent="-324000">
+              <a:latin typeface="Arial"/>
+              <a:ea typeface="Microsoft YaHei"/>
+            </a:endParaRPr>
+          </a:p>
+          <a:p>
+            <a:pPr marL="432000" indent="-323640">
               <a:lnSpc>
                 <a:spcPct val="100000"/>
               </a:lnSpc>
@@ -6557,48 +6713,7 @@
               <a:buFont typeface="Wingdings" charset="2"/>
               <a:buChar char=""/>
             </a:pPr>
-            <a:r>
-              <a:rPr b="0" lang="en-US" sz="1300" spc="-1" strike="noStrike">
-                <a:solidFill>
-                  <a:srgbClr val="595959"/>
-                </a:solidFill>
-                <a:latin typeface="Lato"/>
-              </a:rPr>
-              <a:t>Simplicity and security</a:t>
-            </a:r>
             <a:endParaRPr b="0" lang="en-US" sz="1300" spc="-1" strike="noStrike">
-              <a:solidFill>
-                <a:srgbClr val="595959"/>
-              </a:solidFill>
-              <a:latin typeface="Arial"/>
-            </a:endParaRPr>
-          </a:p>
-          <a:p>
-            <a:pPr marL="432000" indent="-324000">
-              <a:spcBef>
-                <a:spcPts val="1417"/>
-              </a:spcBef>
-              <a:buClr>
-                <a:srgbClr val="000000"/>
-              </a:buClr>
-              <a:buSzPct val="45000"/>
-              <a:buFont typeface="Wingdings" charset="2"/>
-              <a:buChar char=""/>
-            </a:pPr>
-            <a:r>
-              <a:rPr b="0" lang="en-US" sz="1300" spc="-1" strike="noStrike">
-                <a:solidFill>
-                  <a:srgbClr val="595959"/>
-                </a:solidFill>
-                <a:latin typeface="Lato"/>
-                <a:ea typeface="Arial"/>
-              </a:rPr>
-              <a:t>For fast and easy access one can log in with a PIN code that is easy to remember. Any claims information entered must not be lost until submitted. At the same time all personal data must be secured via encryption. It is also useful if most of your app’s features are available even if the user is offline.</a:t>
-            </a:r>
-            <a:endParaRPr b="0" lang="en-US" sz="1300" spc="-1" strike="noStrike">
-              <a:solidFill>
-                <a:srgbClr val="595959"/>
-              </a:solidFill>
               <a:latin typeface="Arial"/>
             </a:endParaRPr>
           </a:p>
@@ -6636,14 +6751,14 @@
       </p:grpSpPr>
       <p:sp>
         <p:nvSpPr>
-          <p:cNvPr id="103" name="TextShape 1"/>
-          <p:cNvSpPr txBox="1"/>
+          <p:cNvPr id="101" name="CustomShape 1"/>
+          <p:cNvSpPr/>
           <p:nvPr/>
         </p:nvSpPr>
         <p:spPr>
           <a:xfrm>
             <a:off x="729360" y="1318680"/>
-            <a:ext cx="7688520" cy="534960"/>
+            <a:ext cx="7688160" cy="534600"/>
           </a:xfrm>
           <a:prstGeom prst="rect">
             <a:avLst/>
@@ -6653,8 +6768,14 @@
             <a:noFill/>
           </a:ln>
         </p:spPr>
-        <p:txBody>
-          <a:bodyPr tIns="91440" bIns="91440">
+        <p:style>
+          <a:lnRef idx="0"/>
+          <a:fillRef idx="0"/>
+          <a:effectRef idx="0"/>
+          <a:fontRef idx="minor"/>
+        </p:style>
+        <p:txBody>
+          <a:bodyPr lIns="90000" rIns="90000" tIns="91440" bIns="91440">
             <a:noAutofit/>
           </a:bodyPr>
           <a:p>
@@ -6674,24 +6795,21 @@
               <a:t>Overview</a:t>
             </a:r>
             <a:endParaRPr b="0" lang="en-US" sz="2600" spc="-1" strike="noStrike">
-              <a:solidFill>
-                <a:srgbClr val="000000"/>
-              </a:solidFill>
-              <a:latin typeface="Arial"/>
-            </a:endParaRPr>
-          </a:p>
-        </p:txBody>
-      </p:sp>
-      <p:sp>
-        <p:nvSpPr>
-          <p:cNvPr id="104" name="TextShape 2"/>
-          <p:cNvSpPr txBox="1"/>
+              <a:latin typeface="Arial"/>
+            </a:endParaRPr>
+          </a:p>
+        </p:txBody>
+      </p:sp>
+      <p:sp>
+        <p:nvSpPr>
+          <p:cNvPr id="102" name="CustomShape 2"/>
+          <p:cNvSpPr/>
           <p:nvPr/>
         </p:nvSpPr>
         <p:spPr>
           <a:xfrm>
             <a:off x="729360" y="2079000"/>
-            <a:ext cx="7688520" cy="2260800"/>
+            <a:ext cx="7688160" cy="2260440"/>
           </a:xfrm>
           <a:prstGeom prst="rect">
             <a:avLst/>
@@ -6701,8 +6819,14 @@
             <a:noFill/>
           </a:ln>
         </p:spPr>
-        <p:txBody>
-          <a:bodyPr tIns="91440" bIns="91440">
+        <p:style>
+          <a:lnRef idx="0"/>
+          <a:fillRef idx="0"/>
+          <a:effectRef idx="0"/>
+          <a:fontRef idx="minor"/>
+        </p:style>
+        <p:txBody>
+          <a:bodyPr lIns="90000" rIns="90000" tIns="91440" bIns="91440">
             <a:noAutofit/>
           </a:bodyPr>
           <a:p>
@@ -6722,9 +6846,6 @@
               <a:t>This is a web based system which aims at processing claims for an organization’s employees.</a:t>
             </a:r>
             <a:endParaRPr b="0" lang="en-US" sz="1300" spc="-1" strike="noStrike">
-              <a:solidFill>
-                <a:srgbClr val="000000"/>
-              </a:solidFill>
               <a:latin typeface="Arial"/>
             </a:endParaRPr>
           </a:p>
@@ -6745,9 +6866,6 @@
               <a:t>An organization can have subordinate groups. This web application has a super Admin who manages individual admin for very organization that uses the app. Every subordinate group has a admin responsible for managing  max 5 internal users. These internal user collect claimant data and upload on the web application.</a:t>
             </a:r>
             <a:endParaRPr b="0" lang="en-US" sz="1300" spc="-1" strike="noStrike">
-              <a:solidFill>
-                <a:srgbClr val="000000"/>
-              </a:solidFill>
               <a:latin typeface="Arial"/>
             </a:endParaRPr>
           </a:p>
@@ -6774,9 +6892,6 @@
               <a:t>The claimant data includes hospital, doctor and other injury or accident related details. The admin fills an application form containing organization details. The admin needs to pay a license fee in order to use the application. </a:t>
             </a:r>
             <a:endParaRPr b="0" lang="en-US" sz="1300" spc="-1" strike="noStrike">
-              <a:solidFill>
-                <a:srgbClr val="000000"/>
-              </a:solidFill>
               <a:latin typeface="Arial"/>
             </a:endParaRPr>
           </a:p>
@@ -6814,14 +6929,14 @@
       </p:grpSpPr>
       <p:sp>
         <p:nvSpPr>
-          <p:cNvPr id="105" name="TextShape 1"/>
-          <p:cNvSpPr txBox="1"/>
+          <p:cNvPr id="103" name="CustomShape 1"/>
+          <p:cNvSpPr/>
           <p:nvPr/>
         </p:nvSpPr>
         <p:spPr>
           <a:xfrm>
             <a:off x="729360" y="1318680"/>
-            <a:ext cx="7688520" cy="534960"/>
+            <a:ext cx="7688160" cy="534600"/>
           </a:xfrm>
           <a:prstGeom prst="rect">
             <a:avLst/>
@@ -6831,13 +6946,24 @@
             <a:noFill/>
           </a:ln>
         </p:spPr>
+        <p:style>
+          <a:lnRef idx="0"/>
+          <a:fillRef idx="0"/>
+          <a:effectRef idx="0"/>
+          <a:fontRef idx="minor"/>
+        </p:style>
         <p:txBody>
           <a:bodyPr lIns="0" rIns="0" tIns="0" bIns="0" anchor="ctr">
             <a:noAutofit/>
           </a:bodyPr>
           <a:p>
-            <a:r>
-              <a:rPr b="0" lang="en-US" sz="1400" spc="-1" strike="noStrike">
+            <a:pPr>
+              <a:lnSpc>
+                <a:spcPct val="100000"/>
+              </a:lnSpc>
+            </a:pPr>
+            <a:r>
+              <a:rPr b="1" lang="en-US" sz="2200" spc="-1" strike="noStrike">
                 <a:solidFill>
                   <a:srgbClr val="000000"/>
                 </a:solidFill>
@@ -6845,25 +6971,22 @@
               </a:rPr>
               <a:t>Need for the application</a:t>
             </a:r>
-            <a:endParaRPr b="0" lang="en-US" sz="1400" spc="-1" strike="noStrike">
-              <a:solidFill>
-                <a:srgbClr val="000000"/>
-              </a:solidFill>
-              <a:latin typeface="Arial"/>
-            </a:endParaRPr>
-          </a:p>
-        </p:txBody>
-      </p:sp>
-      <p:sp>
-        <p:nvSpPr>
-          <p:cNvPr id="106" name="TextShape 2"/>
-          <p:cNvSpPr txBox="1"/>
+            <a:endParaRPr b="1" lang="en-US" sz="2200" spc="-1" strike="noStrike">
+              <a:latin typeface="Arial"/>
+            </a:endParaRPr>
+          </a:p>
+        </p:txBody>
+      </p:sp>
+      <p:sp>
+        <p:nvSpPr>
+          <p:cNvPr id="104" name="CustomShape 2"/>
+          <p:cNvSpPr/>
           <p:nvPr/>
         </p:nvSpPr>
         <p:spPr>
           <a:xfrm>
             <a:off x="729360" y="2079000"/>
-            <a:ext cx="7688520" cy="2260800"/>
+            <a:ext cx="7688160" cy="2260440"/>
           </a:xfrm>
           <a:prstGeom prst="rect">
             <a:avLst/>
@@ -6873,12 +6996,21 @@
             <a:noFill/>
           </a:ln>
         </p:spPr>
+        <p:style>
+          <a:lnRef idx="0"/>
+          <a:fillRef idx="0"/>
+          <a:effectRef idx="0"/>
+          <a:fontRef idx="minor"/>
+        </p:style>
         <p:txBody>
           <a:bodyPr lIns="0" rIns="0" tIns="0" bIns="0">
             <a:normAutofit/>
           </a:bodyPr>
           <a:p>
-            <a:pPr marL="432000" indent="-324000">
+            <a:pPr marL="432000" indent="-323640">
+              <a:lnSpc>
+                <a:spcPct val="100000"/>
+              </a:lnSpc>
               <a:spcBef>
                 <a:spcPts val="1417"/>
               </a:spcBef>
@@ -6899,14 +7031,14 @@
               <a:t>The web application provides end to end digitization</a:t>
             </a:r>
             <a:endParaRPr b="0" lang="en-US" sz="1400" spc="-1" strike="noStrike">
-              <a:solidFill>
-                <a:srgbClr val="000000"/>
-              </a:solidFill>
-              <a:latin typeface="Arial"/>
-            </a:endParaRPr>
-          </a:p>
-          <a:p>
-            <a:pPr marL="432000" indent="-324000">
+              <a:latin typeface="Arial"/>
+            </a:endParaRPr>
+          </a:p>
+          <a:p>
+            <a:pPr marL="432000" indent="-323640">
+              <a:lnSpc>
+                <a:spcPct val="100000"/>
+              </a:lnSpc>
               <a:spcBef>
                 <a:spcPts val="1417"/>
               </a:spcBef>
@@ -6927,14 +7059,14 @@
               <a:t>Makes the process easy and more secure for both the organization and the claimant.</a:t>
             </a:r>
             <a:endParaRPr b="0" lang="en-US" sz="1400" spc="-1" strike="noStrike">
-              <a:solidFill>
-                <a:srgbClr val="000000"/>
-              </a:solidFill>
-              <a:latin typeface="Arial"/>
-            </a:endParaRPr>
-          </a:p>
-          <a:p>
-            <a:pPr marL="432000" indent="-324000">
+              <a:latin typeface="Arial"/>
+            </a:endParaRPr>
+          </a:p>
+          <a:p>
+            <a:pPr marL="432000" indent="-323640">
+              <a:lnSpc>
+                <a:spcPct val="100000"/>
+              </a:lnSpc>
               <a:spcBef>
                 <a:spcPts val="1417"/>
               </a:spcBef>
@@ -6953,26 +7085,17 @@
                 <a:latin typeface="Arial"/>
                 <a:ea typeface="Arial"/>
               </a:rPr>
-              <a:t>The employee who claimed for medical reimbursement was required to visit the claim processing department from time to time inquiring about the status of their application. This led to wastage of the employee's valuable time </a:t>
-            </a:r>
-            <a:r>
-              <a:rPr b="0" lang="en-US" sz="1400" spc="-1" strike="noStrike">
-                <a:solidFill>
-                  <a:srgbClr val="000000"/>
-                </a:solidFill>
-                <a:latin typeface="Arial"/>
-              </a:rPr>
-              <a:t>in turn causing loss to the company.</a:t>
+              <a:t>The employee who claimed for medical reimbursement was required to visit the claim processing department from time to time inquiring about the status of their application. This led to wastage of the employee's valuable time in turn causing loss to the company.</a:t>
             </a:r>
             <a:endParaRPr b="0" lang="en-US" sz="1400" spc="-1" strike="noStrike">
-              <a:solidFill>
-                <a:srgbClr val="000000"/>
-              </a:solidFill>
-              <a:latin typeface="Arial"/>
-            </a:endParaRPr>
-          </a:p>
-          <a:p>
-            <a:pPr marL="432000" indent="-324000">
+              <a:latin typeface="Arial"/>
+            </a:endParaRPr>
+          </a:p>
+          <a:p>
+            <a:pPr marL="432000" indent="-323640">
+              <a:lnSpc>
+                <a:spcPct val="100000"/>
+              </a:lnSpc>
               <a:spcBef>
                 <a:spcPts val="1417"/>
               </a:spcBef>
@@ -6989,13 +7112,11 @@
                   <a:srgbClr val="000000"/>
                 </a:solidFill>
                 <a:latin typeface="Arial"/>
+                <a:ea typeface="Arial"/>
               </a:rPr>
               <a:t>Previously the claim was processed without any regulation hence causing huge loss on the company’s part. </a:t>
             </a:r>
             <a:endParaRPr b="0" lang="en-US" sz="1400" spc="-1" strike="noStrike">
-              <a:solidFill>
-                <a:srgbClr val="000000"/>
-              </a:solidFill>
               <a:latin typeface="Arial"/>
             </a:endParaRPr>
           </a:p>
@@ -7033,14 +7154,14 @@
       </p:grpSpPr>
       <p:sp>
         <p:nvSpPr>
-          <p:cNvPr id="107" name="TextShape 1"/>
-          <p:cNvSpPr txBox="1"/>
+          <p:cNvPr id="105" name="CustomShape 1"/>
+          <p:cNvSpPr/>
           <p:nvPr/>
         </p:nvSpPr>
         <p:spPr>
           <a:xfrm>
             <a:off x="729360" y="1318680"/>
-            <a:ext cx="7688520" cy="534960"/>
+            <a:ext cx="7688160" cy="534600"/>
           </a:xfrm>
           <a:prstGeom prst="rect">
             <a:avLst/>
@@ -7050,11 +7171,22 @@
             <a:noFill/>
           </a:ln>
         </p:spPr>
+        <p:style>
+          <a:lnRef idx="0"/>
+          <a:fillRef idx="0"/>
+          <a:effectRef idx="0"/>
+          <a:fontRef idx="minor"/>
+        </p:style>
         <p:txBody>
           <a:bodyPr lIns="0" rIns="0" tIns="0" bIns="0" anchor="ctr">
             <a:noAutofit/>
           </a:bodyPr>
           <a:p>
+            <a:pPr>
+              <a:lnSpc>
+                <a:spcPct val="100000"/>
+              </a:lnSpc>
+            </a:pPr>
             <a:r>
               <a:rPr b="1" lang="en-US" sz="2600" spc="-1" strike="noStrike">
                 <a:solidFill>
@@ -7064,25 +7196,22 @@
               </a:rPr>
               <a:t>Operating Environment</a:t>
             </a:r>
-            <a:endParaRPr b="1" lang="en-US" sz="2600" spc="-1" strike="noStrike">
-              <a:solidFill>
-                <a:srgbClr val="000000"/>
-              </a:solidFill>
-              <a:latin typeface="Arial"/>
-            </a:endParaRPr>
-          </a:p>
-        </p:txBody>
-      </p:sp>
-      <p:sp>
-        <p:nvSpPr>
-          <p:cNvPr id="108" name="TextShape 2"/>
-          <p:cNvSpPr txBox="1"/>
+            <a:endParaRPr b="0" lang="en-US" sz="2600" spc="-1" strike="noStrike">
+              <a:latin typeface="Arial"/>
+            </a:endParaRPr>
+          </a:p>
+        </p:txBody>
+      </p:sp>
+      <p:sp>
+        <p:nvSpPr>
+          <p:cNvPr id="106" name="CustomShape 2"/>
+          <p:cNvSpPr/>
           <p:nvPr/>
         </p:nvSpPr>
         <p:spPr>
           <a:xfrm>
             <a:off x="729360" y="2079000"/>
-            <a:ext cx="7688520" cy="2260800"/>
+            <a:ext cx="7688160" cy="2260440"/>
           </a:xfrm>
           <a:prstGeom prst="rect">
             <a:avLst/>
@@ -7092,12 +7221,21 @@
             <a:noFill/>
           </a:ln>
         </p:spPr>
+        <p:style>
+          <a:lnRef idx="0"/>
+          <a:fillRef idx="0"/>
+          <a:effectRef idx="0"/>
+          <a:fontRef idx="minor"/>
+        </p:style>
         <p:txBody>
           <a:bodyPr lIns="0" rIns="0" tIns="0" bIns="0">
             <a:normAutofit/>
           </a:bodyPr>
           <a:p>
-            <a:pPr marL="432000" indent="-324000">
+            <a:pPr marL="432000" indent="-323640">
+              <a:lnSpc>
+                <a:spcPct val="100000"/>
+              </a:lnSpc>
               <a:spcBef>
                 <a:spcPts val="1417"/>
               </a:spcBef>
@@ -7118,14 +7256,14 @@
               <a:t>The web application will operate with the following Web Browsers:</a:t>
             </a:r>
             <a:endParaRPr b="0" lang="en-US" sz="1400" spc="-1" strike="noStrike">
-              <a:solidFill>
-                <a:srgbClr val="000000"/>
-              </a:solidFill>
-              <a:latin typeface="Arial"/>
-            </a:endParaRPr>
-          </a:p>
-          <a:p>
-            <a:pPr marL="432000" indent="-324000">
+              <a:latin typeface="Arial"/>
+            </a:endParaRPr>
+          </a:p>
+          <a:p>
+            <a:pPr marL="432000" indent="-323640">
+              <a:lnSpc>
+                <a:spcPct val="100000"/>
+              </a:lnSpc>
               <a:spcBef>
                 <a:spcPts val="1417"/>
               </a:spcBef>
@@ -7146,14 +7284,14 @@
               <a:t>Microsoft Internet Explorer version and above, Chrome, Morzilla.</a:t>
             </a:r>
             <a:endParaRPr b="0" lang="en-US" sz="1400" spc="-1" strike="noStrike">
-              <a:solidFill>
-                <a:srgbClr val="000000"/>
-              </a:solidFill>
-              <a:latin typeface="Arial"/>
-            </a:endParaRPr>
-          </a:p>
-          <a:p>
-            <a:pPr marL="432000" indent="-324000">
+              <a:latin typeface="Arial"/>
+            </a:endParaRPr>
+          </a:p>
+          <a:p>
+            <a:pPr marL="432000" indent="-323640">
+              <a:lnSpc>
+                <a:spcPct val="100000"/>
+              </a:lnSpc>
               <a:spcBef>
                 <a:spcPts val="1417"/>
               </a:spcBef>
@@ -7174,14 +7312,14 @@
               <a:t>Server running latest versions of IIS (Internet Information Server).</a:t>
             </a:r>
             <a:endParaRPr b="0" lang="en-US" sz="1400" spc="-1" strike="noStrike">
-              <a:solidFill>
-                <a:srgbClr val="000000"/>
-              </a:solidFill>
-              <a:latin typeface="Arial"/>
-            </a:endParaRPr>
-          </a:p>
-          <a:p>
-            <a:pPr marL="432000" indent="-324000">
+              <a:latin typeface="Arial"/>
+            </a:endParaRPr>
+          </a:p>
+          <a:p>
+            <a:pPr marL="432000" indent="-323640">
+              <a:lnSpc>
+                <a:spcPct val="100000"/>
+              </a:lnSpc>
               <a:spcBef>
                 <a:spcPts val="1417"/>
               </a:spcBef>
@@ -7202,9 +7340,6 @@
               <a:t>The web application can permit user access from internet connection.</a:t>
             </a:r>
             <a:endParaRPr b="0" lang="en-US" sz="1400" spc="-1" strike="noStrike">
-              <a:solidFill>
-                <a:srgbClr val="000000"/>
-              </a:solidFill>
               <a:latin typeface="Arial"/>
             </a:endParaRPr>
           </a:p>
